--- a/final_project_presentation.pptx
+++ b/final_project_presentation.pptx
@@ -2,24 +2,26 @@
 <file path=ppt/presentation.xml><?xml version="1.0" encoding="utf-8"?>
 <p:presentation xmlns:a="http://schemas.openxmlformats.org/drawingml/2006/main" xmlns:r="http://schemas.openxmlformats.org/officeDocument/2006/relationships" xmlns:p="http://schemas.openxmlformats.org/presentationml/2006/main" saveSubsetFonts="1" autoCompressPictures="0">
   <p:sldMasterIdLst>
-    <p:sldMasterId id="2147483648" r:id="rId1"/>
+    <p:sldMasterId id="2147483660" r:id="rId1"/>
   </p:sldMasterIdLst>
   <p:sldIdLst>
     <p:sldId id="256" r:id="rId2"/>
-    <p:sldId id="270" r:id="rId3"/>
-    <p:sldId id="257" r:id="rId4"/>
-    <p:sldId id="258" r:id="rId5"/>
-    <p:sldId id="259" r:id="rId6"/>
-    <p:sldId id="260" r:id="rId7"/>
-    <p:sldId id="261" r:id="rId8"/>
-    <p:sldId id="262" r:id="rId9"/>
+    <p:sldId id="257" r:id="rId3"/>
+    <p:sldId id="258" r:id="rId4"/>
+    <p:sldId id="260" r:id="rId5"/>
+    <p:sldId id="261" r:id="rId6"/>
+    <p:sldId id="262" r:id="rId7"/>
+    <p:sldId id="270" r:id="rId8"/>
+    <p:sldId id="271" r:id="rId9"/>
     <p:sldId id="263" r:id="rId10"/>
-    <p:sldId id="264" r:id="rId11"/>
-    <p:sldId id="269" r:id="rId12"/>
-    <p:sldId id="265" r:id="rId13"/>
-    <p:sldId id="266" r:id="rId14"/>
-    <p:sldId id="267" r:id="rId15"/>
-    <p:sldId id="268" r:id="rId16"/>
+    <p:sldId id="272" r:id="rId11"/>
+    <p:sldId id="264" r:id="rId12"/>
+    <p:sldId id="269" r:id="rId13"/>
+    <p:sldId id="273" r:id="rId14"/>
+    <p:sldId id="265" r:id="rId15"/>
+    <p:sldId id="266" r:id="rId16"/>
+    <p:sldId id="267" r:id="rId17"/>
+    <p:sldId id="268" r:id="rId18"/>
   </p:sldIdLst>
   <p:sldSz cx="9144000" cy="6858000" type="screen4x3"/>
   <p:notesSz cx="6858000" cy="9144000"/>
@@ -166,18 +168,23 @@
         </p:nvSpPr>
         <p:spPr>
           <a:xfrm>
-            <a:off x="685800" y="2130425"/>
-            <a:ext cx="7772400" cy="1470025"/>
-          </a:xfrm>
-        </p:spPr>
-        <p:txBody>
-          <a:bodyPr/>
-          <a:lstStyle/>
+            <a:off x="866442" y="1447801"/>
+            <a:ext cx="6620968" cy="3329581"/>
+          </a:xfrm>
+        </p:spPr>
+        <p:txBody>
+          <a:bodyPr anchor="b"/>
+          <a:lstStyle>
+            <a:lvl1pPr>
+              <a:defRPr sz="7200"/>
+            </a:lvl1pPr>
+          </a:lstStyle>
           <a:p>
             <a:r>
               <a:rPr lang="en-US"/>
               <a:t>Click to edit Master title style</a:t>
             </a:r>
+            <a:endParaRPr lang="en-US" dirty="0"/>
           </a:p>
         </p:txBody>
       </p:sp>
@@ -193,19 +200,20 @@
         </p:nvSpPr>
         <p:spPr>
           <a:xfrm>
-            <a:off x="1371600" y="3886200"/>
-            <a:ext cx="6400800" cy="1752600"/>
-          </a:xfrm>
-        </p:spPr>
-        <p:txBody>
-          <a:bodyPr/>
+            <a:off x="866442" y="4777380"/>
+            <a:ext cx="6620968" cy="861420"/>
+          </a:xfrm>
+        </p:spPr>
+        <p:txBody>
+          <a:bodyPr anchor="t"/>
           <a:lstStyle>
-            <a:lvl1pPr marL="0" indent="0" algn="ctr">
-              <a:buNone/>
-              <a:defRPr>
+            <a:lvl1pPr marL="0" indent="0" algn="l">
+              <a:buNone/>
+              <a:defRPr cap="all">
                 <a:solidFill>
-                  <a:schemeClr val="tx1">
-                    <a:tint val="75000"/>
+                  <a:schemeClr val="bg2">
+                    <a:lumMod val="40000"/>
+                    <a:lumOff val="60000"/>
                   </a:schemeClr>
                 </a:solidFill>
               </a:defRPr>
@@ -296,6 +304,7 @@
               <a:rPr lang="en-US"/>
               <a:t>Click to edit Master subtitle style</a:t>
             </a:r>
+            <a:endParaRPr lang="en-US" dirty="0"/>
           </a:p>
         </p:txBody>
       </p:sp>
@@ -316,7 +325,7 @@
           <a:p>
             <a:fld id="{5BCAD085-E8A6-8845-BD4E-CB4CCA059FC4}" type="datetimeFigureOut">
               <a:rPr lang="en-US" smtClean="0"/>
-              <a:t>12/3/2025</a:t>
+              <a:t>12/10/2025</a:t>
             </a:fld>
             <a:endParaRPr lang="en-US"/>
           </a:p>
@@ -367,7 +376,7 @@
     </p:spTree>
     <p:extLst>
       <p:ext uri="{BB962C8B-B14F-4D97-AF65-F5344CB8AC3E}">
-        <p14:creationId xmlns:p14="http://schemas.microsoft.com/office/powerpoint/2010/main" val="3168075583"/>
+        <p14:creationId xmlns:p14="http://schemas.microsoft.com/office/powerpoint/2010/main" val="270146760"/>
       </p:ext>
     </p:extLst>
   </p:cSld>
@@ -378,6 +387,2572 @@
 </file>
 
 <file path=ppt/slideLayouts/slideLayout10.xml><?xml version="1.0" encoding="utf-8"?>
+<p:sldLayout xmlns:a="http://schemas.openxmlformats.org/drawingml/2006/main" xmlns:r="http://schemas.openxmlformats.org/officeDocument/2006/relationships" xmlns:p="http://schemas.openxmlformats.org/presentationml/2006/main" preserve="1">
+  <p:cSld name="Panoramic Picture with Caption">
+    <p:spTree>
+      <p:nvGrpSpPr>
+        <p:cNvPr id="1" name=""/>
+        <p:cNvGrpSpPr/>
+        <p:nvPr/>
+      </p:nvGrpSpPr>
+      <p:grpSpPr>
+        <a:xfrm>
+          <a:off x="0" y="0"/>
+          <a:ext cx="0" cy="0"/>
+          <a:chOff x="0" y="0"/>
+          <a:chExt cx="0" cy="0"/>
+        </a:xfrm>
+      </p:grpSpPr>
+      <p:sp>
+        <p:nvSpPr>
+          <p:cNvPr id="2" name="Title 1"/>
+          <p:cNvSpPr>
+            <a:spLocks noGrp="1"/>
+          </p:cNvSpPr>
+          <p:nvPr>
+            <p:ph type="title"/>
+          </p:nvPr>
+        </p:nvSpPr>
+        <p:spPr>
+          <a:xfrm>
+            <a:off x="866443" y="4800587"/>
+            <a:ext cx="6620967" cy="566738"/>
+          </a:xfrm>
+        </p:spPr>
+        <p:txBody>
+          <a:bodyPr anchor="b">
+            <a:normAutofit/>
+          </a:bodyPr>
+          <a:lstStyle>
+            <a:lvl1pPr algn="l">
+              <a:defRPr sz="2400" b="0"/>
+            </a:lvl1pPr>
+          </a:lstStyle>
+          <a:p>
+            <a:r>
+              <a:rPr lang="en-US"/>
+              <a:t>Click to edit Master title style</a:t>
+            </a:r>
+            <a:endParaRPr lang="en-US" dirty="0"/>
+          </a:p>
+        </p:txBody>
+      </p:sp>
+      <p:sp>
+        <p:nvSpPr>
+          <p:cNvPr id="3" name="Picture Placeholder 2"/>
+          <p:cNvSpPr>
+            <a:spLocks noGrp="1" noChangeAspect="1"/>
+          </p:cNvSpPr>
+          <p:nvPr>
+            <p:ph type="pic" idx="1"/>
+          </p:nvPr>
+        </p:nvSpPr>
+        <p:spPr>
+          <a:xfrm>
+            <a:off x="866442" y="685800"/>
+            <a:ext cx="6620968" cy="3640666"/>
+          </a:xfrm>
+          <a:prstGeom prst="roundRect">
+            <a:avLst>
+              <a:gd name="adj" fmla="val 1858"/>
+            </a:avLst>
+          </a:prstGeom>
+          <a:effectLst>
+            <a:outerShdw blurRad="50800" dist="50800" dir="5400000" algn="tl" rotWithShape="0">
+              <a:srgbClr val="000000">
+                <a:alpha val="43000"/>
+              </a:srgbClr>
+            </a:outerShdw>
+          </a:effectLst>
+        </p:spPr>
+        <p:txBody>
+          <a:bodyPr anchor="t">
+            <a:normAutofit/>
+          </a:bodyPr>
+          <a:lstStyle>
+            <a:lvl1pPr marL="0" indent="0" algn="ctr">
+              <a:buNone/>
+              <a:defRPr sz="1600"/>
+            </a:lvl1pPr>
+            <a:lvl2pPr marL="457200" indent="0">
+              <a:buNone/>
+              <a:defRPr sz="1600"/>
+            </a:lvl2pPr>
+            <a:lvl3pPr marL="914400" indent="0">
+              <a:buNone/>
+              <a:defRPr sz="1600"/>
+            </a:lvl3pPr>
+            <a:lvl4pPr marL="1371600" indent="0">
+              <a:buNone/>
+              <a:defRPr sz="1600"/>
+            </a:lvl4pPr>
+            <a:lvl5pPr marL="1828800" indent="0">
+              <a:buNone/>
+              <a:defRPr sz="1600"/>
+            </a:lvl5pPr>
+            <a:lvl6pPr marL="2286000" indent="0">
+              <a:buNone/>
+              <a:defRPr sz="1600"/>
+            </a:lvl6pPr>
+            <a:lvl7pPr marL="2743200" indent="0">
+              <a:buNone/>
+              <a:defRPr sz="1600"/>
+            </a:lvl7pPr>
+            <a:lvl8pPr marL="3200400" indent="0">
+              <a:buNone/>
+              <a:defRPr sz="1600"/>
+            </a:lvl8pPr>
+            <a:lvl9pPr marL="3657600" indent="0">
+              <a:buNone/>
+              <a:defRPr sz="1600"/>
+            </a:lvl9pPr>
+          </a:lstStyle>
+          <a:p>
+            <a:r>
+              <a:rPr lang="en-US"/>
+              <a:t>Click icon to add picture</a:t>
+            </a:r>
+            <a:endParaRPr lang="en-US" dirty="0"/>
+          </a:p>
+        </p:txBody>
+      </p:sp>
+      <p:sp>
+        <p:nvSpPr>
+          <p:cNvPr id="4" name="Text Placeholder 3"/>
+          <p:cNvSpPr>
+            <a:spLocks noGrp="1"/>
+          </p:cNvSpPr>
+          <p:nvPr>
+            <p:ph type="body" sz="half" idx="2"/>
+          </p:nvPr>
+        </p:nvSpPr>
+        <p:spPr>
+          <a:xfrm>
+            <a:off x="866443" y="5367325"/>
+            <a:ext cx="6620966" cy="493712"/>
+          </a:xfrm>
+        </p:spPr>
+        <p:txBody>
+          <a:bodyPr>
+            <a:normAutofit/>
+          </a:bodyPr>
+          <a:lstStyle>
+            <a:lvl1pPr marL="0" indent="0">
+              <a:buNone/>
+              <a:defRPr sz="1200"/>
+            </a:lvl1pPr>
+            <a:lvl2pPr marL="457200" indent="0">
+              <a:buNone/>
+              <a:defRPr sz="1200"/>
+            </a:lvl2pPr>
+            <a:lvl3pPr marL="914400" indent="0">
+              <a:buNone/>
+              <a:defRPr sz="1000"/>
+            </a:lvl3pPr>
+            <a:lvl4pPr marL="1371600" indent="0">
+              <a:buNone/>
+              <a:defRPr sz="900"/>
+            </a:lvl4pPr>
+            <a:lvl5pPr marL="1828800" indent="0">
+              <a:buNone/>
+              <a:defRPr sz="900"/>
+            </a:lvl5pPr>
+            <a:lvl6pPr marL="2286000" indent="0">
+              <a:buNone/>
+              <a:defRPr sz="900"/>
+            </a:lvl6pPr>
+            <a:lvl7pPr marL="2743200" indent="0">
+              <a:buNone/>
+              <a:defRPr sz="900"/>
+            </a:lvl7pPr>
+            <a:lvl8pPr marL="3200400" indent="0">
+              <a:buNone/>
+              <a:defRPr sz="900"/>
+            </a:lvl8pPr>
+            <a:lvl9pPr marL="3657600" indent="0">
+              <a:buNone/>
+              <a:defRPr sz="900"/>
+            </a:lvl9pPr>
+          </a:lstStyle>
+          <a:p>
+            <a:pPr lvl="0"/>
+            <a:r>
+              <a:rPr lang="en-US"/>
+              <a:t>Click to edit Master text styles</a:t>
+            </a:r>
+          </a:p>
+        </p:txBody>
+      </p:sp>
+      <p:sp>
+        <p:nvSpPr>
+          <p:cNvPr id="5" name="Date Placeholder 4"/>
+          <p:cNvSpPr>
+            <a:spLocks noGrp="1"/>
+          </p:cNvSpPr>
+          <p:nvPr>
+            <p:ph type="dt" sz="half" idx="10"/>
+          </p:nvPr>
+        </p:nvSpPr>
+        <p:spPr/>
+        <p:txBody>
+          <a:bodyPr/>
+          <a:lstStyle/>
+          <a:p>
+            <a:fld id="{5BCAD085-E8A6-8845-BD4E-CB4CCA059FC4}" type="datetimeFigureOut">
+              <a:rPr lang="en-US" smtClean="0"/>
+              <a:t>12/10/2025</a:t>
+            </a:fld>
+            <a:endParaRPr lang="en-US"/>
+          </a:p>
+        </p:txBody>
+      </p:sp>
+      <p:sp>
+        <p:nvSpPr>
+          <p:cNvPr id="6" name="Footer Placeholder 5"/>
+          <p:cNvSpPr>
+            <a:spLocks noGrp="1"/>
+          </p:cNvSpPr>
+          <p:nvPr>
+            <p:ph type="ftr" sz="quarter" idx="11"/>
+          </p:nvPr>
+        </p:nvSpPr>
+        <p:spPr/>
+        <p:txBody>
+          <a:bodyPr/>
+          <a:lstStyle/>
+          <a:p>
+            <a:endParaRPr lang="en-US"/>
+          </a:p>
+        </p:txBody>
+      </p:sp>
+      <p:sp>
+        <p:nvSpPr>
+          <p:cNvPr id="7" name="Slide Number Placeholder 6"/>
+          <p:cNvSpPr>
+            <a:spLocks noGrp="1"/>
+          </p:cNvSpPr>
+          <p:nvPr>
+            <p:ph type="sldNum" sz="quarter" idx="12"/>
+          </p:nvPr>
+        </p:nvSpPr>
+        <p:spPr/>
+        <p:txBody>
+          <a:bodyPr/>
+          <a:lstStyle/>
+          <a:p>
+            <a:fld id="{C1FF6DA9-008F-8B48-92A6-B652298478BF}" type="slidenum">
+              <a:rPr lang="en-US" smtClean="0"/>
+              <a:t>‹#›</a:t>
+            </a:fld>
+            <a:endParaRPr lang="en-US"/>
+          </a:p>
+        </p:txBody>
+      </p:sp>
+    </p:spTree>
+    <p:extLst>
+      <p:ext uri="{BB962C8B-B14F-4D97-AF65-F5344CB8AC3E}">
+        <p14:creationId xmlns:p14="http://schemas.microsoft.com/office/powerpoint/2010/main" val="1603530450"/>
+      </p:ext>
+    </p:extLst>
+  </p:cSld>
+  <p:clrMapOvr>
+    <a:masterClrMapping/>
+  </p:clrMapOvr>
+</p:sldLayout>
+</file>
+
+<file path=ppt/slideLayouts/slideLayout11.xml><?xml version="1.0" encoding="utf-8"?>
+<p:sldLayout xmlns:a="http://schemas.openxmlformats.org/drawingml/2006/main" xmlns:r="http://schemas.openxmlformats.org/officeDocument/2006/relationships" xmlns:p="http://schemas.openxmlformats.org/presentationml/2006/main" preserve="1">
+  <p:cSld name="Title and Caption">
+    <p:spTree>
+      <p:nvGrpSpPr>
+        <p:cNvPr id="1" name=""/>
+        <p:cNvGrpSpPr/>
+        <p:nvPr/>
+      </p:nvGrpSpPr>
+      <p:grpSpPr>
+        <a:xfrm>
+          <a:off x="0" y="0"/>
+          <a:ext cx="0" cy="0"/>
+          <a:chOff x="0" y="0"/>
+          <a:chExt cx="0" cy="0"/>
+        </a:xfrm>
+      </p:grpSpPr>
+      <p:sp>
+        <p:nvSpPr>
+          <p:cNvPr id="2" name="Title 1"/>
+          <p:cNvSpPr>
+            <a:spLocks noGrp="1"/>
+          </p:cNvSpPr>
+          <p:nvPr>
+            <p:ph type="title"/>
+          </p:nvPr>
+        </p:nvSpPr>
+        <p:spPr>
+          <a:xfrm>
+            <a:off x="866442" y="1447800"/>
+            <a:ext cx="6620968" cy="1981200"/>
+          </a:xfrm>
+        </p:spPr>
+        <p:txBody>
+          <a:bodyPr/>
+          <a:lstStyle>
+            <a:lvl1pPr>
+              <a:defRPr sz="4800"/>
+            </a:lvl1pPr>
+          </a:lstStyle>
+          <a:p>
+            <a:r>
+              <a:rPr lang="en-US"/>
+              <a:t>Click to edit Master title style</a:t>
+            </a:r>
+            <a:endParaRPr lang="en-US" dirty="0"/>
+          </a:p>
+        </p:txBody>
+      </p:sp>
+      <p:sp>
+        <p:nvSpPr>
+          <p:cNvPr id="8" name="Text Placeholder 3"/>
+          <p:cNvSpPr>
+            <a:spLocks noGrp="1"/>
+          </p:cNvSpPr>
+          <p:nvPr>
+            <p:ph type="body" sz="half" idx="2"/>
+          </p:nvPr>
+        </p:nvSpPr>
+        <p:spPr>
+          <a:xfrm>
+            <a:off x="866442" y="3657600"/>
+            <a:ext cx="6620968" cy="2362200"/>
+          </a:xfrm>
+        </p:spPr>
+        <p:txBody>
+          <a:bodyPr anchor="ctr">
+            <a:normAutofit/>
+          </a:bodyPr>
+          <a:lstStyle>
+            <a:lvl1pPr marL="0" indent="0">
+              <a:buNone/>
+              <a:defRPr sz="1800"/>
+            </a:lvl1pPr>
+            <a:lvl2pPr marL="457200" indent="0">
+              <a:buNone/>
+              <a:defRPr sz="1200"/>
+            </a:lvl2pPr>
+            <a:lvl3pPr marL="914400" indent="0">
+              <a:buNone/>
+              <a:defRPr sz="1000"/>
+            </a:lvl3pPr>
+            <a:lvl4pPr marL="1371600" indent="0">
+              <a:buNone/>
+              <a:defRPr sz="900"/>
+            </a:lvl4pPr>
+            <a:lvl5pPr marL="1828800" indent="0">
+              <a:buNone/>
+              <a:defRPr sz="900"/>
+            </a:lvl5pPr>
+            <a:lvl6pPr marL="2286000" indent="0">
+              <a:buNone/>
+              <a:defRPr sz="900"/>
+            </a:lvl6pPr>
+            <a:lvl7pPr marL="2743200" indent="0">
+              <a:buNone/>
+              <a:defRPr sz="900"/>
+            </a:lvl7pPr>
+            <a:lvl8pPr marL="3200400" indent="0">
+              <a:buNone/>
+              <a:defRPr sz="900"/>
+            </a:lvl8pPr>
+            <a:lvl9pPr marL="3657600" indent="0">
+              <a:buNone/>
+              <a:defRPr sz="900"/>
+            </a:lvl9pPr>
+          </a:lstStyle>
+          <a:p>
+            <a:pPr lvl="0"/>
+            <a:r>
+              <a:rPr lang="en-US"/>
+              <a:t>Click to edit Master text styles</a:t>
+            </a:r>
+          </a:p>
+        </p:txBody>
+      </p:sp>
+      <p:sp>
+        <p:nvSpPr>
+          <p:cNvPr id="4" name="Date Placeholder 3"/>
+          <p:cNvSpPr>
+            <a:spLocks noGrp="1"/>
+          </p:cNvSpPr>
+          <p:nvPr>
+            <p:ph type="dt" sz="half" idx="10"/>
+          </p:nvPr>
+        </p:nvSpPr>
+        <p:spPr/>
+        <p:txBody>
+          <a:bodyPr/>
+          <a:lstStyle/>
+          <a:p>
+            <a:fld id="{5BCAD085-E8A6-8845-BD4E-CB4CCA059FC4}" type="datetimeFigureOut">
+              <a:rPr lang="en-US" smtClean="0"/>
+              <a:t>12/10/2025</a:t>
+            </a:fld>
+            <a:endParaRPr lang="en-US"/>
+          </a:p>
+        </p:txBody>
+      </p:sp>
+      <p:sp>
+        <p:nvSpPr>
+          <p:cNvPr id="5" name="Footer Placeholder 4"/>
+          <p:cNvSpPr>
+            <a:spLocks noGrp="1"/>
+          </p:cNvSpPr>
+          <p:nvPr>
+            <p:ph type="ftr" sz="quarter" idx="11"/>
+          </p:nvPr>
+        </p:nvSpPr>
+        <p:spPr/>
+        <p:txBody>
+          <a:bodyPr/>
+          <a:lstStyle/>
+          <a:p>
+            <a:endParaRPr lang="en-US"/>
+          </a:p>
+        </p:txBody>
+      </p:sp>
+      <p:sp>
+        <p:nvSpPr>
+          <p:cNvPr id="6" name="Slide Number Placeholder 5"/>
+          <p:cNvSpPr>
+            <a:spLocks noGrp="1"/>
+          </p:cNvSpPr>
+          <p:nvPr>
+            <p:ph type="sldNum" sz="quarter" idx="12"/>
+          </p:nvPr>
+        </p:nvSpPr>
+        <p:spPr/>
+        <p:txBody>
+          <a:bodyPr/>
+          <a:lstStyle/>
+          <a:p>
+            <a:fld id="{C1FF6DA9-008F-8B48-92A6-B652298478BF}" type="slidenum">
+              <a:rPr lang="en-US" smtClean="0"/>
+              <a:t>‹#›</a:t>
+            </a:fld>
+            <a:endParaRPr lang="en-US"/>
+          </a:p>
+        </p:txBody>
+      </p:sp>
+    </p:spTree>
+    <p:extLst>
+      <p:ext uri="{BB962C8B-B14F-4D97-AF65-F5344CB8AC3E}">
+        <p14:creationId xmlns:p14="http://schemas.microsoft.com/office/powerpoint/2010/main" val="1240483587"/>
+      </p:ext>
+    </p:extLst>
+  </p:cSld>
+  <p:clrMapOvr>
+    <a:masterClrMapping/>
+  </p:clrMapOvr>
+</p:sldLayout>
+</file>
+
+<file path=ppt/slideLayouts/slideLayout12.xml><?xml version="1.0" encoding="utf-8"?>
+<p:sldLayout xmlns:a="http://schemas.openxmlformats.org/drawingml/2006/main" xmlns:r="http://schemas.openxmlformats.org/officeDocument/2006/relationships" xmlns:p="http://schemas.openxmlformats.org/presentationml/2006/main" preserve="1">
+  <p:cSld name="Quote with Caption">
+    <p:spTree>
+      <p:nvGrpSpPr>
+        <p:cNvPr id="1" name=""/>
+        <p:cNvGrpSpPr/>
+        <p:nvPr/>
+      </p:nvGrpSpPr>
+      <p:grpSpPr>
+        <a:xfrm>
+          <a:off x="0" y="0"/>
+          <a:ext cx="0" cy="0"/>
+          <a:chOff x="0" y="0"/>
+          <a:chExt cx="0" cy="0"/>
+        </a:xfrm>
+      </p:grpSpPr>
+      <p:sp>
+        <p:nvSpPr>
+          <p:cNvPr id="2" name="Title 1"/>
+          <p:cNvSpPr>
+            <a:spLocks noGrp="1"/>
+          </p:cNvSpPr>
+          <p:nvPr>
+            <p:ph type="title"/>
+          </p:nvPr>
+        </p:nvSpPr>
+        <p:spPr>
+          <a:xfrm>
+            <a:off x="1181409" y="1447800"/>
+            <a:ext cx="6001049" cy="2323374"/>
+          </a:xfrm>
+        </p:spPr>
+        <p:txBody>
+          <a:bodyPr/>
+          <a:lstStyle>
+            <a:lvl1pPr>
+              <a:defRPr sz="4800"/>
+            </a:lvl1pPr>
+          </a:lstStyle>
+          <a:p>
+            <a:r>
+              <a:rPr lang="en-US"/>
+              <a:t>Click to edit Master title style</a:t>
+            </a:r>
+            <a:endParaRPr lang="en-US" dirty="0"/>
+          </a:p>
+        </p:txBody>
+      </p:sp>
+      <p:sp>
+        <p:nvSpPr>
+          <p:cNvPr id="11" name="Text Placeholder 3"/>
+          <p:cNvSpPr>
+            <a:spLocks noGrp="1"/>
+          </p:cNvSpPr>
+          <p:nvPr>
+            <p:ph type="body" sz="half" idx="14"/>
+          </p:nvPr>
+        </p:nvSpPr>
+        <p:spPr>
+          <a:xfrm>
+            <a:off x="1448177" y="3771174"/>
+            <a:ext cx="5461159" cy="342174"/>
+          </a:xfrm>
+        </p:spPr>
+        <p:txBody>
+          <a:bodyPr vert="horz" lIns="91440" tIns="45720" rIns="91440" bIns="45720" rtlCol="0" anchor="t">
+            <a:normAutofit/>
+          </a:bodyPr>
+          <a:lstStyle>
+            <a:lvl1pPr marL="0" indent="0">
+              <a:buNone/>
+              <a:defRPr lang="en-US" sz="1400" b="0" i="0" kern="1200" cap="small" dirty="0">
+                <a:solidFill>
+                  <a:schemeClr val="bg2">
+                    <a:lumMod val="40000"/>
+                    <a:lumOff val="60000"/>
+                  </a:schemeClr>
+                </a:solidFill>
+                <a:latin typeface="+mj-lt"/>
+                <a:ea typeface="+mj-ea"/>
+                <a:cs typeface="+mj-cs"/>
+              </a:defRPr>
+            </a:lvl1pPr>
+            <a:lvl2pPr marL="457200" indent="0">
+              <a:buNone/>
+              <a:defRPr sz="1200"/>
+            </a:lvl2pPr>
+            <a:lvl3pPr marL="914400" indent="0">
+              <a:buNone/>
+              <a:defRPr sz="1000"/>
+            </a:lvl3pPr>
+            <a:lvl4pPr marL="1371600" indent="0">
+              <a:buNone/>
+              <a:defRPr sz="900"/>
+            </a:lvl4pPr>
+            <a:lvl5pPr marL="1828800" indent="0">
+              <a:buNone/>
+              <a:defRPr sz="900"/>
+            </a:lvl5pPr>
+            <a:lvl6pPr marL="2286000" indent="0">
+              <a:buNone/>
+              <a:defRPr sz="900"/>
+            </a:lvl6pPr>
+            <a:lvl7pPr marL="2743200" indent="0">
+              <a:buNone/>
+              <a:defRPr sz="900"/>
+            </a:lvl7pPr>
+            <a:lvl8pPr marL="3200400" indent="0">
+              <a:buNone/>
+              <a:defRPr sz="900"/>
+            </a:lvl8pPr>
+            <a:lvl9pPr marL="3657600" indent="0">
+              <a:buNone/>
+              <a:defRPr sz="900"/>
+            </a:lvl9pPr>
+          </a:lstStyle>
+          <a:p>
+            <a:pPr marL="0" lvl="0" indent="0">
+              <a:buNone/>
+            </a:pPr>
+            <a:r>
+              <a:rPr lang="en-US"/>
+              <a:t>Click to edit Master text styles</a:t>
+            </a:r>
+          </a:p>
+        </p:txBody>
+      </p:sp>
+      <p:sp>
+        <p:nvSpPr>
+          <p:cNvPr id="10" name="Text Placeholder 3"/>
+          <p:cNvSpPr>
+            <a:spLocks noGrp="1"/>
+          </p:cNvSpPr>
+          <p:nvPr>
+            <p:ph type="body" sz="half" idx="2"/>
+          </p:nvPr>
+        </p:nvSpPr>
+        <p:spPr>
+          <a:xfrm>
+            <a:off x="866442" y="4350657"/>
+            <a:ext cx="6620968" cy="1676400"/>
+          </a:xfrm>
+        </p:spPr>
+        <p:txBody>
+          <a:bodyPr anchor="ctr">
+            <a:normAutofit/>
+          </a:bodyPr>
+          <a:lstStyle>
+            <a:lvl1pPr marL="0" indent="0">
+              <a:buNone/>
+              <a:defRPr sz="1800"/>
+            </a:lvl1pPr>
+            <a:lvl2pPr marL="457200" indent="0">
+              <a:buNone/>
+              <a:defRPr sz="1200"/>
+            </a:lvl2pPr>
+            <a:lvl3pPr marL="914400" indent="0">
+              <a:buNone/>
+              <a:defRPr sz="1000"/>
+            </a:lvl3pPr>
+            <a:lvl4pPr marL="1371600" indent="0">
+              <a:buNone/>
+              <a:defRPr sz="900"/>
+            </a:lvl4pPr>
+            <a:lvl5pPr marL="1828800" indent="0">
+              <a:buNone/>
+              <a:defRPr sz="900"/>
+            </a:lvl5pPr>
+            <a:lvl6pPr marL="2286000" indent="0">
+              <a:buNone/>
+              <a:defRPr sz="900"/>
+            </a:lvl6pPr>
+            <a:lvl7pPr marL="2743200" indent="0">
+              <a:buNone/>
+              <a:defRPr sz="900"/>
+            </a:lvl7pPr>
+            <a:lvl8pPr marL="3200400" indent="0">
+              <a:buNone/>
+              <a:defRPr sz="900"/>
+            </a:lvl8pPr>
+            <a:lvl9pPr marL="3657600" indent="0">
+              <a:buNone/>
+              <a:defRPr sz="900"/>
+            </a:lvl9pPr>
+          </a:lstStyle>
+          <a:p>
+            <a:pPr lvl="0"/>
+            <a:r>
+              <a:rPr lang="en-US"/>
+              <a:t>Click to edit Master text styles</a:t>
+            </a:r>
+          </a:p>
+        </p:txBody>
+      </p:sp>
+      <p:sp>
+        <p:nvSpPr>
+          <p:cNvPr id="4" name="Date Placeholder 3"/>
+          <p:cNvSpPr>
+            <a:spLocks noGrp="1"/>
+          </p:cNvSpPr>
+          <p:nvPr>
+            <p:ph type="dt" sz="half" idx="10"/>
+          </p:nvPr>
+        </p:nvSpPr>
+        <p:spPr/>
+        <p:txBody>
+          <a:bodyPr/>
+          <a:lstStyle/>
+          <a:p>
+            <a:fld id="{5BCAD085-E8A6-8845-BD4E-CB4CCA059FC4}" type="datetimeFigureOut">
+              <a:rPr lang="en-US" smtClean="0"/>
+              <a:t>12/10/2025</a:t>
+            </a:fld>
+            <a:endParaRPr lang="en-US"/>
+          </a:p>
+        </p:txBody>
+      </p:sp>
+      <p:sp>
+        <p:nvSpPr>
+          <p:cNvPr id="5" name="Footer Placeholder 4"/>
+          <p:cNvSpPr>
+            <a:spLocks noGrp="1"/>
+          </p:cNvSpPr>
+          <p:nvPr>
+            <p:ph type="ftr" sz="quarter" idx="11"/>
+          </p:nvPr>
+        </p:nvSpPr>
+        <p:spPr/>
+        <p:txBody>
+          <a:bodyPr/>
+          <a:lstStyle/>
+          <a:p>
+            <a:endParaRPr lang="en-US"/>
+          </a:p>
+        </p:txBody>
+      </p:sp>
+      <p:sp>
+        <p:nvSpPr>
+          <p:cNvPr id="6" name="Slide Number Placeholder 5"/>
+          <p:cNvSpPr>
+            <a:spLocks noGrp="1"/>
+          </p:cNvSpPr>
+          <p:nvPr>
+            <p:ph type="sldNum" sz="quarter" idx="12"/>
+          </p:nvPr>
+        </p:nvSpPr>
+        <p:spPr/>
+        <p:txBody>
+          <a:bodyPr/>
+          <a:lstStyle/>
+          <a:p>
+            <a:fld id="{C1FF6DA9-008F-8B48-92A6-B652298478BF}" type="slidenum">
+              <a:rPr lang="en-US" smtClean="0"/>
+              <a:t>‹#›</a:t>
+            </a:fld>
+            <a:endParaRPr lang="en-US"/>
+          </a:p>
+        </p:txBody>
+      </p:sp>
+      <p:sp>
+        <p:nvSpPr>
+          <p:cNvPr id="12" name="TextBox 11"/>
+          <p:cNvSpPr txBox="1"/>
+          <p:nvPr/>
+        </p:nvSpPr>
+        <p:spPr>
+          <a:xfrm>
+            <a:off x="673897" y="971253"/>
+            <a:ext cx="601591" cy="1969770"/>
+          </a:xfrm>
+          <a:prstGeom prst="rect">
+            <a:avLst/>
+          </a:prstGeom>
+          <a:noFill/>
+        </p:spPr>
+        <p:txBody>
+          <a:bodyPr wrap="square" rtlCol="0">
+            <a:spAutoFit/>
+          </a:bodyPr>
+          <a:lstStyle>
+            <a:defPPr>
+              <a:defRPr lang="en-US"/>
+            </a:defPPr>
+            <a:lvl1pPr algn="r">
+              <a:defRPr sz="12200" b="0" i="0">
+                <a:solidFill>
+                  <a:schemeClr val="bg2">
+                    <a:lumMod val="40000"/>
+                    <a:lumOff val="60000"/>
+                  </a:schemeClr>
+                </a:solidFill>
+                <a:latin typeface="Arial"/>
+                <a:ea typeface="+mj-ea"/>
+                <a:cs typeface="+mj-cs"/>
+              </a:defRPr>
+            </a:lvl1pPr>
+          </a:lstStyle>
+          <a:p>
+            <a:pPr lvl="0"/>
+            <a:r>
+              <a:rPr lang="en-US" sz="12200" dirty="0"/>
+              <a:t>“</a:t>
+            </a:r>
+          </a:p>
+        </p:txBody>
+      </p:sp>
+      <p:sp>
+        <p:nvSpPr>
+          <p:cNvPr id="15" name="TextBox 14"/>
+          <p:cNvSpPr txBox="1"/>
+          <p:nvPr/>
+        </p:nvSpPr>
+        <p:spPr>
+          <a:xfrm>
+            <a:off x="6999690" y="2613787"/>
+            <a:ext cx="601591" cy="1969770"/>
+          </a:xfrm>
+          <a:prstGeom prst="rect">
+            <a:avLst/>
+          </a:prstGeom>
+          <a:noFill/>
+        </p:spPr>
+        <p:txBody>
+          <a:bodyPr wrap="square" rtlCol="0">
+            <a:spAutoFit/>
+          </a:bodyPr>
+          <a:lstStyle>
+            <a:defPPr>
+              <a:defRPr lang="en-US"/>
+            </a:defPPr>
+            <a:lvl1pPr algn="r">
+              <a:defRPr sz="12200" b="0" i="0">
+                <a:solidFill>
+                  <a:schemeClr val="bg2">
+                    <a:lumMod val="40000"/>
+                    <a:lumOff val="60000"/>
+                  </a:schemeClr>
+                </a:solidFill>
+                <a:latin typeface="Arial"/>
+                <a:ea typeface="+mj-ea"/>
+                <a:cs typeface="+mj-cs"/>
+              </a:defRPr>
+            </a:lvl1pPr>
+          </a:lstStyle>
+          <a:p>
+            <a:pPr lvl="0"/>
+            <a:r>
+              <a:rPr lang="en-US" sz="12200" dirty="0"/>
+              <a:t>”</a:t>
+            </a:r>
+          </a:p>
+        </p:txBody>
+      </p:sp>
+    </p:spTree>
+    <p:extLst>
+      <p:ext uri="{BB962C8B-B14F-4D97-AF65-F5344CB8AC3E}">
+        <p14:creationId xmlns:p14="http://schemas.microsoft.com/office/powerpoint/2010/main" val="319249566"/>
+      </p:ext>
+    </p:extLst>
+  </p:cSld>
+  <p:clrMapOvr>
+    <a:masterClrMapping/>
+  </p:clrMapOvr>
+</p:sldLayout>
+</file>
+
+<file path=ppt/slideLayouts/slideLayout13.xml><?xml version="1.0" encoding="utf-8"?>
+<p:sldLayout xmlns:a="http://schemas.openxmlformats.org/drawingml/2006/main" xmlns:r="http://schemas.openxmlformats.org/officeDocument/2006/relationships" xmlns:p="http://schemas.openxmlformats.org/presentationml/2006/main" preserve="1">
+  <p:cSld name="Name Card">
+    <p:spTree>
+      <p:nvGrpSpPr>
+        <p:cNvPr id="1" name=""/>
+        <p:cNvGrpSpPr/>
+        <p:nvPr/>
+      </p:nvGrpSpPr>
+      <p:grpSpPr>
+        <a:xfrm>
+          <a:off x="0" y="0"/>
+          <a:ext cx="0" cy="0"/>
+          <a:chOff x="0" y="0"/>
+          <a:chExt cx="0" cy="0"/>
+        </a:xfrm>
+      </p:grpSpPr>
+      <p:sp>
+        <p:nvSpPr>
+          <p:cNvPr id="2" name="Title 1"/>
+          <p:cNvSpPr>
+            <a:spLocks noGrp="1"/>
+          </p:cNvSpPr>
+          <p:nvPr>
+            <p:ph type="title"/>
+          </p:nvPr>
+        </p:nvSpPr>
+        <p:spPr>
+          <a:xfrm>
+            <a:off x="866441" y="3124201"/>
+            <a:ext cx="6620969" cy="1653180"/>
+          </a:xfrm>
+        </p:spPr>
+        <p:txBody>
+          <a:bodyPr anchor="b"/>
+          <a:lstStyle>
+            <a:lvl1pPr algn="l">
+              <a:defRPr sz="4000" b="0" cap="none"/>
+            </a:lvl1pPr>
+          </a:lstStyle>
+          <a:p>
+            <a:r>
+              <a:rPr lang="en-US"/>
+              <a:t>Click to edit Master title style</a:t>
+            </a:r>
+            <a:endParaRPr lang="en-US" dirty="0"/>
+          </a:p>
+        </p:txBody>
+      </p:sp>
+      <p:sp>
+        <p:nvSpPr>
+          <p:cNvPr id="3" name="Text Placeholder 2"/>
+          <p:cNvSpPr>
+            <a:spLocks noGrp="1"/>
+          </p:cNvSpPr>
+          <p:nvPr>
+            <p:ph type="body" idx="1"/>
+          </p:nvPr>
+        </p:nvSpPr>
+        <p:spPr>
+          <a:xfrm>
+            <a:off x="866442" y="4777381"/>
+            <a:ext cx="6620968" cy="860400"/>
+          </a:xfrm>
+        </p:spPr>
+        <p:txBody>
+          <a:bodyPr anchor="t"/>
+          <a:lstStyle>
+            <a:lvl1pPr marL="0" indent="0" algn="l">
+              <a:buNone/>
+              <a:defRPr sz="2000" cap="none">
+                <a:solidFill>
+                  <a:schemeClr val="bg2">
+                    <a:lumMod val="40000"/>
+                    <a:lumOff val="60000"/>
+                  </a:schemeClr>
+                </a:solidFill>
+              </a:defRPr>
+            </a:lvl1pPr>
+            <a:lvl2pPr marL="457200" indent="0">
+              <a:buNone/>
+              <a:defRPr sz="1800">
+                <a:solidFill>
+                  <a:schemeClr val="tx1">
+                    <a:tint val="75000"/>
+                  </a:schemeClr>
+                </a:solidFill>
+              </a:defRPr>
+            </a:lvl2pPr>
+            <a:lvl3pPr marL="914400" indent="0">
+              <a:buNone/>
+              <a:defRPr sz="1600">
+                <a:solidFill>
+                  <a:schemeClr val="tx1">
+                    <a:tint val="75000"/>
+                  </a:schemeClr>
+                </a:solidFill>
+              </a:defRPr>
+            </a:lvl3pPr>
+            <a:lvl4pPr marL="1371600" indent="0">
+              <a:buNone/>
+              <a:defRPr sz="1400">
+                <a:solidFill>
+                  <a:schemeClr val="tx1">
+                    <a:tint val="75000"/>
+                  </a:schemeClr>
+                </a:solidFill>
+              </a:defRPr>
+            </a:lvl4pPr>
+            <a:lvl5pPr marL="1828800" indent="0">
+              <a:buNone/>
+              <a:defRPr sz="1400">
+                <a:solidFill>
+                  <a:schemeClr val="tx1">
+                    <a:tint val="75000"/>
+                  </a:schemeClr>
+                </a:solidFill>
+              </a:defRPr>
+            </a:lvl5pPr>
+            <a:lvl6pPr marL="2286000" indent="0">
+              <a:buNone/>
+              <a:defRPr sz="1400">
+                <a:solidFill>
+                  <a:schemeClr val="tx1">
+                    <a:tint val="75000"/>
+                  </a:schemeClr>
+                </a:solidFill>
+              </a:defRPr>
+            </a:lvl6pPr>
+            <a:lvl7pPr marL="2743200" indent="0">
+              <a:buNone/>
+              <a:defRPr sz="1400">
+                <a:solidFill>
+                  <a:schemeClr val="tx1">
+                    <a:tint val="75000"/>
+                  </a:schemeClr>
+                </a:solidFill>
+              </a:defRPr>
+            </a:lvl7pPr>
+            <a:lvl8pPr marL="3200400" indent="0">
+              <a:buNone/>
+              <a:defRPr sz="1400">
+                <a:solidFill>
+                  <a:schemeClr val="tx1">
+                    <a:tint val="75000"/>
+                  </a:schemeClr>
+                </a:solidFill>
+              </a:defRPr>
+            </a:lvl8pPr>
+            <a:lvl9pPr marL="3657600" indent="0">
+              <a:buNone/>
+              <a:defRPr sz="1400">
+                <a:solidFill>
+                  <a:schemeClr val="tx1">
+                    <a:tint val="75000"/>
+                  </a:schemeClr>
+                </a:solidFill>
+              </a:defRPr>
+            </a:lvl9pPr>
+          </a:lstStyle>
+          <a:p>
+            <a:pPr lvl="0"/>
+            <a:r>
+              <a:rPr lang="en-US"/>
+              <a:t>Click to edit Master text styles</a:t>
+            </a:r>
+          </a:p>
+        </p:txBody>
+      </p:sp>
+      <p:sp>
+        <p:nvSpPr>
+          <p:cNvPr id="4" name="Date Placeholder 3"/>
+          <p:cNvSpPr>
+            <a:spLocks noGrp="1"/>
+          </p:cNvSpPr>
+          <p:nvPr>
+            <p:ph type="dt" sz="half" idx="10"/>
+          </p:nvPr>
+        </p:nvSpPr>
+        <p:spPr/>
+        <p:txBody>
+          <a:bodyPr/>
+          <a:lstStyle/>
+          <a:p>
+            <a:fld id="{5BCAD085-E8A6-8845-BD4E-CB4CCA059FC4}" type="datetimeFigureOut">
+              <a:rPr lang="en-US" smtClean="0"/>
+              <a:t>12/10/2025</a:t>
+            </a:fld>
+            <a:endParaRPr lang="en-US"/>
+          </a:p>
+        </p:txBody>
+      </p:sp>
+      <p:sp>
+        <p:nvSpPr>
+          <p:cNvPr id="5" name="Footer Placeholder 4"/>
+          <p:cNvSpPr>
+            <a:spLocks noGrp="1"/>
+          </p:cNvSpPr>
+          <p:nvPr>
+            <p:ph type="ftr" sz="quarter" idx="11"/>
+          </p:nvPr>
+        </p:nvSpPr>
+        <p:spPr/>
+        <p:txBody>
+          <a:bodyPr/>
+          <a:lstStyle/>
+          <a:p>
+            <a:endParaRPr lang="en-US"/>
+          </a:p>
+        </p:txBody>
+      </p:sp>
+      <p:sp>
+        <p:nvSpPr>
+          <p:cNvPr id="6" name="Slide Number Placeholder 5"/>
+          <p:cNvSpPr>
+            <a:spLocks noGrp="1"/>
+          </p:cNvSpPr>
+          <p:nvPr>
+            <p:ph type="sldNum" sz="quarter" idx="12"/>
+          </p:nvPr>
+        </p:nvSpPr>
+        <p:spPr/>
+        <p:txBody>
+          <a:bodyPr/>
+          <a:lstStyle/>
+          <a:p>
+            <a:fld id="{C1FF6DA9-008F-8B48-92A6-B652298478BF}" type="slidenum">
+              <a:rPr lang="en-US" smtClean="0"/>
+              <a:t>‹#›</a:t>
+            </a:fld>
+            <a:endParaRPr lang="en-US"/>
+          </a:p>
+        </p:txBody>
+      </p:sp>
+    </p:spTree>
+    <p:extLst>
+      <p:ext uri="{BB962C8B-B14F-4D97-AF65-F5344CB8AC3E}">
+        <p14:creationId xmlns:p14="http://schemas.microsoft.com/office/powerpoint/2010/main" val="3543616931"/>
+      </p:ext>
+    </p:extLst>
+  </p:cSld>
+  <p:clrMapOvr>
+    <a:masterClrMapping/>
+  </p:clrMapOvr>
+</p:sldLayout>
+</file>
+
+<file path=ppt/slideLayouts/slideLayout14.xml><?xml version="1.0" encoding="utf-8"?>
+<p:sldLayout xmlns:a="http://schemas.openxmlformats.org/drawingml/2006/main" xmlns:r="http://schemas.openxmlformats.org/officeDocument/2006/relationships" xmlns:p="http://schemas.openxmlformats.org/presentationml/2006/main" preserve="1">
+  <p:cSld name="3 Column">
+    <p:spTree>
+      <p:nvGrpSpPr>
+        <p:cNvPr id="1" name=""/>
+        <p:cNvGrpSpPr/>
+        <p:nvPr/>
+      </p:nvGrpSpPr>
+      <p:grpSpPr>
+        <a:xfrm>
+          <a:off x="0" y="0"/>
+          <a:ext cx="0" cy="0"/>
+          <a:chOff x="0" y="0"/>
+          <a:chExt cx="0" cy="0"/>
+        </a:xfrm>
+      </p:grpSpPr>
+      <p:sp>
+        <p:nvSpPr>
+          <p:cNvPr id="2" name="Title 1"/>
+          <p:cNvSpPr>
+            <a:spLocks noGrp="1"/>
+          </p:cNvSpPr>
+          <p:nvPr>
+            <p:ph type="title"/>
+          </p:nvPr>
+        </p:nvSpPr>
+        <p:spPr/>
+        <p:txBody>
+          <a:bodyPr/>
+          <a:lstStyle>
+            <a:lvl1pPr>
+              <a:defRPr sz="4200"/>
+            </a:lvl1pPr>
+          </a:lstStyle>
+          <a:p>
+            <a:r>
+              <a:rPr lang="en-US"/>
+              <a:t>Click to edit Master title style</a:t>
+            </a:r>
+            <a:endParaRPr lang="en-US" dirty="0"/>
+          </a:p>
+        </p:txBody>
+      </p:sp>
+      <p:sp>
+        <p:nvSpPr>
+          <p:cNvPr id="3" name="Text Placeholder 2"/>
+          <p:cNvSpPr>
+            <a:spLocks noGrp="1"/>
+          </p:cNvSpPr>
+          <p:nvPr>
+            <p:ph type="body" idx="1"/>
+          </p:nvPr>
+        </p:nvSpPr>
+        <p:spPr>
+          <a:xfrm>
+            <a:off x="474834" y="1981200"/>
+            <a:ext cx="2210725" cy="576262"/>
+          </a:xfrm>
+        </p:spPr>
+        <p:txBody>
+          <a:bodyPr anchor="b">
+            <a:noAutofit/>
+          </a:bodyPr>
+          <a:lstStyle>
+            <a:lvl1pPr marL="0" indent="0">
+              <a:buNone/>
+              <a:defRPr sz="2400" b="0">
+                <a:solidFill>
+                  <a:schemeClr val="bg2">
+                    <a:lumMod val="40000"/>
+                    <a:lumOff val="60000"/>
+                  </a:schemeClr>
+                </a:solidFill>
+              </a:defRPr>
+            </a:lvl1pPr>
+            <a:lvl2pPr marL="457200" indent="0">
+              <a:buNone/>
+              <a:defRPr sz="2000" b="1"/>
+            </a:lvl2pPr>
+            <a:lvl3pPr marL="914400" indent="0">
+              <a:buNone/>
+              <a:defRPr sz="1800" b="1"/>
+            </a:lvl3pPr>
+            <a:lvl4pPr marL="1371600" indent="0">
+              <a:buNone/>
+              <a:defRPr sz="1600" b="1"/>
+            </a:lvl4pPr>
+            <a:lvl5pPr marL="1828800" indent="0">
+              <a:buNone/>
+              <a:defRPr sz="1600" b="1"/>
+            </a:lvl5pPr>
+            <a:lvl6pPr marL="2286000" indent="0">
+              <a:buNone/>
+              <a:defRPr sz="1600" b="1"/>
+            </a:lvl6pPr>
+            <a:lvl7pPr marL="2743200" indent="0">
+              <a:buNone/>
+              <a:defRPr sz="1600" b="1"/>
+            </a:lvl7pPr>
+            <a:lvl8pPr marL="3200400" indent="0">
+              <a:buNone/>
+              <a:defRPr sz="1600" b="1"/>
+            </a:lvl8pPr>
+            <a:lvl9pPr marL="3657600" indent="0">
+              <a:buNone/>
+              <a:defRPr sz="1600" b="1"/>
+            </a:lvl9pPr>
+          </a:lstStyle>
+          <a:p>
+            <a:pPr lvl="0"/>
+            <a:r>
+              <a:rPr lang="en-US"/>
+              <a:t>Click to edit Master text styles</a:t>
+            </a:r>
+          </a:p>
+        </p:txBody>
+      </p:sp>
+      <p:sp>
+        <p:nvSpPr>
+          <p:cNvPr id="16" name="Text Placeholder 3"/>
+          <p:cNvSpPr>
+            <a:spLocks noGrp="1"/>
+          </p:cNvSpPr>
+          <p:nvPr>
+            <p:ph type="body" sz="half" idx="15"/>
+          </p:nvPr>
+        </p:nvSpPr>
+        <p:spPr>
+          <a:xfrm>
+            <a:off x="489475" y="2667000"/>
+            <a:ext cx="2196084" cy="3589338"/>
+          </a:xfrm>
+        </p:spPr>
+        <p:txBody>
+          <a:bodyPr anchor="t">
+            <a:normAutofit/>
+          </a:bodyPr>
+          <a:lstStyle>
+            <a:lvl1pPr marL="0" indent="0">
+              <a:buNone/>
+              <a:defRPr sz="1400"/>
+            </a:lvl1pPr>
+            <a:lvl2pPr marL="457200" indent="0">
+              <a:buNone/>
+              <a:defRPr sz="1200"/>
+            </a:lvl2pPr>
+            <a:lvl3pPr marL="914400" indent="0">
+              <a:buNone/>
+              <a:defRPr sz="1000"/>
+            </a:lvl3pPr>
+            <a:lvl4pPr marL="1371600" indent="0">
+              <a:buNone/>
+              <a:defRPr sz="900"/>
+            </a:lvl4pPr>
+            <a:lvl5pPr marL="1828800" indent="0">
+              <a:buNone/>
+              <a:defRPr sz="900"/>
+            </a:lvl5pPr>
+            <a:lvl6pPr marL="2286000" indent="0">
+              <a:buNone/>
+              <a:defRPr sz="900"/>
+            </a:lvl6pPr>
+            <a:lvl7pPr marL="2743200" indent="0">
+              <a:buNone/>
+              <a:defRPr sz="900"/>
+            </a:lvl7pPr>
+            <a:lvl8pPr marL="3200400" indent="0">
+              <a:buNone/>
+              <a:defRPr sz="900"/>
+            </a:lvl8pPr>
+            <a:lvl9pPr marL="3657600" indent="0">
+              <a:buNone/>
+              <a:defRPr sz="900"/>
+            </a:lvl9pPr>
+          </a:lstStyle>
+          <a:p>
+            <a:pPr lvl="0"/>
+            <a:r>
+              <a:rPr lang="en-US"/>
+              <a:t>Click to edit Master text styles</a:t>
+            </a:r>
+          </a:p>
+        </p:txBody>
+      </p:sp>
+      <p:sp>
+        <p:nvSpPr>
+          <p:cNvPr id="5" name="Text Placeholder 4"/>
+          <p:cNvSpPr>
+            <a:spLocks noGrp="1"/>
+          </p:cNvSpPr>
+          <p:nvPr>
+            <p:ph type="body" sz="quarter" idx="3"/>
+          </p:nvPr>
+        </p:nvSpPr>
+        <p:spPr>
+          <a:xfrm>
+            <a:off x="2913504" y="1981200"/>
+            <a:ext cx="2202754" cy="576262"/>
+          </a:xfrm>
+        </p:spPr>
+        <p:txBody>
+          <a:bodyPr anchor="b">
+            <a:noAutofit/>
+          </a:bodyPr>
+          <a:lstStyle>
+            <a:lvl1pPr marL="0" indent="0">
+              <a:buNone/>
+              <a:defRPr sz="2400" b="0">
+                <a:solidFill>
+                  <a:schemeClr val="bg2">
+                    <a:lumMod val="40000"/>
+                    <a:lumOff val="60000"/>
+                  </a:schemeClr>
+                </a:solidFill>
+              </a:defRPr>
+            </a:lvl1pPr>
+            <a:lvl2pPr marL="457200" indent="0">
+              <a:buNone/>
+              <a:defRPr sz="2000" b="1"/>
+            </a:lvl2pPr>
+            <a:lvl3pPr marL="914400" indent="0">
+              <a:buNone/>
+              <a:defRPr sz="1800" b="1"/>
+            </a:lvl3pPr>
+            <a:lvl4pPr marL="1371600" indent="0">
+              <a:buNone/>
+              <a:defRPr sz="1600" b="1"/>
+            </a:lvl4pPr>
+            <a:lvl5pPr marL="1828800" indent="0">
+              <a:buNone/>
+              <a:defRPr sz="1600" b="1"/>
+            </a:lvl5pPr>
+            <a:lvl6pPr marL="2286000" indent="0">
+              <a:buNone/>
+              <a:defRPr sz="1600" b="1"/>
+            </a:lvl6pPr>
+            <a:lvl7pPr marL="2743200" indent="0">
+              <a:buNone/>
+              <a:defRPr sz="1600" b="1"/>
+            </a:lvl7pPr>
+            <a:lvl8pPr marL="3200400" indent="0">
+              <a:buNone/>
+              <a:defRPr sz="1600" b="1"/>
+            </a:lvl8pPr>
+            <a:lvl9pPr marL="3657600" indent="0">
+              <a:buNone/>
+              <a:defRPr sz="1600" b="1"/>
+            </a:lvl9pPr>
+          </a:lstStyle>
+          <a:p>
+            <a:pPr lvl="0"/>
+            <a:r>
+              <a:rPr lang="en-US"/>
+              <a:t>Click to edit Master text styles</a:t>
+            </a:r>
+          </a:p>
+        </p:txBody>
+      </p:sp>
+      <p:sp>
+        <p:nvSpPr>
+          <p:cNvPr id="19" name="Text Placeholder 3"/>
+          <p:cNvSpPr>
+            <a:spLocks noGrp="1"/>
+          </p:cNvSpPr>
+          <p:nvPr>
+            <p:ph type="body" sz="half" idx="16"/>
+          </p:nvPr>
+        </p:nvSpPr>
+        <p:spPr>
+          <a:xfrm>
+            <a:off x="2905586" y="2667000"/>
+            <a:ext cx="2210671" cy="3589338"/>
+          </a:xfrm>
+        </p:spPr>
+        <p:txBody>
+          <a:bodyPr anchor="t">
+            <a:normAutofit/>
+          </a:bodyPr>
+          <a:lstStyle>
+            <a:lvl1pPr marL="0" indent="0">
+              <a:buNone/>
+              <a:defRPr sz="1400"/>
+            </a:lvl1pPr>
+            <a:lvl2pPr marL="457200" indent="0">
+              <a:buNone/>
+              <a:defRPr sz="1200"/>
+            </a:lvl2pPr>
+            <a:lvl3pPr marL="914400" indent="0">
+              <a:buNone/>
+              <a:defRPr sz="1000"/>
+            </a:lvl3pPr>
+            <a:lvl4pPr marL="1371600" indent="0">
+              <a:buNone/>
+              <a:defRPr sz="900"/>
+            </a:lvl4pPr>
+            <a:lvl5pPr marL="1828800" indent="0">
+              <a:buNone/>
+              <a:defRPr sz="900"/>
+            </a:lvl5pPr>
+            <a:lvl6pPr marL="2286000" indent="0">
+              <a:buNone/>
+              <a:defRPr sz="900"/>
+            </a:lvl6pPr>
+            <a:lvl7pPr marL="2743200" indent="0">
+              <a:buNone/>
+              <a:defRPr sz="900"/>
+            </a:lvl7pPr>
+            <a:lvl8pPr marL="3200400" indent="0">
+              <a:buNone/>
+              <a:defRPr sz="900"/>
+            </a:lvl8pPr>
+            <a:lvl9pPr marL="3657600" indent="0">
+              <a:buNone/>
+              <a:defRPr sz="900"/>
+            </a:lvl9pPr>
+          </a:lstStyle>
+          <a:p>
+            <a:pPr lvl="0"/>
+            <a:r>
+              <a:rPr lang="en-US"/>
+              <a:t>Click to edit Master text styles</a:t>
+            </a:r>
+          </a:p>
+        </p:txBody>
+      </p:sp>
+      <p:sp>
+        <p:nvSpPr>
+          <p:cNvPr id="14" name="Text Placeholder 4"/>
+          <p:cNvSpPr>
+            <a:spLocks noGrp="1"/>
+          </p:cNvSpPr>
+          <p:nvPr>
+            <p:ph type="body" sz="quarter" idx="13"/>
+          </p:nvPr>
+        </p:nvSpPr>
+        <p:spPr>
+          <a:xfrm>
+            <a:off x="5344917" y="1981200"/>
+            <a:ext cx="2199658" cy="576262"/>
+          </a:xfrm>
+        </p:spPr>
+        <p:txBody>
+          <a:bodyPr anchor="b">
+            <a:noAutofit/>
+          </a:bodyPr>
+          <a:lstStyle>
+            <a:lvl1pPr marL="0" indent="0">
+              <a:buNone/>
+              <a:defRPr sz="2400" b="0">
+                <a:solidFill>
+                  <a:schemeClr val="bg2">
+                    <a:lumMod val="40000"/>
+                    <a:lumOff val="60000"/>
+                  </a:schemeClr>
+                </a:solidFill>
+              </a:defRPr>
+            </a:lvl1pPr>
+            <a:lvl2pPr marL="457200" indent="0">
+              <a:buNone/>
+              <a:defRPr sz="2000" b="1"/>
+            </a:lvl2pPr>
+            <a:lvl3pPr marL="914400" indent="0">
+              <a:buNone/>
+              <a:defRPr sz="1800" b="1"/>
+            </a:lvl3pPr>
+            <a:lvl4pPr marL="1371600" indent="0">
+              <a:buNone/>
+              <a:defRPr sz="1600" b="1"/>
+            </a:lvl4pPr>
+            <a:lvl5pPr marL="1828800" indent="0">
+              <a:buNone/>
+              <a:defRPr sz="1600" b="1"/>
+            </a:lvl5pPr>
+            <a:lvl6pPr marL="2286000" indent="0">
+              <a:buNone/>
+              <a:defRPr sz="1600" b="1"/>
+            </a:lvl6pPr>
+            <a:lvl7pPr marL="2743200" indent="0">
+              <a:buNone/>
+              <a:defRPr sz="1600" b="1"/>
+            </a:lvl7pPr>
+            <a:lvl8pPr marL="3200400" indent="0">
+              <a:buNone/>
+              <a:defRPr sz="1600" b="1"/>
+            </a:lvl8pPr>
+            <a:lvl9pPr marL="3657600" indent="0">
+              <a:buNone/>
+              <a:defRPr sz="1600" b="1"/>
+            </a:lvl9pPr>
+          </a:lstStyle>
+          <a:p>
+            <a:pPr lvl="0"/>
+            <a:r>
+              <a:rPr lang="en-US"/>
+              <a:t>Click to edit Master text styles</a:t>
+            </a:r>
+          </a:p>
+        </p:txBody>
+      </p:sp>
+      <p:sp>
+        <p:nvSpPr>
+          <p:cNvPr id="20" name="Text Placeholder 3"/>
+          <p:cNvSpPr>
+            <a:spLocks noGrp="1"/>
+          </p:cNvSpPr>
+          <p:nvPr>
+            <p:ph type="body" sz="half" idx="17"/>
+          </p:nvPr>
+        </p:nvSpPr>
+        <p:spPr>
+          <a:xfrm>
+            <a:off x="5344917" y="2667000"/>
+            <a:ext cx="2199658" cy="3589338"/>
+          </a:xfrm>
+        </p:spPr>
+        <p:txBody>
+          <a:bodyPr anchor="t">
+            <a:normAutofit/>
+          </a:bodyPr>
+          <a:lstStyle>
+            <a:lvl1pPr marL="0" indent="0">
+              <a:buNone/>
+              <a:defRPr sz="1400"/>
+            </a:lvl1pPr>
+            <a:lvl2pPr marL="457200" indent="0">
+              <a:buNone/>
+              <a:defRPr sz="1200"/>
+            </a:lvl2pPr>
+            <a:lvl3pPr marL="914400" indent="0">
+              <a:buNone/>
+              <a:defRPr sz="1000"/>
+            </a:lvl3pPr>
+            <a:lvl4pPr marL="1371600" indent="0">
+              <a:buNone/>
+              <a:defRPr sz="900"/>
+            </a:lvl4pPr>
+            <a:lvl5pPr marL="1828800" indent="0">
+              <a:buNone/>
+              <a:defRPr sz="900"/>
+            </a:lvl5pPr>
+            <a:lvl6pPr marL="2286000" indent="0">
+              <a:buNone/>
+              <a:defRPr sz="900"/>
+            </a:lvl6pPr>
+            <a:lvl7pPr marL="2743200" indent="0">
+              <a:buNone/>
+              <a:defRPr sz="900"/>
+            </a:lvl7pPr>
+            <a:lvl8pPr marL="3200400" indent="0">
+              <a:buNone/>
+              <a:defRPr sz="900"/>
+            </a:lvl8pPr>
+            <a:lvl9pPr marL="3657600" indent="0">
+              <a:buNone/>
+              <a:defRPr sz="900"/>
+            </a:lvl9pPr>
+          </a:lstStyle>
+          <a:p>
+            <a:pPr lvl="0"/>
+            <a:r>
+              <a:rPr lang="en-US"/>
+              <a:t>Click to edit Master text styles</a:t>
+            </a:r>
+          </a:p>
+        </p:txBody>
+      </p:sp>
+      <p:cxnSp>
+        <p:nvCxnSpPr>
+          <p:cNvPr id="17" name="Straight Connector 16"/>
+          <p:cNvCxnSpPr/>
+          <p:nvPr/>
+        </p:nvCxnSpPr>
+        <p:spPr>
+          <a:xfrm>
+            <a:off x="2795334" y="2133600"/>
+            <a:ext cx="0" cy="3962400"/>
+          </a:xfrm>
+          <a:prstGeom prst="line">
+            <a:avLst/>
+          </a:prstGeom>
+          <a:ln w="12700" cmpd="sng">
+            <a:solidFill>
+              <a:schemeClr val="bg2">
+                <a:lumMod val="40000"/>
+                <a:lumOff val="60000"/>
+                <a:alpha val="40000"/>
+              </a:schemeClr>
+            </a:solidFill>
+          </a:ln>
+        </p:spPr>
+        <p:style>
+          <a:lnRef idx="2">
+            <a:schemeClr val="accent1"/>
+          </a:lnRef>
+          <a:fillRef idx="0">
+            <a:schemeClr val="accent1"/>
+          </a:fillRef>
+          <a:effectRef idx="1">
+            <a:schemeClr val="accent1"/>
+          </a:effectRef>
+          <a:fontRef idx="minor">
+            <a:schemeClr val="tx1"/>
+          </a:fontRef>
+        </p:style>
+      </p:cxnSp>
+      <p:cxnSp>
+        <p:nvCxnSpPr>
+          <p:cNvPr id="18" name="Straight Connector 17"/>
+          <p:cNvCxnSpPr/>
+          <p:nvPr/>
+        </p:nvCxnSpPr>
+        <p:spPr>
+          <a:xfrm>
+            <a:off x="5223030" y="2133600"/>
+            <a:ext cx="0" cy="3966882"/>
+          </a:xfrm>
+          <a:prstGeom prst="line">
+            <a:avLst/>
+          </a:prstGeom>
+          <a:ln w="12700" cmpd="sng">
+            <a:solidFill>
+              <a:schemeClr val="bg2">
+                <a:lumMod val="40000"/>
+                <a:lumOff val="60000"/>
+                <a:alpha val="40000"/>
+              </a:schemeClr>
+            </a:solidFill>
+          </a:ln>
+        </p:spPr>
+        <p:style>
+          <a:lnRef idx="2">
+            <a:schemeClr val="accent1"/>
+          </a:lnRef>
+          <a:fillRef idx="0">
+            <a:schemeClr val="accent1"/>
+          </a:fillRef>
+          <a:effectRef idx="1">
+            <a:schemeClr val="accent1"/>
+          </a:effectRef>
+          <a:fontRef idx="minor">
+            <a:schemeClr val="tx1"/>
+          </a:fontRef>
+        </p:style>
+      </p:cxnSp>
+      <p:sp>
+        <p:nvSpPr>
+          <p:cNvPr id="7" name="Date Placeholder 3"/>
+          <p:cNvSpPr>
+            <a:spLocks noGrp="1"/>
+          </p:cNvSpPr>
+          <p:nvPr>
+            <p:ph type="dt" sz="half" idx="10"/>
+          </p:nvPr>
+        </p:nvSpPr>
+        <p:spPr/>
+        <p:txBody>
+          <a:bodyPr/>
+          <a:lstStyle/>
+          <a:p>
+            <a:fld id="{5BCAD085-E8A6-8845-BD4E-CB4CCA059FC4}" type="datetimeFigureOut">
+              <a:rPr lang="en-US" smtClean="0"/>
+              <a:t>12/10/2025</a:t>
+            </a:fld>
+            <a:endParaRPr lang="en-US"/>
+          </a:p>
+        </p:txBody>
+      </p:sp>
+      <p:sp>
+        <p:nvSpPr>
+          <p:cNvPr id="4" name="Footer Placeholder 4"/>
+          <p:cNvSpPr>
+            <a:spLocks noGrp="1"/>
+          </p:cNvSpPr>
+          <p:nvPr>
+            <p:ph type="ftr" sz="quarter" idx="11"/>
+          </p:nvPr>
+        </p:nvSpPr>
+        <p:spPr/>
+        <p:txBody>
+          <a:bodyPr/>
+          <a:lstStyle/>
+          <a:p>
+            <a:endParaRPr lang="en-US"/>
+          </a:p>
+        </p:txBody>
+      </p:sp>
+      <p:sp>
+        <p:nvSpPr>
+          <p:cNvPr id="6" name="Slide Number Placeholder 5"/>
+          <p:cNvSpPr>
+            <a:spLocks noGrp="1"/>
+          </p:cNvSpPr>
+          <p:nvPr>
+            <p:ph type="sldNum" sz="quarter" idx="12"/>
+          </p:nvPr>
+        </p:nvSpPr>
+        <p:spPr/>
+        <p:txBody>
+          <a:bodyPr/>
+          <a:lstStyle/>
+          <a:p>
+            <a:fld id="{C1FF6DA9-008F-8B48-92A6-B652298478BF}" type="slidenum">
+              <a:rPr lang="en-US" smtClean="0"/>
+              <a:t>‹#›</a:t>
+            </a:fld>
+            <a:endParaRPr lang="en-US"/>
+          </a:p>
+        </p:txBody>
+      </p:sp>
+    </p:spTree>
+    <p:extLst>
+      <p:ext uri="{BB962C8B-B14F-4D97-AF65-F5344CB8AC3E}">
+        <p14:creationId xmlns:p14="http://schemas.microsoft.com/office/powerpoint/2010/main" val="3732213118"/>
+      </p:ext>
+    </p:extLst>
+  </p:cSld>
+  <p:clrMapOvr>
+    <a:masterClrMapping/>
+  </p:clrMapOvr>
+</p:sldLayout>
+</file>
+
+<file path=ppt/slideLayouts/slideLayout15.xml><?xml version="1.0" encoding="utf-8"?>
+<p:sldLayout xmlns:a="http://schemas.openxmlformats.org/drawingml/2006/main" xmlns:r="http://schemas.openxmlformats.org/officeDocument/2006/relationships" xmlns:p="http://schemas.openxmlformats.org/presentationml/2006/main" preserve="1">
+  <p:cSld name="3 Picture Column">
+    <p:spTree>
+      <p:nvGrpSpPr>
+        <p:cNvPr id="1" name=""/>
+        <p:cNvGrpSpPr/>
+        <p:nvPr/>
+      </p:nvGrpSpPr>
+      <p:grpSpPr>
+        <a:xfrm>
+          <a:off x="0" y="0"/>
+          <a:ext cx="0" cy="0"/>
+          <a:chOff x="0" y="0"/>
+          <a:chExt cx="0" cy="0"/>
+        </a:xfrm>
+      </p:grpSpPr>
+      <p:sp>
+        <p:nvSpPr>
+          <p:cNvPr id="2" name="Title 1"/>
+          <p:cNvSpPr>
+            <a:spLocks noGrp="1"/>
+          </p:cNvSpPr>
+          <p:nvPr>
+            <p:ph type="title"/>
+          </p:nvPr>
+        </p:nvSpPr>
+        <p:spPr/>
+        <p:txBody>
+          <a:bodyPr/>
+          <a:lstStyle>
+            <a:lvl1pPr>
+              <a:defRPr sz="4200"/>
+            </a:lvl1pPr>
+          </a:lstStyle>
+          <a:p>
+            <a:r>
+              <a:rPr lang="en-US"/>
+              <a:t>Click to edit Master title style</a:t>
+            </a:r>
+            <a:endParaRPr lang="en-US" dirty="0"/>
+          </a:p>
+        </p:txBody>
+      </p:sp>
+      <p:sp>
+        <p:nvSpPr>
+          <p:cNvPr id="3" name="Text Placeholder 2"/>
+          <p:cNvSpPr>
+            <a:spLocks noGrp="1"/>
+          </p:cNvSpPr>
+          <p:nvPr>
+            <p:ph type="body" idx="1"/>
+          </p:nvPr>
+        </p:nvSpPr>
+        <p:spPr>
+          <a:xfrm>
+            <a:off x="489475" y="4250949"/>
+            <a:ext cx="2205612" cy="576262"/>
+          </a:xfrm>
+        </p:spPr>
+        <p:txBody>
+          <a:bodyPr anchor="b">
+            <a:noAutofit/>
+          </a:bodyPr>
+          <a:lstStyle>
+            <a:lvl1pPr marL="0" indent="0">
+              <a:buNone/>
+              <a:defRPr sz="2400" b="0">
+                <a:solidFill>
+                  <a:schemeClr val="bg2">
+                    <a:lumMod val="40000"/>
+                    <a:lumOff val="60000"/>
+                  </a:schemeClr>
+                </a:solidFill>
+              </a:defRPr>
+            </a:lvl1pPr>
+            <a:lvl2pPr marL="457200" indent="0">
+              <a:buNone/>
+              <a:defRPr sz="2000" b="1"/>
+            </a:lvl2pPr>
+            <a:lvl3pPr marL="914400" indent="0">
+              <a:buNone/>
+              <a:defRPr sz="1800" b="1"/>
+            </a:lvl3pPr>
+            <a:lvl4pPr marL="1371600" indent="0">
+              <a:buNone/>
+              <a:defRPr sz="1600" b="1"/>
+            </a:lvl4pPr>
+            <a:lvl5pPr marL="1828800" indent="0">
+              <a:buNone/>
+              <a:defRPr sz="1600" b="1"/>
+            </a:lvl5pPr>
+            <a:lvl6pPr marL="2286000" indent="0">
+              <a:buNone/>
+              <a:defRPr sz="1600" b="1"/>
+            </a:lvl6pPr>
+            <a:lvl7pPr marL="2743200" indent="0">
+              <a:buNone/>
+              <a:defRPr sz="1600" b="1"/>
+            </a:lvl7pPr>
+            <a:lvl8pPr marL="3200400" indent="0">
+              <a:buNone/>
+              <a:defRPr sz="1600" b="1"/>
+            </a:lvl8pPr>
+            <a:lvl9pPr marL="3657600" indent="0">
+              <a:buNone/>
+              <a:defRPr sz="1600" b="1"/>
+            </a:lvl9pPr>
+          </a:lstStyle>
+          <a:p>
+            <a:pPr lvl="0"/>
+            <a:r>
+              <a:rPr lang="en-US"/>
+              <a:t>Click to edit Master text styles</a:t>
+            </a:r>
+          </a:p>
+        </p:txBody>
+      </p:sp>
+      <p:sp>
+        <p:nvSpPr>
+          <p:cNvPr id="29" name="Picture Placeholder 2"/>
+          <p:cNvSpPr>
+            <a:spLocks noGrp="1" noChangeAspect="1"/>
+          </p:cNvSpPr>
+          <p:nvPr>
+            <p:ph type="pic" idx="15"/>
+          </p:nvPr>
+        </p:nvSpPr>
+        <p:spPr>
+          <a:xfrm>
+            <a:off x="489475" y="2209800"/>
+            <a:ext cx="2205612" cy="1524000"/>
+          </a:xfrm>
+          <a:prstGeom prst="roundRect">
+            <a:avLst>
+              <a:gd name="adj" fmla="val 1858"/>
+            </a:avLst>
+          </a:prstGeom>
+          <a:effectLst>
+            <a:outerShdw blurRad="50800" dist="50800" dir="5400000" algn="tl" rotWithShape="0">
+              <a:srgbClr val="000000">
+                <a:alpha val="43000"/>
+              </a:srgbClr>
+            </a:outerShdw>
+          </a:effectLst>
+        </p:spPr>
+        <p:txBody>
+          <a:bodyPr anchor="t">
+            <a:normAutofit/>
+          </a:bodyPr>
+          <a:lstStyle>
+            <a:lvl1pPr marL="0" indent="0" algn="ctr">
+              <a:buNone/>
+              <a:defRPr sz="1600"/>
+            </a:lvl1pPr>
+            <a:lvl2pPr marL="457200" indent="0">
+              <a:buNone/>
+              <a:defRPr sz="1600"/>
+            </a:lvl2pPr>
+            <a:lvl3pPr marL="914400" indent="0">
+              <a:buNone/>
+              <a:defRPr sz="1600"/>
+            </a:lvl3pPr>
+            <a:lvl4pPr marL="1371600" indent="0">
+              <a:buNone/>
+              <a:defRPr sz="1600"/>
+            </a:lvl4pPr>
+            <a:lvl5pPr marL="1828800" indent="0">
+              <a:buNone/>
+              <a:defRPr sz="1600"/>
+            </a:lvl5pPr>
+            <a:lvl6pPr marL="2286000" indent="0">
+              <a:buNone/>
+              <a:defRPr sz="1600"/>
+            </a:lvl6pPr>
+            <a:lvl7pPr marL="2743200" indent="0">
+              <a:buNone/>
+              <a:defRPr sz="1600"/>
+            </a:lvl7pPr>
+            <a:lvl8pPr marL="3200400" indent="0">
+              <a:buNone/>
+              <a:defRPr sz="1600"/>
+            </a:lvl8pPr>
+            <a:lvl9pPr marL="3657600" indent="0">
+              <a:buNone/>
+              <a:defRPr sz="1600"/>
+            </a:lvl9pPr>
+          </a:lstStyle>
+          <a:p>
+            <a:r>
+              <a:rPr lang="en-US"/>
+              <a:t>Click icon to add picture</a:t>
+            </a:r>
+            <a:endParaRPr lang="en-US" dirty="0"/>
+          </a:p>
+        </p:txBody>
+      </p:sp>
+      <p:sp>
+        <p:nvSpPr>
+          <p:cNvPr id="22" name="Text Placeholder 3"/>
+          <p:cNvSpPr>
+            <a:spLocks noGrp="1"/>
+          </p:cNvSpPr>
+          <p:nvPr>
+            <p:ph type="body" sz="half" idx="18"/>
+          </p:nvPr>
+        </p:nvSpPr>
+        <p:spPr>
+          <a:xfrm>
+            <a:off x="489475" y="4827212"/>
+            <a:ext cx="2205612" cy="659189"/>
+          </a:xfrm>
+        </p:spPr>
+        <p:txBody>
+          <a:bodyPr anchor="t">
+            <a:normAutofit/>
+          </a:bodyPr>
+          <a:lstStyle>
+            <a:lvl1pPr marL="0" indent="0">
+              <a:buNone/>
+              <a:defRPr sz="1400"/>
+            </a:lvl1pPr>
+            <a:lvl2pPr marL="457200" indent="0">
+              <a:buNone/>
+              <a:defRPr sz="1200"/>
+            </a:lvl2pPr>
+            <a:lvl3pPr marL="914400" indent="0">
+              <a:buNone/>
+              <a:defRPr sz="1000"/>
+            </a:lvl3pPr>
+            <a:lvl4pPr marL="1371600" indent="0">
+              <a:buNone/>
+              <a:defRPr sz="900"/>
+            </a:lvl4pPr>
+            <a:lvl5pPr marL="1828800" indent="0">
+              <a:buNone/>
+              <a:defRPr sz="900"/>
+            </a:lvl5pPr>
+            <a:lvl6pPr marL="2286000" indent="0">
+              <a:buNone/>
+              <a:defRPr sz="900"/>
+            </a:lvl6pPr>
+            <a:lvl7pPr marL="2743200" indent="0">
+              <a:buNone/>
+              <a:defRPr sz="900"/>
+            </a:lvl7pPr>
+            <a:lvl8pPr marL="3200400" indent="0">
+              <a:buNone/>
+              <a:defRPr sz="900"/>
+            </a:lvl8pPr>
+            <a:lvl9pPr marL="3657600" indent="0">
+              <a:buNone/>
+              <a:defRPr sz="900"/>
+            </a:lvl9pPr>
+          </a:lstStyle>
+          <a:p>
+            <a:pPr lvl="0"/>
+            <a:r>
+              <a:rPr lang="en-US"/>
+              <a:t>Click to edit Master text styles</a:t>
+            </a:r>
+          </a:p>
+        </p:txBody>
+      </p:sp>
+      <p:sp>
+        <p:nvSpPr>
+          <p:cNvPr id="5" name="Text Placeholder 4"/>
+          <p:cNvSpPr>
+            <a:spLocks noGrp="1"/>
+          </p:cNvSpPr>
+          <p:nvPr>
+            <p:ph type="body" sz="quarter" idx="3"/>
+          </p:nvPr>
+        </p:nvSpPr>
+        <p:spPr>
+          <a:xfrm>
+            <a:off x="2917792" y="4250949"/>
+            <a:ext cx="2198466" cy="576262"/>
+          </a:xfrm>
+        </p:spPr>
+        <p:txBody>
+          <a:bodyPr anchor="b">
+            <a:noAutofit/>
+          </a:bodyPr>
+          <a:lstStyle>
+            <a:lvl1pPr marL="0" indent="0">
+              <a:buNone/>
+              <a:defRPr sz="2400" b="0">
+                <a:solidFill>
+                  <a:schemeClr val="bg2">
+                    <a:lumMod val="40000"/>
+                    <a:lumOff val="60000"/>
+                  </a:schemeClr>
+                </a:solidFill>
+              </a:defRPr>
+            </a:lvl1pPr>
+            <a:lvl2pPr marL="457200" indent="0">
+              <a:buNone/>
+              <a:defRPr sz="2000" b="1"/>
+            </a:lvl2pPr>
+            <a:lvl3pPr marL="914400" indent="0">
+              <a:buNone/>
+              <a:defRPr sz="1800" b="1"/>
+            </a:lvl3pPr>
+            <a:lvl4pPr marL="1371600" indent="0">
+              <a:buNone/>
+              <a:defRPr sz="1600" b="1"/>
+            </a:lvl4pPr>
+            <a:lvl5pPr marL="1828800" indent="0">
+              <a:buNone/>
+              <a:defRPr sz="1600" b="1"/>
+            </a:lvl5pPr>
+            <a:lvl6pPr marL="2286000" indent="0">
+              <a:buNone/>
+              <a:defRPr sz="1600" b="1"/>
+            </a:lvl6pPr>
+            <a:lvl7pPr marL="2743200" indent="0">
+              <a:buNone/>
+              <a:defRPr sz="1600" b="1"/>
+            </a:lvl7pPr>
+            <a:lvl8pPr marL="3200400" indent="0">
+              <a:buNone/>
+              <a:defRPr sz="1600" b="1"/>
+            </a:lvl8pPr>
+            <a:lvl9pPr marL="3657600" indent="0">
+              <a:buNone/>
+              <a:defRPr sz="1600" b="1"/>
+            </a:lvl9pPr>
+          </a:lstStyle>
+          <a:p>
+            <a:pPr lvl="0"/>
+            <a:r>
+              <a:rPr lang="en-US"/>
+              <a:t>Click to edit Master text styles</a:t>
+            </a:r>
+          </a:p>
+        </p:txBody>
+      </p:sp>
+      <p:sp>
+        <p:nvSpPr>
+          <p:cNvPr id="30" name="Picture Placeholder 2"/>
+          <p:cNvSpPr>
+            <a:spLocks noGrp="1" noChangeAspect="1"/>
+          </p:cNvSpPr>
+          <p:nvPr>
+            <p:ph type="pic" idx="21"/>
+          </p:nvPr>
+        </p:nvSpPr>
+        <p:spPr>
+          <a:xfrm>
+            <a:off x="2917791" y="2209800"/>
+            <a:ext cx="2198466" cy="1524000"/>
+          </a:xfrm>
+          <a:prstGeom prst="roundRect">
+            <a:avLst>
+              <a:gd name="adj" fmla="val 1858"/>
+            </a:avLst>
+          </a:prstGeom>
+          <a:effectLst>
+            <a:outerShdw blurRad="50800" dist="50800" dir="5400000" algn="tl" rotWithShape="0">
+              <a:srgbClr val="000000">
+                <a:alpha val="43000"/>
+              </a:srgbClr>
+            </a:outerShdw>
+          </a:effectLst>
+        </p:spPr>
+        <p:txBody>
+          <a:bodyPr anchor="t">
+            <a:normAutofit/>
+          </a:bodyPr>
+          <a:lstStyle>
+            <a:lvl1pPr marL="0" indent="0" algn="ctr">
+              <a:buNone/>
+              <a:defRPr sz="1600"/>
+            </a:lvl1pPr>
+            <a:lvl2pPr marL="457200" indent="0">
+              <a:buNone/>
+              <a:defRPr sz="1600"/>
+            </a:lvl2pPr>
+            <a:lvl3pPr marL="914400" indent="0">
+              <a:buNone/>
+              <a:defRPr sz="1600"/>
+            </a:lvl3pPr>
+            <a:lvl4pPr marL="1371600" indent="0">
+              <a:buNone/>
+              <a:defRPr sz="1600"/>
+            </a:lvl4pPr>
+            <a:lvl5pPr marL="1828800" indent="0">
+              <a:buNone/>
+              <a:defRPr sz="1600"/>
+            </a:lvl5pPr>
+            <a:lvl6pPr marL="2286000" indent="0">
+              <a:buNone/>
+              <a:defRPr sz="1600"/>
+            </a:lvl6pPr>
+            <a:lvl7pPr marL="2743200" indent="0">
+              <a:buNone/>
+              <a:defRPr sz="1600"/>
+            </a:lvl7pPr>
+            <a:lvl8pPr marL="3200400" indent="0">
+              <a:buNone/>
+              <a:defRPr sz="1600"/>
+            </a:lvl8pPr>
+            <a:lvl9pPr marL="3657600" indent="0">
+              <a:buNone/>
+              <a:defRPr sz="1600"/>
+            </a:lvl9pPr>
+          </a:lstStyle>
+          <a:p>
+            <a:r>
+              <a:rPr lang="en-US"/>
+              <a:t>Click icon to add picture</a:t>
+            </a:r>
+            <a:endParaRPr lang="en-US" dirty="0"/>
+          </a:p>
+        </p:txBody>
+      </p:sp>
+      <p:sp>
+        <p:nvSpPr>
+          <p:cNvPr id="23" name="Text Placeholder 3"/>
+          <p:cNvSpPr>
+            <a:spLocks noGrp="1"/>
+          </p:cNvSpPr>
+          <p:nvPr>
+            <p:ph type="body" sz="half" idx="19"/>
+          </p:nvPr>
+        </p:nvSpPr>
+        <p:spPr>
+          <a:xfrm>
+            <a:off x="2916776" y="4827211"/>
+            <a:ext cx="2201378" cy="659189"/>
+          </a:xfrm>
+        </p:spPr>
+        <p:txBody>
+          <a:bodyPr anchor="t">
+            <a:normAutofit/>
+          </a:bodyPr>
+          <a:lstStyle>
+            <a:lvl1pPr marL="0" indent="0">
+              <a:buNone/>
+              <a:defRPr sz="1400"/>
+            </a:lvl1pPr>
+            <a:lvl2pPr marL="457200" indent="0">
+              <a:buNone/>
+              <a:defRPr sz="1200"/>
+            </a:lvl2pPr>
+            <a:lvl3pPr marL="914400" indent="0">
+              <a:buNone/>
+              <a:defRPr sz="1000"/>
+            </a:lvl3pPr>
+            <a:lvl4pPr marL="1371600" indent="0">
+              <a:buNone/>
+              <a:defRPr sz="900"/>
+            </a:lvl4pPr>
+            <a:lvl5pPr marL="1828800" indent="0">
+              <a:buNone/>
+              <a:defRPr sz="900"/>
+            </a:lvl5pPr>
+            <a:lvl6pPr marL="2286000" indent="0">
+              <a:buNone/>
+              <a:defRPr sz="900"/>
+            </a:lvl6pPr>
+            <a:lvl7pPr marL="2743200" indent="0">
+              <a:buNone/>
+              <a:defRPr sz="900"/>
+            </a:lvl7pPr>
+            <a:lvl8pPr marL="3200400" indent="0">
+              <a:buNone/>
+              <a:defRPr sz="900"/>
+            </a:lvl8pPr>
+            <a:lvl9pPr marL="3657600" indent="0">
+              <a:buNone/>
+              <a:defRPr sz="900"/>
+            </a:lvl9pPr>
+          </a:lstStyle>
+          <a:p>
+            <a:pPr lvl="0"/>
+            <a:r>
+              <a:rPr lang="en-US"/>
+              <a:t>Click to edit Master text styles</a:t>
+            </a:r>
+          </a:p>
+        </p:txBody>
+      </p:sp>
+      <p:sp>
+        <p:nvSpPr>
+          <p:cNvPr id="14" name="Text Placeholder 4"/>
+          <p:cNvSpPr>
+            <a:spLocks noGrp="1"/>
+          </p:cNvSpPr>
+          <p:nvPr>
+            <p:ph type="body" sz="quarter" idx="13"/>
+          </p:nvPr>
+        </p:nvSpPr>
+        <p:spPr>
+          <a:xfrm>
+            <a:off x="5344917" y="4250949"/>
+            <a:ext cx="2199658" cy="576262"/>
+          </a:xfrm>
+        </p:spPr>
+        <p:txBody>
+          <a:bodyPr anchor="b">
+            <a:noAutofit/>
+          </a:bodyPr>
+          <a:lstStyle>
+            <a:lvl1pPr marL="0" indent="0">
+              <a:buNone/>
+              <a:defRPr sz="2400" b="0">
+                <a:solidFill>
+                  <a:schemeClr val="bg2">
+                    <a:lumMod val="40000"/>
+                    <a:lumOff val="60000"/>
+                  </a:schemeClr>
+                </a:solidFill>
+              </a:defRPr>
+            </a:lvl1pPr>
+            <a:lvl2pPr marL="457200" indent="0">
+              <a:buNone/>
+              <a:defRPr sz="2000" b="1"/>
+            </a:lvl2pPr>
+            <a:lvl3pPr marL="914400" indent="0">
+              <a:buNone/>
+              <a:defRPr sz="1800" b="1"/>
+            </a:lvl3pPr>
+            <a:lvl4pPr marL="1371600" indent="0">
+              <a:buNone/>
+              <a:defRPr sz="1600" b="1"/>
+            </a:lvl4pPr>
+            <a:lvl5pPr marL="1828800" indent="0">
+              <a:buNone/>
+              <a:defRPr sz="1600" b="1"/>
+            </a:lvl5pPr>
+            <a:lvl6pPr marL="2286000" indent="0">
+              <a:buNone/>
+              <a:defRPr sz="1600" b="1"/>
+            </a:lvl6pPr>
+            <a:lvl7pPr marL="2743200" indent="0">
+              <a:buNone/>
+              <a:defRPr sz="1600" b="1"/>
+            </a:lvl7pPr>
+            <a:lvl8pPr marL="3200400" indent="0">
+              <a:buNone/>
+              <a:defRPr sz="1600" b="1"/>
+            </a:lvl8pPr>
+            <a:lvl9pPr marL="3657600" indent="0">
+              <a:buNone/>
+              <a:defRPr sz="1600" b="1"/>
+            </a:lvl9pPr>
+          </a:lstStyle>
+          <a:p>
+            <a:pPr lvl="0"/>
+            <a:r>
+              <a:rPr lang="en-US"/>
+              <a:t>Click to edit Master text styles</a:t>
+            </a:r>
+          </a:p>
+        </p:txBody>
+      </p:sp>
+      <p:sp>
+        <p:nvSpPr>
+          <p:cNvPr id="31" name="Picture Placeholder 2"/>
+          <p:cNvSpPr>
+            <a:spLocks noGrp="1" noChangeAspect="1"/>
+          </p:cNvSpPr>
+          <p:nvPr>
+            <p:ph type="pic" idx="22"/>
+          </p:nvPr>
+        </p:nvSpPr>
+        <p:spPr>
+          <a:xfrm>
+            <a:off x="5344916" y="2209800"/>
+            <a:ext cx="2199658" cy="1524000"/>
+          </a:xfrm>
+          <a:prstGeom prst="roundRect">
+            <a:avLst>
+              <a:gd name="adj" fmla="val 1858"/>
+            </a:avLst>
+          </a:prstGeom>
+          <a:effectLst>
+            <a:outerShdw blurRad="50800" dist="50800" dir="5400000" algn="tl" rotWithShape="0">
+              <a:srgbClr val="000000">
+                <a:alpha val="43000"/>
+              </a:srgbClr>
+            </a:outerShdw>
+          </a:effectLst>
+        </p:spPr>
+        <p:txBody>
+          <a:bodyPr anchor="t">
+            <a:normAutofit/>
+          </a:bodyPr>
+          <a:lstStyle>
+            <a:lvl1pPr marL="0" indent="0" algn="ctr">
+              <a:buNone/>
+              <a:defRPr sz="1600"/>
+            </a:lvl1pPr>
+            <a:lvl2pPr marL="457200" indent="0">
+              <a:buNone/>
+              <a:defRPr sz="1600"/>
+            </a:lvl2pPr>
+            <a:lvl3pPr marL="914400" indent="0">
+              <a:buNone/>
+              <a:defRPr sz="1600"/>
+            </a:lvl3pPr>
+            <a:lvl4pPr marL="1371600" indent="0">
+              <a:buNone/>
+              <a:defRPr sz="1600"/>
+            </a:lvl4pPr>
+            <a:lvl5pPr marL="1828800" indent="0">
+              <a:buNone/>
+              <a:defRPr sz="1600"/>
+            </a:lvl5pPr>
+            <a:lvl6pPr marL="2286000" indent="0">
+              <a:buNone/>
+              <a:defRPr sz="1600"/>
+            </a:lvl6pPr>
+            <a:lvl7pPr marL="2743200" indent="0">
+              <a:buNone/>
+              <a:defRPr sz="1600"/>
+            </a:lvl7pPr>
+            <a:lvl8pPr marL="3200400" indent="0">
+              <a:buNone/>
+              <a:defRPr sz="1600"/>
+            </a:lvl8pPr>
+            <a:lvl9pPr marL="3657600" indent="0">
+              <a:buNone/>
+              <a:defRPr sz="1600"/>
+            </a:lvl9pPr>
+          </a:lstStyle>
+          <a:p>
+            <a:r>
+              <a:rPr lang="en-US"/>
+              <a:t>Click icon to add picture</a:t>
+            </a:r>
+            <a:endParaRPr lang="en-US" dirty="0"/>
+          </a:p>
+        </p:txBody>
+      </p:sp>
+      <p:sp>
+        <p:nvSpPr>
+          <p:cNvPr id="24" name="Text Placeholder 3"/>
+          <p:cNvSpPr>
+            <a:spLocks noGrp="1"/>
+          </p:cNvSpPr>
+          <p:nvPr>
+            <p:ph type="body" sz="half" idx="20"/>
+          </p:nvPr>
+        </p:nvSpPr>
+        <p:spPr>
+          <a:xfrm>
+            <a:off x="5344824" y="4827209"/>
+            <a:ext cx="2202571" cy="659189"/>
+          </a:xfrm>
+        </p:spPr>
+        <p:txBody>
+          <a:bodyPr anchor="t">
+            <a:normAutofit/>
+          </a:bodyPr>
+          <a:lstStyle>
+            <a:lvl1pPr marL="0" indent="0">
+              <a:buNone/>
+              <a:defRPr sz="1400"/>
+            </a:lvl1pPr>
+            <a:lvl2pPr marL="457200" indent="0">
+              <a:buNone/>
+              <a:defRPr sz="1200"/>
+            </a:lvl2pPr>
+            <a:lvl3pPr marL="914400" indent="0">
+              <a:buNone/>
+              <a:defRPr sz="1000"/>
+            </a:lvl3pPr>
+            <a:lvl4pPr marL="1371600" indent="0">
+              <a:buNone/>
+              <a:defRPr sz="900"/>
+            </a:lvl4pPr>
+            <a:lvl5pPr marL="1828800" indent="0">
+              <a:buNone/>
+              <a:defRPr sz="900"/>
+            </a:lvl5pPr>
+            <a:lvl6pPr marL="2286000" indent="0">
+              <a:buNone/>
+              <a:defRPr sz="900"/>
+            </a:lvl6pPr>
+            <a:lvl7pPr marL="2743200" indent="0">
+              <a:buNone/>
+              <a:defRPr sz="900"/>
+            </a:lvl7pPr>
+            <a:lvl8pPr marL="3200400" indent="0">
+              <a:buNone/>
+              <a:defRPr sz="900"/>
+            </a:lvl8pPr>
+            <a:lvl9pPr marL="3657600" indent="0">
+              <a:buNone/>
+              <a:defRPr sz="900"/>
+            </a:lvl9pPr>
+          </a:lstStyle>
+          <a:p>
+            <a:pPr lvl="0"/>
+            <a:r>
+              <a:rPr lang="en-US"/>
+              <a:t>Click to edit Master text styles</a:t>
+            </a:r>
+          </a:p>
+        </p:txBody>
+      </p:sp>
+      <p:cxnSp>
+        <p:nvCxnSpPr>
+          <p:cNvPr id="19" name="Straight Connector 18"/>
+          <p:cNvCxnSpPr/>
+          <p:nvPr/>
+        </p:nvCxnSpPr>
+        <p:spPr>
+          <a:xfrm>
+            <a:off x="2795334" y="2133600"/>
+            <a:ext cx="0" cy="3962400"/>
+          </a:xfrm>
+          <a:prstGeom prst="line">
+            <a:avLst/>
+          </a:prstGeom>
+          <a:ln w="12700" cmpd="sng">
+            <a:solidFill>
+              <a:schemeClr val="bg2">
+                <a:lumMod val="40000"/>
+                <a:lumOff val="60000"/>
+                <a:alpha val="40000"/>
+              </a:schemeClr>
+            </a:solidFill>
+          </a:ln>
+        </p:spPr>
+        <p:style>
+          <a:lnRef idx="2">
+            <a:schemeClr val="accent1"/>
+          </a:lnRef>
+          <a:fillRef idx="0">
+            <a:schemeClr val="accent1"/>
+          </a:fillRef>
+          <a:effectRef idx="1">
+            <a:schemeClr val="accent1"/>
+          </a:effectRef>
+          <a:fontRef idx="minor">
+            <a:schemeClr val="tx1"/>
+          </a:fontRef>
+        </p:style>
+      </p:cxnSp>
+      <p:cxnSp>
+        <p:nvCxnSpPr>
+          <p:cNvPr id="20" name="Straight Connector 19"/>
+          <p:cNvCxnSpPr/>
+          <p:nvPr/>
+        </p:nvCxnSpPr>
+        <p:spPr>
+          <a:xfrm>
+            <a:off x="5223030" y="2133600"/>
+            <a:ext cx="0" cy="3966882"/>
+          </a:xfrm>
+          <a:prstGeom prst="line">
+            <a:avLst/>
+          </a:prstGeom>
+          <a:ln w="12700" cmpd="sng">
+            <a:solidFill>
+              <a:schemeClr val="bg2">
+                <a:lumMod val="40000"/>
+                <a:lumOff val="60000"/>
+                <a:alpha val="40000"/>
+              </a:schemeClr>
+            </a:solidFill>
+          </a:ln>
+        </p:spPr>
+        <p:style>
+          <a:lnRef idx="2">
+            <a:schemeClr val="accent1"/>
+          </a:lnRef>
+          <a:fillRef idx="0">
+            <a:schemeClr val="accent1"/>
+          </a:fillRef>
+          <a:effectRef idx="1">
+            <a:schemeClr val="accent1"/>
+          </a:effectRef>
+          <a:fontRef idx="minor">
+            <a:schemeClr val="tx1"/>
+          </a:fontRef>
+        </p:style>
+      </p:cxnSp>
+      <p:sp>
+        <p:nvSpPr>
+          <p:cNvPr id="7" name="Date Placeholder 3"/>
+          <p:cNvSpPr>
+            <a:spLocks noGrp="1"/>
+          </p:cNvSpPr>
+          <p:nvPr>
+            <p:ph type="dt" sz="half" idx="10"/>
+          </p:nvPr>
+        </p:nvSpPr>
+        <p:spPr/>
+        <p:txBody>
+          <a:bodyPr/>
+          <a:lstStyle/>
+          <a:p>
+            <a:fld id="{5BCAD085-E8A6-8845-BD4E-CB4CCA059FC4}" type="datetimeFigureOut">
+              <a:rPr lang="en-US" smtClean="0"/>
+              <a:t>12/10/2025</a:t>
+            </a:fld>
+            <a:endParaRPr lang="en-US"/>
+          </a:p>
+        </p:txBody>
+      </p:sp>
+      <p:sp>
+        <p:nvSpPr>
+          <p:cNvPr id="4" name="Footer Placeholder 4"/>
+          <p:cNvSpPr>
+            <a:spLocks noGrp="1"/>
+          </p:cNvSpPr>
+          <p:nvPr>
+            <p:ph type="ftr" sz="quarter" idx="11"/>
+          </p:nvPr>
+        </p:nvSpPr>
+        <p:spPr/>
+        <p:txBody>
+          <a:bodyPr/>
+          <a:lstStyle/>
+          <a:p>
+            <a:endParaRPr lang="en-US"/>
+          </a:p>
+        </p:txBody>
+      </p:sp>
+      <p:sp>
+        <p:nvSpPr>
+          <p:cNvPr id="6" name="Slide Number Placeholder 5"/>
+          <p:cNvSpPr>
+            <a:spLocks noGrp="1"/>
+          </p:cNvSpPr>
+          <p:nvPr>
+            <p:ph type="sldNum" sz="quarter" idx="12"/>
+          </p:nvPr>
+        </p:nvSpPr>
+        <p:spPr/>
+        <p:txBody>
+          <a:bodyPr/>
+          <a:lstStyle/>
+          <a:p>
+            <a:fld id="{C1FF6DA9-008F-8B48-92A6-B652298478BF}" type="slidenum">
+              <a:rPr lang="en-US" smtClean="0"/>
+              <a:t>‹#›</a:t>
+            </a:fld>
+            <a:endParaRPr lang="en-US"/>
+          </a:p>
+        </p:txBody>
+      </p:sp>
+    </p:spTree>
+    <p:extLst>
+      <p:ext uri="{BB962C8B-B14F-4D97-AF65-F5344CB8AC3E}">
+        <p14:creationId xmlns:p14="http://schemas.microsoft.com/office/powerpoint/2010/main" val="447710983"/>
+      </p:ext>
+    </p:extLst>
+  </p:cSld>
+  <p:clrMapOvr>
+    <a:masterClrMapping/>
+  </p:clrMapOvr>
+</p:sldLayout>
+</file>
+
+<file path=ppt/slideLayouts/slideLayout16.xml><?xml version="1.0" encoding="utf-8"?>
 <p:sldLayout xmlns:a="http://schemas.openxmlformats.org/drawingml/2006/main" xmlns:r="http://schemas.openxmlformats.org/officeDocument/2006/relationships" xmlns:p="http://schemas.openxmlformats.org/presentationml/2006/main" type="vertTx" preserve="1">
   <p:cSld name="Title and Vertical Text">
     <p:spTree>
@@ -413,6 +2988,7 @@
               <a:rPr lang="en-US"/>
               <a:t>Click to edit Master title style</a:t>
             </a:r>
+            <a:endParaRPr lang="en-US" dirty="0"/>
           </a:p>
         </p:txBody>
       </p:sp>
@@ -428,7 +3004,7 @@
         </p:nvSpPr>
         <p:spPr/>
         <p:txBody>
-          <a:bodyPr vert="eaVert"/>
+          <a:bodyPr vert="eaVert" anchor="t" anchorCtr="0"/>
           <a:lstStyle/>
           <a:p>
             <a:pPr lvl="0"/>
@@ -464,6 +3040,7 @@
               <a:rPr lang="en-US"/>
               <a:t>Fifth level</a:t>
             </a:r>
+            <a:endParaRPr lang="en-US" dirty="0"/>
           </a:p>
         </p:txBody>
       </p:sp>
@@ -484,7 +3061,7 @@
           <a:p>
             <a:fld id="{5BCAD085-E8A6-8845-BD4E-CB4CCA059FC4}" type="datetimeFigureOut">
               <a:rPr lang="en-US" smtClean="0"/>
-              <a:t>12/3/2025</a:t>
+              <a:t>12/10/2025</a:t>
             </a:fld>
             <a:endParaRPr lang="en-US"/>
           </a:p>
@@ -535,7 +3112,7 @@
     </p:spTree>
     <p:extLst>
       <p:ext uri="{BB962C8B-B14F-4D97-AF65-F5344CB8AC3E}">
-        <p14:creationId xmlns:p14="http://schemas.microsoft.com/office/powerpoint/2010/main" val="2910927964"/>
+        <p14:creationId xmlns:p14="http://schemas.microsoft.com/office/powerpoint/2010/main" val="4037531873"/>
       </p:ext>
     </p:extLst>
   </p:cSld>
@@ -545,7 +3122,7 @@
 </p:sldLayout>
 </file>
 
-<file path=ppt/slideLayouts/slideLayout11.xml><?xml version="1.0" encoding="utf-8"?>
+<file path=ppt/slideLayouts/slideLayout17.xml><?xml version="1.0" encoding="utf-8"?>
 <p:sldLayout xmlns:a="http://schemas.openxmlformats.org/drawingml/2006/main" xmlns:r="http://schemas.openxmlformats.org/officeDocument/2006/relationships" xmlns:p="http://schemas.openxmlformats.org/presentationml/2006/main" type="vertTitleAndTx" preserve="1">
   <p:cSld name="Vertical Title and Text">
     <p:spTree>
@@ -574,18 +3151,19 @@
         </p:nvSpPr>
         <p:spPr>
           <a:xfrm>
-            <a:off x="6629400" y="274638"/>
-            <a:ext cx="2057400" cy="5851525"/>
-          </a:xfrm>
-        </p:spPr>
-        <p:txBody>
-          <a:bodyPr vert="eaVert"/>
+            <a:off x="6229782" y="430214"/>
+            <a:ext cx="1314793" cy="5826125"/>
+          </a:xfrm>
+        </p:spPr>
+        <p:txBody>
+          <a:bodyPr vert="eaVert" anchor="b" anchorCtr="0"/>
           <a:lstStyle/>
           <a:p>
             <a:r>
               <a:rPr lang="en-US"/>
               <a:t>Click to edit Master title style</a:t>
             </a:r>
+            <a:endParaRPr lang="en-US" dirty="0"/>
           </a:p>
         </p:txBody>
       </p:sp>
@@ -601,8 +3179,8 @@
         </p:nvSpPr>
         <p:spPr>
           <a:xfrm>
-            <a:off x="457200" y="274638"/>
-            <a:ext cx="6019800" cy="5851525"/>
+            <a:off x="489475" y="773205"/>
+            <a:ext cx="5568812" cy="5483134"/>
           </a:xfrm>
         </p:spPr>
         <p:txBody>
@@ -642,6 +3220,7 @@
               <a:rPr lang="en-US"/>
               <a:t>Fifth level</a:t>
             </a:r>
+            <a:endParaRPr lang="en-US" dirty="0"/>
           </a:p>
         </p:txBody>
       </p:sp>
@@ -662,7 +3241,7 @@
           <a:p>
             <a:fld id="{5BCAD085-E8A6-8845-BD4E-CB4CCA059FC4}" type="datetimeFigureOut">
               <a:rPr lang="en-US" smtClean="0"/>
-              <a:t>12/3/2025</a:t>
+              <a:t>12/10/2025</a:t>
             </a:fld>
             <a:endParaRPr lang="en-US"/>
           </a:p>
@@ -713,7 +3292,7 @@
     </p:spTree>
     <p:extLst>
       <p:ext uri="{BB962C8B-B14F-4D97-AF65-F5344CB8AC3E}">
-        <p14:creationId xmlns:p14="http://schemas.microsoft.com/office/powerpoint/2010/main" val="3612223792"/>
+        <p14:creationId xmlns:p14="http://schemas.microsoft.com/office/powerpoint/2010/main" val="3122477291"/>
       </p:ext>
     </p:extLst>
   </p:cSld>
@@ -759,6 +3338,7 @@
               <a:rPr lang="en-US"/>
               <a:t>Click to edit Master title style</a:t>
             </a:r>
+            <a:endParaRPr lang="en-US" dirty="0"/>
           </a:p>
         </p:txBody>
       </p:sp>
@@ -810,12 +3390,13 @@
               <a:rPr lang="en-US"/>
               <a:t>Fifth level</a:t>
             </a:r>
-          </a:p>
-        </p:txBody>
-      </p:sp>
-      <p:sp>
-        <p:nvSpPr>
-          <p:cNvPr id="4" name="Date Placeholder 3"/>
+            <a:endParaRPr lang="en-US" dirty="0"/>
+          </a:p>
+        </p:txBody>
+      </p:sp>
+      <p:sp>
+        <p:nvSpPr>
+          <p:cNvPr id="7" name="Date Placeholder 3"/>
           <p:cNvSpPr>
             <a:spLocks noGrp="1"/>
           </p:cNvSpPr>
@@ -830,7 +3411,7 @@
           <a:p>
             <a:fld id="{5BCAD085-E8A6-8845-BD4E-CB4CCA059FC4}" type="datetimeFigureOut">
               <a:rPr lang="en-US" smtClean="0"/>
-              <a:t>12/3/2025</a:t>
+              <a:t>12/10/2025</a:t>
             </a:fld>
             <a:endParaRPr lang="en-US"/>
           </a:p>
@@ -881,7 +3462,7 @@
     </p:spTree>
     <p:extLst>
       <p:ext uri="{BB962C8B-B14F-4D97-AF65-F5344CB8AC3E}">
-        <p14:creationId xmlns:p14="http://schemas.microsoft.com/office/powerpoint/2010/main" val="2614314258"/>
+        <p14:creationId xmlns:p14="http://schemas.microsoft.com/office/powerpoint/2010/main" val="1144703636"/>
       </p:ext>
     </p:extLst>
   </p:cSld>
@@ -920,50 +3501,52 @@
         </p:nvSpPr>
         <p:spPr>
           <a:xfrm>
-            <a:off x="722313" y="4406900"/>
-            <a:ext cx="7772400" cy="1362075"/>
+            <a:off x="866443" y="2861734"/>
+            <a:ext cx="6620967" cy="1915647"/>
+          </a:xfrm>
+        </p:spPr>
+        <p:txBody>
+          <a:bodyPr anchor="b"/>
+          <a:lstStyle>
+            <a:lvl1pPr algn="l">
+              <a:defRPr sz="4000" b="0" cap="none"/>
+            </a:lvl1pPr>
+          </a:lstStyle>
+          <a:p>
+            <a:r>
+              <a:rPr lang="en-US"/>
+              <a:t>Click to edit Master title style</a:t>
+            </a:r>
+            <a:endParaRPr lang="en-US" dirty="0"/>
+          </a:p>
+        </p:txBody>
+      </p:sp>
+      <p:sp>
+        <p:nvSpPr>
+          <p:cNvPr id="3" name="Text Placeholder 2"/>
+          <p:cNvSpPr>
+            <a:spLocks noGrp="1"/>
+          </p:cNvSpPr>
+          <p:nvPr>
+            <p:ph type="body" idx="1"/>
+          </p:nvPr>
+        </p:nvSpPr>
+        <p:spPr>
+          <a:xfrm>
+            <a:off x="866442" y="4777381"/>
+            <a:ext cx="6620968" cy="860400"/>
           </a:xfrm>
         </p:spPr>
         <p:txBody>
           <a:bodyPr anchor="t"/>
           <a:lstStyle>
-            <a:lvl1pPr algn="l">
-              <a:defRPr sz="4000" b="1" cap="all"/>
-            </a:lvl1pPr>
-          </a:lstStyle>
-          <a:p>
-            <a:r>
-              <a:rPr lang="en-US"/>
-              <a:t>Click to edit Master title style</a:t>
-            </a:r>
-          </a:p>
-        </p:txBody>
-      </p:sp>
-      <p:sp>
-        <p:nvSpPr>
-          <p:cNvPr id="3" name="Text Placeholder 2"/>
-          <p:cNvSpPr>
-            <a:spLocks noGrp="1"/>
-          </p:cNvSpPr>
-          <p:nvPr>
-            <p:ph type="body" idx="1"/>
-          </p:nvPr>
-        </p:nvSpPr>
-        <p:spPr>
-          <a:xfrm>
-            <a:off x="722313" y="2906713"/>
-            <a:ext cx="7772400" cy="1500187"/>
-          </a:xfrm>
-        </p:spPr>
-        <p:txBody>
-          <a:bodyPr anchor="b"/>
-          <a:lstStyle>
-            <a:lvl1pPr marL="0" indent="0">
-              <a:buNone/>
-              <a:defRPr sz="2000">
+            <a:lvl1pPr marL="0" indent="0" algn="l">
+              <a:buNone/>
+              <a:defRPr sz="2000" cap="all">
                 <a:solidFill>
-                  <a:schemeClr val="tx1">
-                    <a:tint val="75000"/>
+                  <a:schemeClr val="bg2">
+                    <a:lumMod val="40000"/>
+                    <a:lumOff val="60000"/>
                   </a:schemeClr>
                 </a:solidFill>
               </a:defRPr>
@@ -1075,7 +3658,7 @@
           <a:p>
             <a:fld id="{5BCAD085-E8A6-8845-BD4E-CB4CCA059FC4}" type="datetimeFigureOut">
               <a:rPr lang="en-US" smtClean="0"/>
-              <a:t>12/3/2025</a:t>
+              <a:t>12/10/2025</a:t>
             </a:fld>
             <a:endParaRPr lang="en-US"/>
           </a:p>
@@ -1126,7 +3709,7 @@
     </p:spTree>
     <p:extLst>
       <p:ext uri="{BB962C8B-B14F-4D97-AF65-F5344CB8AC3E}">
-        <p14:creationId xmlns:p14="http://schemas.microsoft.com/office/powerpoint/2010/main" val="960648375"/>
+        <p14:creationId xmlns:p14="http://schemas.microsoft.com/office/powerpoint/2010/main" val="1447448187"/>
       </p:ext>
     </p:extLst>
   </p:cSld>
@@ -1172,6 +3755,7 @@
               <a:rPr lang="en-US"/>
               <a:t>Click to edit Master title style</a:t>
             </a:r>
+            <a:endParaRPr lang="en-US" dirty="0"/>
           </a:p>
         </p:txBody>
       </p:sp>
@@ -1187,39 +3771,41 @@
         </p:nvSpPr>
         <p:spPr>
           <a:xfrm>
-            <a:off x="457200" y="1600200"/>
-            <a:ext cx="4038600" cy="4525963"/>
-          </a:xfrm>
-        </p:spPr>
-        <p:txBody>
-          <a:bodyPr/>
+            <a:off x="827700" y="2060576"/>
+            <a:ext cx="3298113" cy="4195763"/>
+          </a:xfrm>
+        </p:spPr>
+        <p:txBody>
+          <a:bodyPr>
+            <a:normAutofit/>
+          </a:bodyPr>
           <a:lstStyle>
             <a:lvl1pPr>
-              <a:defRPr sz="2800"/>
+              <a:defRPr sz="1800"/>
             </a:lvl1pPr>
             <a:lvl2pPr>
-              <a:defRPr sz="2400"/>
+              <a:defRPr sz="1600"/>
             </a:lvl2pPr>
             <a:lvl3pPr>
-              <a:defRPr sz="2000"/>
+              <a:defRPr sz="1400"/>
             </a:lvl3pPr>
             <a:lvl4pPr>
-              <a:defRPr sz="1800"/>
+              <a:defRPr sz="1200"/>
             </a:lvl4pPr>
             <a:lvl5pPr>
-              <a:defRPr sz="1800"/>
+              <a:defRPr sz="1200"/>
             </a:lvl5pPr>
             <a:lvl6pPr>
-              <a:defRPr sz="1800"/>
+              <a:defRPr sz="1200"/>
             </a:lvl6pPr>
             <a:lvl7pPr>
-              <a:defRPr sz="1800"/>
+              <a:defRPr sz="1200"/>
             </a:lvl7pPr>
             <a:lvl8pPr>
-              <a:defRPr sz="1800"/>
+              <a:defRPr sz="1200"/>
             </a:lvl8pPr>
             <a:lvl9pPr>
-              <a:defRPr sz="1800"/>
+              <a:defRPr sz="1200"/>
             </a:lvl9pPr>
           </a:lstStyle>
           <a:p>
@@ -1256,6 +3842,7 @@
               <a:rPr lang="en-US"/>
               <a:t>Fifth level</a:t>
             </a:r>
+            <a:endParaRPr lang="en-US" dirty="0"/>
           </a:p>
         </p:txBody>
       </p:sp>
@@ -1271,39 +3858,41 @@
         </p:nvSpPr>
         <p:spPr>
           <a:xfrm>
-            <a:off x="4648200" y="1600200"/>
-            <a:ext cx="4038600" cy="4525963"/>
-          </a:xfrm>
-        </p:spPr>
-        <p:txBody>
-          <a:bodyPr/>
+            <a:off x="4241975" y="2056093"/>
+            <a:ext cx="3298115" cy="4200245"/>
+          </a:xfrm>
+        </p:spPr>
+        <p:txBody>
+          <a:bodyPr>
+            <a:normAutofit/>
+          </a:bodyPr>
           <a:lstStyle>
             <a:lvl1pPr>
-              <a:defRPr sz="2800"/>
+              <a:defRPr sz="1800"/>
             </a:lvl1pPr>
             <a:lvl2pPr>
-              <a:defRPr sz="2400"/>
+              <a:defRPr sz="1600"/>
             </a:lvl2pPr>
             <a:lvl3pPr>
-              <a:defRPr sz="2000"/>
+              <a:defRPr sz="1400"/>
             </a:lvl3pPr>
             <a:lvl4pPr>
-              <a:defRPr sz="1800"/>
+              <a:defRPr sz="1200"/>
             </a:lvl4pPr>
             <a:lvl5pPr>
-              <a:defRPr sz="1800"/>
+              <a:defRPr sz="1200"/>
             </a:lvl5pPr>
             <a:lvl6pPr>
-              <a:defRPr sz="1800"/>
+              <a:defRPr sz="1200"/>
             </a:lvl6pPr>
             <a:lvl7pPr>
-              <a:defRPr sz="1800"/>
+              <a:defRPr sz="1200"/>
             </a:lvl7pPr>
             <a:lvl8pPr>
-              <a:defRPr sz="1800"/>
+              <a:defRPr sz="1200"/>
             </a:lvl8pPr>
             <a:lvl9pPr>
-              <a:defRPr sz="1800"/>
+              <a:defRPr sz="1200"/>
             </a:lvl9pPr>
           </a:lstStyle>
           <a:p>
@@ -1340,6 +3929,7 @@
               <a:rPr lang="en-US"/>
               <a:t>Fifth level</a:t>
             </a:r>
+            <a:endParaRPr lang="en-US" dirty="0"/>
           </a:p>
         </p:txBody>
       </p:sp>
@@ -1360,7 +3950,7 @@
           <a:p>
             <a:fld id="{5BCAD085-E8A6-8845-BD4E-CB4CCA059FC4}" type="datetimeFigureOut">
               <a:rPr lang="en-US" smtClean="0"/>
-              <a:t>12/3/2025</a:t>
+              <a:t>12/10/2025</a:t>
             </a:fld>
             <a:endParaRPr lang="en-US"/>
           </a:p>
@@ -1411,7 +4001,7 @@
     </p:spTree>
     <p:extLst>
       <p:ext uri="{BB962C8B-B14F-4D97-AF65-F5344CB8AC3E}">
-        <p14:creationId xmlns:p14="http://schemas.microsoft.com/office/powerpoint/2010/main" val="2782244947"/>
+        <p14:creationId xmlns:p14="http://schemas.microsoft.com/office/powerpoint/2010/main" val="1878750030"/>
       </p:ext>
     </p:extLst>
   </p:cSld>
@@ -1461,6 +4051,7 @@
               <a:rPr lang="en-US"/>
               <a:t>Click to edit Master title style</a:t>
             </a:r>
+            <a:endParaRPr lang="en-US" dirty="0"/>
           </a:p>
         </p:txBody>
       </p:sp>
@@ -1476,16 +4067,25 @@
         </p:nvSpPr>
         <p:spPr>
           <a:xfrm>
-            <a:off x="457200" y="1535113"/>
-            <a:ext cx="4040188" cy="639762"/>
-          </a:xfrm>
-        </p:spPr>
-        <p:txBody>
-          <a:bodyPr anchor="b"/>
+            <a:off x="827700" y="1905000"/>
+            <a:ext cx="3298112" cy="576262"/>
+          </a:xfrm>
+        </p:spPr>
+        <p:txBody>
+          <a:bodyPr anchor="b">
+            <a:noAutofit/>
+          </a:bodyPr>
           <a:lstStyle>
             <a:lvl1pPr marL="0" indent="0">
               <a:buNone/>
-              <a:defRPr sz="2400" b="1"/>
+              <a:defRPr sz="2400" b="0">
+                <a:solidFill>
+                  <a:schemeClr val="bg2">
+                    <a:lumMod val="40000"/>
+                    <a:lumOff val="60000"/>
+                  </a:schemeClr>
+                </a:solidFill>
+              </a:defRPr>
             </a:lvl1pPr>
             <a:lvl2pPr marL="457200" indent="0">
               <a:buNone/>
@@ -1541,39 +4141,41 @@
         </p:nvSpPr>
         <p:spPr>
           <a:xfrm>
-            <a:off x="457200" y="2174875"/>
-            <a:ext cx="4040188" cy="3951288"/>
-          </a:xfrm>
-        </p:spPr>
-        <p:txBody>
-          <a:bodyPr/>
+            <a:off x="827700" y="2514600"/>
+            <a:ext cx="3298113" cy="3741738"/>
+          </a:xfrm>
+        </p:spPr>
+        <p:txBody>
+          <a:bodyPr>
+            <a:normAutofit/>
+          </a:bodyPr>
           <a:lstStyle>
             <a:lvl1pPr>
-              <a:defRPr sz="2400"/>
+              <a:defRPr sz="1800"/>
             </a:lvl1pPr>
             <a:lvl2pPr>
-              <a:defRPr sz="2000"/>
+              <a:defRPr sz="1600"/>
             </a:lvl2pPr>
             <a:lvl3pPr>
-              <a:defRPr sz="1800"/>
+              <a:defRPr sz="1400"/>
             </a:lvl3pPr>
             <a:lvl4pPr>
-              <a:defRPr sz="1600"/>
+              <a:defRPr sz="1200"/>
             </a:lvl4pPr>
             <a:lvl5pPr>
-              <a:defRPr sz="1600"/>
+              <a:defRPr sz="1200"/>
             </a:lvl5pPr>
             <a:lvl6pPr>
-              <a:defRPr sz="1600"/>
+              <a:defRPr sz="1200"/>
             </a:lvl6pPr>
             <a:lvl7pPr>
-              <a:defRPr sz="1600"/>
+              <a:defRPr sz="1200"/>
             </a:lvl7pPr>
             <a:lvl8pPr>
-              <a:defRPr sz="1600"/>
+              <a:defRPr sz="1200"/>
             </a:lvl8pPr>
             <a:lvl9pPr>
-              <a:defRPr sz="1600"/>
+              <a:defRPr sz="1200"/>
             </a:lvl9pPr>
           </a:lstStyle>
           <a:p>
@@ -1610,6 +4212,7 @@
               <a:rPr lang="en-US"/>
               <a:t>Fifth level</a:t>
             </a:r>
+            <a:endParaRPr lang="en-US" dirty="0"/>
           </a:p>
         </p:txBody>
       </p:sp>
@@ -1625,16 +4228,25 @@
         </p:nvSpPr>
         <p:spPr>
           <a:xfrm>
-            <a:off x="4645025" y="1535113"/>
-            <a:ext cx="4041775" cy="639762"/>
-          </a:xfrm>
-        </p:spPr>
-        <p:txBody>
-          <a:bodyPr anchor="b"/>
+            <a:off x="4241976" y="1905000"/>
+            <a:ext cx="3298113" cy="576262"/>
+          </a:xfrm>
+        </p:spPr>
+        <p:txBody>
+          <a:bodyPr anchor="b">
+            <a:noAutofit/>
+          </a:bodyPr>
           <a:lstStyle>
             <a:lvl1pPr marL="0" indent="0">
               <a:buNone/>
-              <a:defRPr sz="2400" b="1"/>
+              <a:defRPr sz="2400" b="0">
+                <a:solidFill>
+                  <a:schemeClr val="bg2">
+                    <a:lumMod val="40000"/>
+                    <a:lumOff val="60000"/>
+                  </a:schemeClr>
+                </a:solidFill>
+              </a:defRPr>
             </a:lvl1pPr>
             <a:lvl2pPr marL="457200" indent="0">
               <a:buNone/>
@@ -1690,39 +4302,41 @@
         </p:nvSpPr>
         <p:spPr>
           <a:xfrm>
-            <a:off x="4645025" y="2174875"/>
-            <a:ext cx="4041775" cy="3951288"/>
-          </a:xfrm>
-        </p:spPr>
-        <p:txBody>
-          <a:bodyPr/>
+            <a:off x="4241976" y="2514600"/>
+            <a:ext cx="3298113" cy="3741738"/>
+          </a:xfrm>
+        </p:spPr>
+        <p:txBody>
+          <a:bodyPr>
+            <a:normAutofit/>
+          </a:bodyPr>
           <a:lstStyle>
             <a:lvl1pPr>
-              <a:defRPr sz="2400"/>
+              <a:defRPr sz="1800"/>
             </a:lvl1pPr>
             <a:lvl2pPr>
-              <a:defRPr sz="2000"/>
+              <a:defRPr sz="1600"/>
             </a:lvl2pPr>
             <a:lvl3pPr>
-              <a:defRPr sz="1800"/>
+              <a:defRPr sz="1400"/>
             </a:lvl3pPr>
             <a:lvl4pPr>
-              <a:defRPr sz="1600"/>
+              <a:defRPr sz="1200"/>
             </a:lvl4pPr>
             <a:lvl5pPr>
-              <a:defRPr sz="1600"/>
+              <a:defRPr sz="1200"/>
             </a:lvl5pPr>
             <a:lvl6pPr>
-              <a:defRPr sz="1600"/>
+              <a:defRPr sz="1200"/>
             </a:lvl6pPr>
             <a:lvl7pPr>
-              <a:defRPr sz="1600"/>
+              <a:defRPr sz="1200"/>
             </a:lvl7pPr>
             <a:lvl8pPr>
-              <a:defRPr sz="1600"/>
+              <a:defRPr sz="1200"/>
             </a:lvl8pPr>
             <a:lvl9pPr>
-              <a:defRPr sz="1600"/>
+              <a:defRPr sz="1200"/>
             </a:lvl9pPr>
           </a:lstStyle>
           <a:p>
@@ -1759,6 +4373,7 @@
               <a:rPr lang="en-US"/>
               <a:t>Fifth level</a:t>
             </a:r>
+            <a:endParaRPr lang="en-US" dirty="0"/>
           </a:p>
         </p:txBody>
       </p:sp>
@@ -1779,7 +4394,7 @@
           <a:p>
             <a:fld id="{5BCAD085-E8A6-8845-BD4E-CB4CCA059FC4}" type="datetimeFigureOut">
               <a:rPr lang="en-US" smtClean="0"/>
-              <a:t>12/3/2025</a:t>
+              <a:t>12/10/2025</a:t>
             </a:fld>
             <a:endParaRPr lang="en-US"/>
           </a:p>
@@ -1830,7 +4445,7 @@
     </p:spTree>
     <p:extLst>
       <p:ext uri="{BB962C8B-B14F-4D97-AF65-F5344CB8AC3E}">
-        <p14:creationId xmlns:p14="http://schemas.microsoft.com/office/powerpoint/2010/main" val="990158736"/>
+        <p14:creationId xmlns:p14="http://schemas.microsoft.com/office/powerpoint/2010/main" val="2724408494"/>
       </p:ext>
     </p:extLst>
   </p:cSld>
@@ -1876,12 +4491,13 @@
               <a:rPr lang="en-US"/>
               <a:t>Click to edit Master title style</a:t>
             </a:r>
-          </a:p>
-        </p:txBody>
-      </p:sp>
-      <p:sp>
-        <p:nvSpPr>
-          <p:cNvPr id="3" name="Date Placeholder 2"/>
+            <a:endParaRPr lang="en-US" dirty="0"/>
+          </a:p>
+        </p:txBody>
+      </p:sp>
+      <p:sp>
+        <p:nvSpPr>
+          <p:cNvPr id="7" name="Date Placeholder 2"/>
           <p:cNvSpPr>
             <a:spLocks noGrp="1"/>
           </p:cNvSpPr>
@@ -1896,7 +4512,7 @@
           <a:p>
             <a:fld id="{5BCAD085-E8A6-8845-BD4E-CB4CCA059FC4}" type="datetimeFigureOut">
               <a:rPr lang="en-US" smtClean="0"/>
-              <a:t>12/3/2025</a:t>
+              <a:t>12/10/2025</a:t>
             </a:fld>
             <a:endParaRPr lang="en-US"/>
           </a:p>
@@ -1904,7 +4520,7 @@
       </p:sp>
       <p:sp>
         <p:nvSpPr>
-          <p:cNvPr id="4" name="Footer Placeholder 3"/>
+          <p:cNvPr id="5" name="Footer Placeholder 3"/>
           <p:cNvSpPr>
             <a:spLocks noGrp="1"/>
           </p:cNvSpPr>
@@ -1923,7 +4539,7 @@
       </p:sp>
       <p:sp>
         <p:nvSpPr>
-          <p:cNvPr id="5" name="Slide Number Placeholder 4"/>
+          <p:cNvPr id="6" name="Slide Number Placeholder 4"/>
           <p:cNvSpPr>
             <a:spLocks noGrp="1"/>
           </p:cNvSpPr>
@@ -1947,7 +4563,7 @@
     </p:spTree>
     <p:extLst>
       <p:ext uri="{BB962C8B-B14F-4D97-AF65-F5344CB8AC3E}">
-        <p14:creationId xmlns:p14="http://schemas.microsoft.com/office/powerpoint/2010/main" val="727027711"/>
+        <p14:creationId xmlns:p14="http://schemas.microsoft.com/office/powerpoint/2010/main" val="3880830896"/>
       </p:ext>
     </p:extLst>
   </p:cSld>
@@ -1976,7 +4592,7 @@
       </p:grpSpPr>
       <p:sp>
         <p:nvSpPr>
-          <p:cNvPr id="2" name="Date Placeholder 1"/>
+          <p:cNvPr id="7" name="Date Placeholder 1"/>
           <p:cNvSpPr>
             <a:spLocks noGrp="1"/>
           </p:cNvSpPr>
@@ -1991,7 +4607,7 @@
           <a:p>
             <a:fld id="{5BCAD085-E8A6-8845-BD4E-CB4CCA059FC4}" type="datetimeFigureOut">
               <a:rPr lang="en-US" smtClean="0"/>
-              <a:t>12/3/2025</a:t>
+              <a:t>12/10/2025</a:t>
             </a:fld>
             <a:endParaRPr lang="en-US"/>
           </a:p>
@@ -1999,7 +4615,7 @@
       </p:sp>
       <p:sp>
         <p:nvSpPr>
-          <p:cNvPr id="3" name="Footer Placeholder 2"/>
+          <p:cNvPr id="5" name="Footer Placeholder 2"/>
           <p:cNvSpPr>
             <a:spLocks noGrp="1"/>
           </p:cNvSpPr>
@@ -2018,7 +4634,7 @@
       </p:sp>
       <p:sp>
         <p:nvSpPr>
-          <p:cNvPr id="4" name="Slide Number Placeholder 3"/>
+          <p:cNvPr id="6" name="Slide Number Placeholder 3"/>
           <p:cNvSpPr>
             <a:spLocks noGrp="1"/>
           </p:cNvSpPr>
@@ -2042,7 +4658,7 @@
     </p:spTree>
     <p:extLst>
       <p:ext uri="{BB962C8B-B14F-4D97-AF65-F5344CB8AC3E}">
-        <p14:creationId xmlns:p14="http://schemas.microsoft.com/office/powerpoint/2010/main" val="1212999818"/>
+        <p14:creationId xmlns:p14="http://schemas.microsoft.com/office/powerpoint/2010/main" val="1807344396"/>
       </p:ext>
     </p:extLst>
   </p:cSld>
@@ -2081,15 +4697,15 @@
         </p:nvSpPr>
         <p:spPr>
           <a:xfrm>
-            <a:off x="457200" y="273050"/>
-            <a:ext cx="3008313" cy="1162050"/>
+            <a:off x="866441" y="1447800"/>
+            <a:ext cx="2551462" cy="1447800"/>
           </a:xfrm>
         </p:spPr>
         <p:txBody>
           <a:bodyPr anchor="b"/>
           <a:lstStyle>
             <a:lvl1pPr algn="l">
-              <a:defRPr sz="2000" b="1"/>
+              <a:defRPr sz="2400" b="0"/>
             </a:lvl1pPr>
           </a:lstStyle>
           <a:p>
@@ -2097,6 +4713,7 @@
               <a:rPr lang="en-US"/>
               <a:t>Click to edit Master title style</a:t>
             </a:r>
+            <a:endParaRPr lang="en-US" dirty="0"/>
           </a:p>
         </p:txBody>
       </p:sp>
@@ -2112,39 +4729,41 @@
         </p:nvSpPr>
         <p:spPr>
           <a:xfrm>
-            <a:off x="3575050" y="273050"/>
-            <a:ext cx="5111750" cy="5853113"/>
-          </a:xfrm>
-        </p:spPr>
-        <p:txBody>
-          <a:bodyPr/>
+            <a:off x="3589397" y="1447800"/>
+            <a:ext cx="3898013" cy="4572000"/>
+          </a:xfrm>
+        </p:spPr>
+        <p:txBody>
+          <a:bodyPr anchor="ctr">
+            <a:normAutofit/>
+          </a:bodyPr>
           <a:lstStyle>
             <a:lvl1pPr>
-              <a:defRPr sz="3200"/>
+              <a:defRPr sz="2000"/>
             </a:lvl1pPr>
             <a:lvl2pPr>
-              <a:defRPr sz="2800"/>
+              <a:defRPr sz="1800"/>
             </a:lvl2pPr>
             <a:lvl3pPr>
-              <a:defRPr sz="2400"/>
+              <a:defRPr sz="1600"/>
             </a:lvl3pPr>
             <a:lvl4pPr>
-              <a:defRPr sz="2000"/>
+              <a:defRPr sz="1400"/>
             </a:lvl4pPr>
             <a:lvl5pPr>
-              <a:defRPr sz="2000"/>
+              <a:defRPr sz="1400"/>
             </a:lvl5pPr>
             <a:lvl6pPr>
-              <a:defRPr sz="2000"/>
+              <a:defRPr sz="1400"/>
             </a:lvl6pPr>
             <a:lvl7pPr>
-              <a:defRPr sz="2000"/>
+              <a:defRPr sz="1400"/>
             </a:lvl7pPr>
             <a:lvl8pPr>
-              <a:defRPr sz="2000"/>
+              <a:defRPr sz="1400"/>
             </a:lvl8pPr>
             <a:lvl9pPr>
-              <a:defRPr sz="2000"/>
+              <a:defRPr sz="1400"/>
             </a:lvl9pPr>
           </a:lstStyle>
           <a:p>
@@ -2181,6 +4800,7 @@
               <a:rPr lang="en-US"/>
               <a:t>Fifth level</a:t>
             </a:r>
+            <a:endParaRPr lang="en-US" dirty="0"/>
           </a:p>
         </p:txBody>
       </p:sp>
@@ -2196,8 +4816,8 @@
         </p:nvSpPr>
         <p:spPr>
           <a:xfrm>
-            <a:off x="457200" y="1435100"/>
-            <a:ext cx="3008313" cy="4691063"/>
+            <a:off x="866441" y="3129281"/>
+            <a:ext cx="2551462" cy="2895599"/>
           </a:xfrm>
         </p:spPr>
         <p:txBody>
@@ -2251,7 +4871,7 @@
       </p:sp>
       <p:sp>
         <p:nvSpPr>
-          <p:cNvPr id="5" name="Date Placeholder 4"/>
+          <p:cNvPr id="7" name="Date Placeholder 4"/>
           <p:cNvSpPr>
             <a:spLocks noGrp="1"/>
           </p:cNvSpPr>
@@ -2266,7 +4886,7 @@
           <a:p>
             <a:fld id="{5BCAD085-E8A6-8845-BD4E-CB4CCA059FC4}" type="datetimeFigureOut">
               <a:rPr lang="en-US" smtClean="0"/>
-              <a:t>12/3/2025</a:t>
+              <a:t>12/10/2025</a:t>
             </a:fld>
             <a:endParaRPr lang="en-US"/>
           </a:p>
@@ -2274,7 +4894,7 @@
       </p:sp>
       <p:sp>
         <p:nvSpPr>
-          <p:cNvPr id="6" name="Footer Placeholder 5"/>
+          <p:cNvPr id="5" name="Footer Placeholder 5"/>
           <p:cNvSpPr>
             <a:spLocks noGrp="1"/>
           </p:cNvSpPr>
@@ -2293,7 +4913,7 @@
       </p:sp>
       <p:sp>
         <p:nvSpPr>
-          <p:cNvPr id="7" name="Slide Number Placeholder 6"/>
+          <p:cNvPr id="6" name="Slide Number Placeholder 6"/>
           <p:cNvSpPr>
             <a:spLocks noGrp="1"/>
           </p:cNvSpPr>
@@ -2317,7 +4937,7 @@
     </p:spTree>
     <p:extLst>
       <p:ext uri="{BB962C8B-B14F-4D97-AF65-F5344CB8AC3E}">
-        <p14:creationId xmlns:p14="http://schemas.microsoft.com/office/powerpoint/2010/main" val="1840726560"/>
+        <p14:creationId xmlns:p14="http://schemas.microsoft.com/office/powerpoint/2010/main" val="572386541"/>
       </p:ext>
     </p:extLst>
   </p:cSld>
@@ -2356,15 +4976,17 @@
         </p:nvSpPr>
         <p:spPr>
           <a:xfrm>
-            <a:off x="1792288" y="4800600"/>
-            <a:ext cx="5486400" cy="566738"/>
-          </a:xfrm>
-        </p:spPr>
-        <p:txBody>
-          <a:bodyPr anchor="b"/>
+            <a:off x="865656" y="1854192"/>
+            <a:ext cx="3820674" cy="1574808"/>
+          </a:xfrm>
+        </p:spPr>
+        <p:txBody>
+          <a:bodyPr anchor="b">
+            <a:normAutofit/>
+          </a:bodyPr>
           <a:lstStyle>
             <a:lvl1pPr algn="l">
-              <a:defRPr sz="2000" b="1"/>
+              <a:defRPr sz="3600" b="0"/>
             </a:lvl1pPr>
           </a:lstStyle>
           <a:p>
@@ -2372,6 +4994,7 @@
               <a:rPr lang="en-US"/>
               <a:t>Click to edit Master title style</a:t>
             </a:r>
+            <a:endParaRPr lang="en-US" dirty="0"/>
           </a:p>
         </p:txBody>
       </p:sp>
@@ -2379,7 +5002,7 @@
         <p:nvSpPr>
           <p:cNvPr id="3" name="Picture Placeholder 2"/>
           <p:cNvSpPr>
-            <a:spLocks noGrp="1"/>
+            <a:spLocks noGrp="1" noChangeAspect="1"/>
           </p:cNvSpPr>
           <p:nvPr>
             <p:ph type="pic" idx="1"/>
@@ -2387,52 +5010,70 @@
         </p:nvSpPr>
         <p:spPr>
           <a:xfrm>
-            <a:off x="1792288" y="612775"/>
-            <a:ext cx="5486400" cy="4114800"/>
-          </a:xfrm>
-        </p:spPr>
-        <p:txBody>
-          <a:bodyPr/>
+            <a:off x="5213517" y="1143000"/>
+            <a:ext cx="2400925" cy="4572000"/>
+          </a:xfrm>
+          <a:prstGeom prst="roundRect">
+            <a:avLst>
+              <a:gd name="adj" fmla="val 1858"/>
+            </a:avLst>
+          </a:prstGeom>
+          <a:effectLst>
+            <a:outerShdw blurRad="50800" dist="50800" dir="5400000" algn="tl" rotWithShape="0">
+              <a:srgbClr val="000000">
+                <a:alpha val="43000"/>
+              </a:srgbClr>
+            </a:outerShdw>
+          </a:effectLst>
+        </p:spPr>
+        <p:txBody>
+          <a:bodyPr anchor="t">
+            <a:normAutofit/>
+          </a:bodyPr>
           <a:lstStyle>
-            <a:lvl1pPr marL="0" indent="0">
-              <a:buNone/>
-              <a:defRPr sz="3200"/>
+            <a:lvl1pPr marL="0" indent="0" algn="ctr">
+              <a:buNone/>
+              <a:defRPr sz="1600"/>
             </a:lvl1pPr>
             <a:lvl2pPr marL="457200" indent="0">
               <a:buNone/>
-              <a:defRPr sz="2800"/>
+              <a:defRPr sz="1600"/>
             </a:lvl2pPr>
             <a:lvl3pPr marL="914400" indent="0">
               <a:buNone/>
-              <a:defRPr sz="2400"/>
+              <a:defRPr sz="1600"/>
             </a:lvl3pPr>
             <a:lvl4pPr marL="1371600" indent="0">
               <a:buNone/>
-              <a:defRPr sz="2000"/>
+              <a:defRPr sz="1600"/>
             </a:lvl4pPr>
             <a:lvl5pPr marL="1828800" indent="0">
               <a:buNone/>
-              <a:defRPr sz="2000"/>
+              <a:defRPr sz="1600"/>
             </a:lvl5pPr>
             <a:lvl6pPr marL="2286000" indent="0">
               <a:buNone/>
-              <a:defRPr sz="2000"/>
+              <a:defRPr sz="1600"/>
             </a:lvl6pPr>
             <a:lvl7pPr marL="2743200" indent="0">
               <a:buNone/>
-              <a:defRPr sz="2000"/>
+              <a:defRPr sz="1600"/>
             </a:lvl7pPr>
             <a:lvl8pPr marL="3200400" indent="0">
               <a:buNone/>
-              <a:defRPr sz="2000"/>
+              <a:defRPr sz="1600"/>
             </a:lvl8pPr>
             <a:lvl9pPr marL="3657600" indent="0">
               <a:buNone/>
-              <a:defRPr sz="2000"/>
+              <a:defRPr sz="1600"/>
             </a:lvl9pPr>
           </a:lstStyle>
           <a:p>
-            <a:endParaRPr lang="en-US"/>
+            <a:r>
+              <a:rPr lang="en-US"/>
+              <a:t>Click icon to add picture</a:t>
+            </a:r>
+            <a:endParaRPr lang="en-US" dirty="0"/>
           </a:p>
         </p:txBody>
       </p:sp>
@@ -2448,12 +5089,14 @@
         </p:nvSpPr>
         <p:spPr>
           <a:xfrm>
-            <a:off x="1792288" y="5367338"/>
-            <a:ext cx="5486400" cy="804862"/>
-          </a:xfrm>
-        </p:spPr>
-        <p:txBody>
-          <a:bodyPr/>
+            <a:off x="866441" y="3657600"/>
+            <a:ext cx="3814728" cy="1371600"/>
+          </a:xfrm>
+        </p:spPr>
+        <p:txBody>
+          <a:bodyPr>
+            <a:normAutofit/>
+          </a:bodyPr>
           <a:lstStyle>
             <a:lvl1pPr marL="0" indent="0">
               <a:buNone/>
@@ -2518,7 +5161,7 @@
           <a:p>
             <a:fld id="{5BCAD085-E8A6-8845-BD4E-CB4CCA059FC4}" type="datetimeFigureOut">
               <a:rPr lang="en-US" smtClean="0"/>
-              <a:t>12/3/2025</a:t>
+              <a:t>12/10/2025</a:t>
             </a:fld>
             <a:endParaRPr lang="en-US"/>
           </a:p>
@@ -2569,7 +5212,7 @@
     </p:spTree>
     <p:extLst>
       <p:ext uri="{BB962C8B-B14F-4D97-AF65-F5344CB8AC3E}">
-        <p14:creationId xmlns:p14="http://schemas.microsoft.com/office/powerpoint/2010/main" val="3889236939"/>
+        <p14:creationId xmlns:p14="http://schemas.microsoft.com/office/powerpoint/2010/main" val="268428502"/>
       </p:ext>
     </p:extLst>
   </p:cSld>
@@ -2583,8 +5226,8 @@
 <p:sldMaster xmlns:a="http://schemas.openxmlformats.org/drawingml/2006/main" xmlns:r="http://schemas.openxmlformats.org/officeDocument/2006/relationships" xmlns:p="http://schemas.openxmlformats.org/presentationml/2006/main">
   <p:cSld>
     <p:bg>
-      <p:bgRef idx="1001">
-        <a:schemeClr val="bg1"/>
+      <p:bgRef idx="1003">
+        <a:schemeClr val="bg2"/>
       </p:bgRef>
     </p:bg>
     <p:spTree>
@@ -2603,56 +5246,408 @@
       </p:grpSpPr>
       <p:sp>
         <p:nvSpPr>
-          <p:cNvPr id="2" name="Title Placeholder 1"/>
-          <p:cNvSpPr>
-            <a:spLocks noGrp="1"/>
-          </p:cNvSpPr>
-          <p:nvPr>
-            <p:ph type="title"/>
-          </p:nvPr>
+          <p:cNvPr id="22" name="Oval 21"/>
+          <p:cNvSpPr/>
+          <p:nvPr/>
         </p:nvSpPr>
         <p:spPr>
           <a:xfrm>
-            <a:off x="457200" y="274638"/>
-            <a:ext cx="8229600" cy="1143000"/>
+            <a:off x="6299432" y="1676400"/>
+            <a:ext cx="2819400" cy="2819400"/>
+          </a:xfrm>
+          <a:prstGeom prst="ellipse">
+            <a:avLst/>
+          </a:prstGeom>
+          <a:gradFill flip="none" rotWithShape="1">
+            <a:gsLst>
+              <a:gs pos="0">
+                <a:schemeClr val="bg2">
+                  <a:lumMod val="60000"/>
+                  <a:lumOff val="40000"/>
+                  <a:alpha val="7000"/>
+                </a:schemeClr>
+              </a:gs>
+              <a:gs pos="69000">
+                <a:schemeClr val="bg2">
+                  <a:lumMod val="60000"/>
+                  <a:lumOff val="40000"/>
+                  <a:alpha val="0"/>
+                </a:schemeClr>
+              </a:gs>
+              <a:gs pos="36000">
+                <a:schemeClr val="bg2">
+                  <a:lumMod val="60000"/>
+                  <a:lumOff val="40000"/>
+                  <a:alpha val="6000"/>
+                </a:schemeClr>
+              </a:gs>
+            </a:gsLst>
+            <a:path path="circle">
+              <a:fillToRect l="50000" t="50000" r="50000" b="50000"/>
+            </a:path>
+            <a:tileRect/>
+          </a:gradFill>
+          <a:ln>
+            <a:noFill/>
+          </a:ln>
+          <a:effectLst/>
+        </p:spPr>
+        <p:style>
+          <a:lnRef idx="1">
+            <a:schemeClr val="accent1"/>
+          </a:lnRef>
+          <a:fillRef idx="3">
+            <a:schemeClr val="accent1"/>
+          </a:fillRef>
+          <a:effectRef idx="2">
+            <a:schemeClr val="accent1"/>
+          </a:effectRef>
+          <a:fontRef idx="minor">
+            <a:schemeClr val="lt1"/>
+          </a:fontRef>
+        </p:style>
+      </p:sp>
+      <p:sp>
+        <p:nvSpPr>
+          <p:cNvPr id="23" name="Oval 22"/>
+          <p:cNvSpPr/>
+          <p:nvPr/>
+        </p:nvSpPr>
+        <p:spPr>
+          <a:xfrm>
+            <a:off x="5689832" y="-457200"/>
+            <a:ext cx="1600200" cy="1600200"/>
+          </a:xfrm>
+          <a:prstGeom prst="ellipse">
+            <a:avLst/>
+          </a:prstGeom>
+          <a:gradFill flip="none" rotWithShape="1">
+            <a:gsLst>
+              <a:gs pos="0">
+                <a:schemeClr val="bg2">
+                  <a:lumMod val="60000"/>
+                  <a:lumOff val="40000"/>
+                  <a:alpha val="14000"/>
+                </a:schemeClr>
+              </a:gs>
+              <a:gs pos="73000">
+                <a:schemeClr val="bg2">
+                  <a:lumMod val="60000"/>
+                  <a:lumOff val="40000"/>
+                  <a:alpha val="0"/>
+                </a:schemeClr>
+              </a:gs>
+              <a:gs pos="36000">
+                <a:schemeClr val="bg2">
+                  <a:lumMod val="60000"/>
+                  <a:lumOff val="40000"/>
+                  <a:alpha val="7000"/>
+                </a:schemeClr>
+              </a:gs>
+            </a:gsLst>
+            <a:path path="circle">
+              <a:fillToRect l="50000" t="50000" r="50000" b="50000"/>
+            </a:path>
+            <a:tileRect/>
+          </a:gradFill>
+          <a:ln>
+            <a:noFill/>
+          </a:ln>
+          <a:effectLst/>
+        </p:spPr>
+        <p:style>
+          <a:lnRef idx="1">
+            <a:schemeClr val="accent1"/>
+          </a:lnRef>
+          <a:fillRef idx="3">
+            <a:schemeClr val="accent1"/>
+          </a:fillRef>
+          <a:effectRef idx="2">
+            <a:schemeClr val="accent1"/>
+          </a:effectRef>
+          <a:fontRef idx="minor">
+            <a:schemeClr val="lt1"/>
+          </a:fontRef>
+        </p:style>
+      </p:sp>
+      <p:sp>
+        <p:nvSpPr>
+          <p:cNvPr id="24" name="Oval 23"/>
+          <p:cNvSpPr/>
+          <p:nvPr/>
+        </p:nvSpPr>
+        <p:spPr>
+          <a:xfrm>
+            <a:off x="6299432" y="6096000"/>
+            <a:ext cx="990600" cy="990600"/>
+          </a:xfrm>
+          <a:prstGeom prst="ellipse">
+            <a:avLst/>
+          </a:prstGeom>
+          <a:gradFill flip="none" rotWithShape="1">
+            <a:gsLst>
+              <a:gs pos="0">
+                <a:schemeClr val="bg2">
+                  <a:lumMod val="60000"/>
+                  <a:lumOff val="40000"/>
+                  <a:alpha val="9000"/>
+                </a:schemeClr>
+              </a:gs>
+              <a:gs pos="66000">
+                <a:schemeClr val="bg2">
+                  <a:lumMod val="60000"/>
+                  <a:lumOff val="40000"/>
+                  <a:alpha val="0"/>
+                </a:schemeClr>
+              </a:gs>
+              <a:gs pos="36000">
+                <a:schemeClr val="bg2">
+                  <a:lumMod val="60000"/>
+                  <a:lumOff val="40000"/>
+                  <a:alpha val="5000"/>
+                </a:schemeClr>
+              </a:gs>
+            </a:gsLst>
+            <a:path path="circle">
+              <a:fillToRect l="50000" t="50000" r="50000" b="50000"/>
+            </a:path>
+            <a:tileRect/>
+          </a:gradFill>
+          <a:ln>
+            <a:noFill/>
+          </a:ln>
+          <a:effectLst/>
+        </p:spPr>
+        <p:style>
+          <a:lnRef idx="1">
+            <a:schemeClr val="accent1"/>
+          </a:lnRef>
+          <a:fillRef idx="3">
+            <a:schemeClr val="accent1"/>
+          </a:fillRef>
+          <a:effectRef idx="2">
+            <a:schemeClr val="accent1"/>
+          </a:effectRef>
+          <a:fontRef idx="minor">
+            <a:schemeClr val="lt1"/>
+          </a:fontRef>
+        </p:style>
+      </p:sp>
+      <p:sp>
+        <p:nvSpPr>
+          <p:cNvPr id="20" name="Oval 19"/>
+          <p:cNvSpPr/>
+          <p:nvPr/>
+        </p:nvSpPr>
+        <p:spPr>
+          <a:xfrm>
+            <a:off x="-153988" y="2667000"/>
+            <a:ext cx="4191000" cy="4191000"/>
+          </a:xfrm>
+          <a:prstGeom prst="ellipse">
+            <a:avLst/>
+          </a:prstGeom>
+          <a:gradFill flip="none" rotWithShape="1">
+            <a:gsLst>
+              <a:gs pos="0">
+                <a:schemeClr val="bg2">
+                  <a:lumMod val="60000"/>
+                  <a:lumOff val="40000"/>
+                  <a:alpha val="11000"/>
+                </a:schemeClr>
+              </a:gs>
+              <a:gs pos="75000">
+                <a:schemeClr val="bg2">
+                  <a:lumMod val="60000"/>
+                  <a:lumOff val="40000"/>
+                  <a:alpha val="0"/>
+                </a:schemeClr>
+              </a:gs>
+              <a:gs pos="36000">
+                <a:schemeClr val="bg2">
+                  <a:lumMod val="60000"/>
+                  <a:lumOff val="40000"/>
+                  <a:alpha val="10000"/>
+                </a:schemeClr>
+              </a:gs>
+            </a:gsLst>
+            <a:path path="circle">
+              <a:fillToRect l="50000" t="50000" r="50000" b="50000"/>
+            </a:path>
+            <a:tileRect/>
+          </a:gradFill>
+          <a:ln>
+            <a:noFill/>
+          </a:ln>
+          <a:effectLst/>
+        </p:spPr>
+        <p:style>
+          <a:lnRef idx="1">
+            <a:schemeClr val="accent1"/>
+          </a:lnRef>
+          <a:fillRef idx="3">
+            <a:schemeClr val="accent1"/>
+          </a:fillRef>
+          <a:effectRef idx="2">
+            <a:schemeClr val="accent1"/>
+          </a:effectRef>
+          <a:fontRef idx="minor">
+            <a:schemeClr val="lt1"/>
+          </a:fontRef>
+        </p:style>
+      </p:sp>
+      <p:sp>
+        <p:nvSpPr>
+          <p:cNvPr id="21" name="Oval 20"/>
+          <p:cNvSpPr/>
+          <p:nvPr/>
+        </p:nvSpPr>
+        <p:spPr>
+          <a:xfrm>
+            <a:off x="-839788" y="2895600"/>
+            <a:ext cx="2362200" cy="2362200"/>
+          </a:xfrm>
+          <a:prstGeom prst="ellipse">
+            <a:avLst/>
+          </a:prstGeom>
+          <a:gradFill flip="none" rotWithShape="1">
+            <a:gsLst>
+              <a:gs pos="0">
+                <a:schemeClr val="bg2">
+                  <a:lumMod val="60000"/>
+                  <a:lumOff val="40000"/>
+                  <a:alpha val="8000"/>
+                </a:schemeClr>
+              </a:gs>
+              <a:gs pos="72000">
+                <a:schemeClr val="bg2">
+                  <a:lumMod val="60000"/>
+                  <a:lumOff val="40000"/>
+                  <a:alpha val="0"/>
+                </a:schemeClr>
+              </a:gs>
+              <a:gs pos="36000">
+                <a:schemeClr val="bg2">
+                  <a:lumMod val="60000"/>
+                  <a:lumOff val="40000"/>
+                  <a:alpha val="8000"/>
+                </a:schemeClr>
+              </a:gs>
+            </a:gsLst>
+            <a:path path="circle">
+              <a:fillToRect l="50000" t="50000" r="50000" b="50000"/>
+            </a:path>
+            <a:tileRect/>
+          </a:gradFill>
+          <a:ln>
+            <a:noFill/>
+          </a:ln>
+          <a:effectLst/>
+        </p:spPr>
+        <p:style>
+          <a:lnRef idx="1">
+            <a:schemeClr val="accent1"/>
+          </a:lnRef>
+          <a:fillRef idx="3">
+            <a:schemeClr val="accent1"/>
+          </a:fillRef>
+          <a:effectRef idx="2">
+            <a:schemeClr val="accent1"/>
+          </a:effectRef>
+          <a:fontRef idx="minor">
+            <a:schemeClr val="lt1"/>
+          </a:fontRef>
+        </p:style>
+      </p:sp>
+      <p:sp>
+        <p:nvSpPr>
+          <p:cNvPr id="19" name="Rectangle 18"/>
+          <p:cNvSpPr/>
+          <p:nvPr/>
+        </p:nvSpPr>
+        <p:spPr>
+          <a:xfrm>
+            <a:off x="7745644" y="0"/>
+            <a:ext cx="685800" cy="1099458"/>
           </a:xfrm>
           <a:prstGeom prst="rect">
             <a:avLst/>
           </a:prstGeom>
-        </p:spPr>
-        <p:txBody>
-          <a:bodyPr vert="horz" lIns="91440" tIns="45720" rIns="91440" bIns="45720" rtlCol="0" anchor="ctr">
-            <a:normAutofit/>
-          </a:bodyPr>
-          <a:lstStyle/>
-          <a:p>
-            <a:r>
-              <a:rPr lang="en-US"/>
-              <a:t>Click to edit Master title style</a:t>
-            </a:r>
-          </a:p>
-        </p:txBody>
-      </p:sp>
-      <p:sp>
-        <p:nvSpPr>
-          <p:cNvPr id="3" name="Text Placeholder 2"/>
-          <p:cNvSpPr>
-            <a:spLocks noGrp="1"/>
-          </p:cNvSpPr>
-          <p:nvPr>
-            <p:ph type="body" idx="1"/>
+          <a:solidFill>
+            <a:schemeClr val="accent1"/>
+          </a:solidFill>
+          <a:ln>
+            <a:noFill/>
+          </a:ln>
+        </p:spPr>
+        <p:style>
+          <a:lnRef idx="1">
+            <a:schemeClr val="accent1"/>
+          </a:lnRef>
+          <a:fillRef idx="3">
+            <a:schemeClr val="accent1"/>
+          </a:fillRef>
+          <a:effectRef idx="2">
+            <a:schemeClr val="accent1"/>
+          </a:effectRef>
+          <a:fontRef idx="minor">
+            <a:schemeClr val="lt1"/>
+          </a:fontRef>
+        </p:style>
+      </p:sp>
+      <p:sp>
+        <p:nvSpPr>
+          <p:cNvPr id="2" name="Title Placeholder 1"/>
+          <p:cNvSpPr>
+            <a:spLocks noGrp="1"/>
+          </p:cNvSpPr>
+          <p:nvPr>
+            <p:ph type="title"/>
           </p:nvPr>
         </p:nvSpPr>
         <p:spPr>
           <a:xfrm>
-            <a:off x="457200" y="1600200"/>
-            <a:ext cx="8229600" cy="4525963"/>
+            <a:off x="484710" y="452718"/>
+            <a:ext cx="7055380" cy="1400530"/>
           </a:xfrm>
           <a:prstGeom prst="rect">
             <a:avLst/>
           </a:prstGeom>
         </p:spPr>
         <p:txBody>
+          <a:bodyPr vert="horz" lIns="91440" tIns="45720" rIns="91440" bIns="45720" rtlCol="0" anchor="t">
+            <a:noAutofit/>
+          </a:bodyPr>
+          <a:lstStyle/>
+          <a:p>
+            <a:r>
+              <a:rPr lang="en-US"/>
+              <a:t>Click to edit Master title style</a:t>
+            </a:r>
+            <a:endParaRPr lang="en-US" dirty="0"/>
+          </a:p>
+        </p:txBody>
+      </p:sp>
+      <p:sp>
+        <p:nvSpPr>
+          <p:cNvPr id="3" name="Text Placeholder 2"/>
+          <p:cNvSpPr>
+            <a:spLocks noGrp="1"/>
+          </p:cNvSpPr>
+          <p:nvPr>
+            <p:ph type="body" idx="1"/>
+          </p:nvPr>
+        </p:nvSpPr>
+        <p:spPr>
+          <a:xfrm>
+            <a:off x="827700" y="2052925"/>
+            <a:ext cx="6711654" cy="4195481"/>
+          </a:xfrm>
+          <a:prstGeom prst="rect">
+            <a:avLst/>
+          </a:prstGeom>
+        </p:spPr>
+        <p:txBody>
           <a:bodyPr vert="horz" lIns="91440" tIns="45720" rIns="91440" bIns="45720" rtlCol="0">
             <a:normAutofit/>
           </a:bodyPr>
@@ -2691,6 +5686,7 @@
               <a:rPr lang="en-US"/>
               <a:t>Fifth level</a:t>
             </a:r>
+            <a:endParaRPr lang="en-US" dirty="0"/>
           </a:p>
         </p:txBody>
       </p:sp>
@@ -2705,19 +5701,99 @@
           </p:nvPr>
         </p:nvSpPr>
         <p:spPr>
-          <a:xfrm>
-            <a:off x="457200" y="6356350"/>
-            <a:ext cx="2133600" cy="365125"/>
+          <a:xfrm rot="5400000">
+            <a:off x="7494989" y="1828771"/>
+            <a:ext cx="990599" cy="228659"/>
           </a:xfrm>
           <a:prstGeom prst="rect">
             <a:avLst/>
           </a:prstGeom>
         </p:spPr>
         <p:txBody>
-          <a:bodyPr vert="horz" lIns="91440" tIns="45720" rIns="91440" bIns="45720" rtlCol="0" anchor="ctr"/>
+          <a:bodyPr vert="horz" lIns="91440" tIns="45720" rIns="91440" bIns="45720" rtlCol="0" anchor="t"/>
           <a:lstStyle>
             <a:lvl1pPr algn="l">
-              <a:defRPr sz="1200">
+              <a:defRPr sz="1100" b="0" i="0">
+                <a:solidFill>
+                  <a:schemeClr val="tx1">
+                    <a:tint val="75000"/>
+                    <a:alpha val="60000"/>
+                  </a:schemeClr>
+                </a:solidFill>
+              </a:defRPr>
+            </a:lvl1pPr>
+          </a:lstStyle>
+          <a:p>
+            <a:fld id="{5BCAD085-E8A6-8845-BD4E-CB4CCA059FC4}" type="datetimeFigureOut">
+              <a:rPr lang="en-US" smtClean="0"/>
+              <a:t>12/10/2025</a:t>
+            </a:fld>
+            <a:endParaRPr lang="en-US"/>
+          </a:p>
+        </p:txBody>
+      </p:sp>
+      <p:sp>
+        <p:nvSpPr>
+          <p:cNvPr id="5" name="Footer Placeholder 4"/>
+          <p:cNvSpPr>
+            <a:spLocks noGrp="1"/>
+          </p:cNvSpPr>
+          <p:nvPr>
+            <p:ph type="ftr" sz="quarter" idx="3"/>
+          </p:nvPr>
+        </p:nvSpPr>
+        <p:spPr>
+          <a:xfrm rot="5400000">
+            <a:off x="6233335" y="3263371"/>
+            <a:ext cx="3859795" cy="228660"/>
+          </a:xfrm>
+          <a:prstGeom prst="rect">
+            <a:avLst/>
+          </a:prstGeom>
+        </p:spPr>
+        <p:txBody>
+          <a:bodyPr vert="horz" lIns="91440" tIns="45720" rIns="91440" bIns="45720" rtlCol="0" anchor="b"/>
+          <a:lstStyle>
+            <a:lvl1pPr algn="l">
+              <a:defRPr sz="1100" b="0" i="0">
+                <a:solidFill>
+                  <a:schemeClr val="tx1">
+                    <a:tint val="75000"/>
+                    <a:alpha val="60000"/>
+                  </a:schemeClr>
+                </a:solidFill>
+              </a:defRPr>
+            </a:lvl1pPr>
+          </a:lstStyle>
+          <a:p>
+            <a:endParaRPr lang="en-US"/>
+          </a:p>
+        </p:txBody>
+      </p:sp>
+      <p:sp>
+        <p:nvSpPr>
+          <p:cNvPr id="6" name="Slide Number Placeholder 5"/>
+          <p:cNvSpPr>
+            <a:spLocks noGrp="1"/>
+          </p:cNvSpPr>
+          <p:nvPr>
+            <p:ph type="sldNum" sz="quarter" idx="4"/>
+          </p:nvPr>
+        </p:nvSpPr>
+        <p:spPr bwMode="gray">
+          <a:xfrm>
+            <a:off x="7766431" y="295736"/>
+            <a:ext cx="628813" cy="767687"/>
+          </a:xfrm>
+          <a:prstGeom prst="rect">
+            <a:avLst/>
+          </a:prstGeom>
+        </p:spPr>
+        <p:txBody>
+          <a:bodyPr vert="horz" lIns="91440" tIns="45720" rIns="91440" bIns="45720" rtlCol="0" anchor="b"/>
+          <a:lstStyle>
+            <a:lvl1pPr algn="ctr">
+              <a:defRPr sz="2801" b="0" i="0">
                 <a:solidFill>
                   <a:schemeClr val="tx1">
                     <a:tint val="75000"/>
@@ -2727,84 +5803,6 @@
             </a:lvl1pPr>
           </a:lstStyle>
           <a:p>
-            <a:fld id="{5BCAD085-E8A6-8845-BD4E-CB4CCA059FC4}" type="datetimeFigureOut">
-              <a:rPr lang="en-US" smtClean="0"/>
-              <a:t>12/3/2025</a:t>
-            </a:fld>
-            <a:endParaRPr lang="en-US"/>
-          </a:p>
-        </p:txBody>
-      </p:sp>
-      <p:sp>
-        <p:nvSpPr>
-          <p:cNvPr id="5" name="Footer Placeholder 4"/>
-          <p:cNvSpPr>
-            <a:spLocks noGrp="1"/>
-          </p:cNvSpPr>
-          <p:nvPr>
-            <p:ph type="ftr" sz="quarter" idx="3"/>
-          </p:nvPr>
-        </p:nvSpPr>
-        <p:spPr>
-          <a:xfrm>
-            <a:off x="3124200" y="6356350"/>
-            <a:ext cx="2895600" cy="365125"/>
-          </a:xfrm>
-          <a:prstGeom prst="rect">
-            <a:avLst/>
-          </a:prstGeom>
-        </p:spPr>
-        <p:txBody>
-          <a:bodyPr vert="horz" lIns="91440" tIns="45720" rIns="91440" bIns="45720" rtlCol="0" anchor="ctr"/>
-          <a:lstStyle>
-            <a:lvl1pPr algn="ctr">
-              <a:defRPr sz="1200">
-                <a:solidFill>
-                  <a:schemeClr val="tx1">
-                    <a:tint val="75000"/>
-                  </a:schemeClr>
-                </a:solidFill>
-              </a:defRPr>
-            </a:lvl1pPr>
-          </a:lstStyle>
-          <a:p>
-            <a:endParaRPr lang="en-US"/>
-          </a:p>
-        </p:txBody>
-      </p:sp>
-      <p:sp>
-        <p:nvSpPr>
-          <p:cNvPr id="6" name="Slide Number Placeholder 5"/>
-          <p:cNvSpPr>
-            <a:spLocks noGrp="1"/>
-          </p:cNvSpPr>
-          <p:nvPr>
-            <p:ph type="sldNum" sz="quarter" idx="4"/>
-          </p:nvPr>
-        </p:nvSpPr>
-        <p:spPr>
-          <a:xfrm>
-            <a:off x="6553200" y="6356350"/>
-            <a:ext cx="2133600" cy="365125"/>
-          </a:xfrm>
-          <a:prstGeom prst="rect">
-            <a:avLst/>
-          </a:prstGeom>
-        </p:spPr>
-        <p:txBody>
-          <a:bodyPr vert="horz" lIns="91440" tIns="45720" rIns="91440" bIns="45720" rtlCol="0" anchor="ctr"/>
-          <a:lstStyle>
-            <a:lvl1pPr algn="r">
-              <a:defRPr sz="1200">
-                <a:solidFill>
-                  <a:schemeClr val="tx1">
-                    <a:tint val="75000"/>
-                  </a:schemeClr>
-                </a:solidFill>
-              </a:defRPr>
-            </a:lvl1pPr>
-          </a:lstStyle>
-          <a:p>
             <a:fld id="{C1FF6DA9-008F-8B48-92A6-B652298478BF}" type="slidenum">
               <a:rPr lang="en-US" smtClean="0"/>
               <a:t>‹#›</a:t>
@@ -2816,32 +5814,121 @@
     </p:spTree>
     <p:extLst>
       <p:ext uri="{BB962C8B-B14F-4D97-AF65-F5344CB8AC3E}">
-        <p14:creationId xmlns:p14="http://schemas.microsoft.com/office/powerpoint/2010/main" val="2209977519"/>
+        <p14:creationId xmlns:p14="http://schemas.microsoft.com/office/powerpoint/2010/main" val="1441206947"/>
       </p:ext>
     </p:extLst>
   </p:cSld>
-  <p:clrMap bg1="lt1" tx1="dk1" bg2="lt2" tx2="dk2" accent1="accent1" accent2="accent2" accent3="accent3" accent4="accent4" accent5="accent5" accent6="accent6" hlink="hlink" folHlink="folHlink"/>
+  <p:clrMap bg1="dk1" tx1="lt1" bg2="dk2" tx2="lt2" accent1="accent1" accent2="accent2" accent3="accent3" accent4="accent4" accent5="accent5" accent6="accent6" hlink="hlink" folHlink="folHlink"/>
   <p:sldLayoutIdLst>
-    <p:sldLayoutId id="2147483649" r:id="rId1"/>
-    <p:sldLayoutId id="2147483650" r:id="rId2"/>
-    <p:sldLayoutId id="2147483651" r:id="rId3"/>
-    <p:sldLayoutId id="2147483652" r:id="rId4"/>
-    <p:sldLayoutId id="2147483653" r:id="rId5"/>
-    <p:sldLayoutId id="2147483654" r:id="rId6"/>
-    <p:sldLayoutId id="2147483655" r:id="rId7"/>
-    <p:sldLayoutId id="2147483656" r:id="rId8"/>
-    <p:sldLayoutId id="2147483657" r:id="rId9"/>
-    <p:sldLayoutId id="2147483658" r:id="rId10"/>
-    <p:sldLayoutId id="2147483659" r:id="rId11"/>
+    <p:sldLayoutId id="2147483661" r:id="rId1"/>
+    <p:sldLayoutId id="2147483662" r:id="rId2"/>
+    <p:sldLayoutId id="2147483663" r:id="rId3"/>
+    <p:sldLayoutId id="2147483664" r:id="rId4"/>
+    <p:sldLayoutId id="2147483665" r:id="rId5"/>
+    <p:sldLayoutId id="2147483666" r:id="rId6"/>
+    <p:sldLayoutId id="2147483667" r:id="rId7"/>
+    <p:sldLayoutId id="2147483668" r:id="rId8"/>
+    <p:sldLayoutId id="2147483669" r:id="rId9"/>
+    <p:sldLayoutId id="2147483670" r:id="rId10"/>
+    <p:sldLayoutId id="2147483671" r:id="rId11"/>
+    <p:sldLayoutId id="2147483672" r:id="rId12"/>
+    <p:sldLayoutId id="2147483673" r:id="rId13"/>
+    <p:sldLayoutId id="2147483674" r:id="rId14"/>
+    <p:sldLayoutId id="2147483675" r:id="rId15"/>
+    <p:sldLayoutId id="2147483676" r:id="rId16"/>
+    <p:sldLayoutId id="2147483677" r:id="rId17"/>
   </p:sldLayoutIdLst>
   <p:txStyles>
     <p:titleStyle>
-      <a:lvl1pPr algn="ctr" defTabSz="457200" rtl="0" eaLnBrk="1" latinLnBrk="0" hangingPunct="1">
+      <a:lvl1pPr algn="l" defTabSz="457207" rtl="0" eaLnBrk="1" latinLnBrk="0" hangingPunct="1">
         <a:spcBef>
           <a:spcPct val="0"/>
         </a:spcBef>
         <a:buNone/>
-        <a:defRPr sz="4400" kern="1200">
+        <a:defRPr sz="4200" b="0" i="0" kern="1200">
+          <a:solidFill>
+            <a:schemeClr val="tx2"/>
+          </a:solidFill>
+          <a:latin typeface="+mj-lt"/>
+          <a:ea typeface="+mj-ea"/>
+          <a:cs typeface="+mj-cs"/>
+        </a:defRPr>
+      </a:lvl1pPr>
+      <a:lvl2pPr eaLnBrk="1" hangingPunct="1">
+        <a:defRPr>
+          <a:solidFill>
+            <a:schemeClr val="tx2"/>
+          </a:solidFill>
+        </a:defRPr>
+      </a:lvl2pPr>
+      <a:lvl3pPr eaLnBrk="1" hangingPunct="1">
+        <a:defRPr>
+          <a:solidFill>
+            <a:schemeClr val="tx2"/>
+          </a:solidFill>
+        </a:defRPr>
+      </a:lvl3pPr>
+      <a:lvl4pPr eaLnBrk="1" hangingPunct="1">
+        <a:defRPr>
+          <a:solidFill>
+            <a:schemeClr val="tx2"/>
+          </a:solidFill>
+        </a:defRPr>
+      </a:lvl4pPr>
+      <a:lvl5pPr eaLnBrk="1" hangingPunct="1">
+        <a:defRPr>
+          <a:solidFill>
+            <a:schemeClr val="tx2"/>
+          </a:solidFill>
+        </a:defRPr>
+      </a:lvl5pPr>
+      <a:lvl6pPr eaLnBrk="1" hangingPunct="1">
+        <a:defRPr>
+          <a:solidFill>
+            <a:schemeClr val="tx2"/>
+          </a:solidFill>
+        </a:defRPr>
+      </a:lvl6pPr>
+      <a:lvl7pPr eaLnBrk="1" hangingPunct="1">
+        <a:defRPr>
+          <a:solidFill>
+            <a:schemeClr val="tx2"/>
+          </a:solidFill>
+        </a:defRPr>
+      </a:lvl7pPr>
+      <a:lvl8pPr eaLnBrk="1" hangingPunct="1">
+        <a:defRPr>
+          <a:solidFill>
+            <a:schemeClr val="tx2"/>
+          </a:solidFill>
+        </a:defRPr>
+      </a:lvl8pPr>
+      <a:lvl9pPr eaLnBrk="1" hangingPunct="1">
+        <a:defRPr>
+          <a:solidFill>
+            <a:schemeClr val="tx2"/>
+          </a:solidFill>
+        </a:defRPr>
+      </a:lvl9pPr>
+    </p:titleStyle>
+    <p:bodyStyle>
+      <a:lvl1pPr marL="342906" indent="-342906" algn="l" defTabSz="457207" rtl="0" eaLnBrk="1" latinLnBrk="0" hangingPunct="1">
+        <a:spcBef>
+          <a:spcPts val="1000"/>
+        </a:spcBef>
+        <a:spcAft>
+          <a:spcPts val="0"/>
+        </a:spcAft>
+        <a:buClr>
+          <a:schemeClr val="bg2">
+            <a:lumMod val="40000"/>
+            <a:lumOff val="60000"/>
+          </a:schemeClr>
+        </a:buClr>
+        <a:buSzPct val="80000"/>
+        <a:buFont typeface="Wingdings 3" charset="2"/>
+        <a:buChar char=""/>
+        <a:defRPr sz="2000" b="0" i="0" kern="1200">
           <a:solidFill>
             <a:schemeClr val="tx1"/>
           </a:solidFill>
@@ -2850,141 +5937,204 @@
           <a:cs typeface="+mj-cs"/>
         </a:defRPr>
       </a:lvl1pPr>
-    </p:titleStyle>
-    <p:bodyStyle>
-      <a:lvl1pPr marL="342900" indent="-342900" algn="l" defTabSz="457200" rtl="0" eaLnBrk="1" latinLnBrk="0" hangingPunct="1">
+      <a:lvl2pPr marL="742962" indent="-285755" algn="l" defTabSz="457207" rtl="0" eaLnBrk="1" latinLnBrk="0" hangingPunct="1">
         <a:spcBef>
-          <a:spcPct val="20000"/>
+          <a:spcPts val="1000"/>
         </a:spcBef>
-        <a:buFont typeface="Arial"/>
-        <a:buChar char="•"/>
-        <a:defRPr sz="3200" kern="1200">
+        <a:spcAft>
+          <a:spcPts val="0"/>
+        </a:spcAft>
+        <a:buClr>
+          <a:schemeClr val="bg2">
+            <a:lumMod val="40000"/>
+            <a:lumOff val="60000"/>
+          </a:schemeClr>
+        </a:buClr>
+        <a:buSzPct val="80000"/>
+        <a:buFont typeface="Wingdings 3" charset="2"/>
+        <a:buChar char=""/>
+        <a:defRPr sz="1800" b="0" i="0" kern="1200">
           <a:solidFill>
             <a:schemeClr val="tx1"/>
           </a:solidFill>
-          <a:latin typeface="+mn-lt"/>
-          <a:ea typeface="+mn-ea"/>
-          <a:cs typeface="+mn-cs"/>
+          <a:latin typeface="+mj-lt"/>
+          <a:ea typeface="+mj-ea"/>
+          <a:cs typeface="+mj-cs"/>
         </a:defRPr>
-      </a:lvl1pPr>
-      <a:lvl2pPr marL="742950" indent="-285750" algn="l" defTabSz="457200" rtl="0" eaLnBrk="1" latinLnBrk="0" hangingPunct="1">
+      </a:lvl2pPr>
+      <a:lvl3pPr marL="1143020" indent="-228604" algn="l" defTabSz="457207" rtl="0" eaLnBrk="1" latinLnBrk="0" hangingPunct="1">
         <a:spcBef>
-          <a:spcPct val="20000"/>
+          <a:spcPts val="1000"/>
         </a:spcBef>
-        <a:buFont typeface="Arial"/>
-        <a:buChar char="–"/>
-        <a:defRPr sz="2800" kern="1200">
+        <a:spcAft>
+          <a:spcPts val="0"/>
+        </a:spcAft>
+        <a:buClr>
+          <a:schemeClr val="bg2">
+            <a:lumMod val="40000"/>
+            <a:lumOff val="60000"/>
+          </a:schemeClr>
+        </a:buClr>
+        <a:buSzPct val="80000"/>
+        <a:buFont typeface="Wingdings 3" charset="2"/>
+        <a:buChar char=""/>
+        <a:defRPr sz="1600" b="0" i="0" kern="1200">
           <a:solidFill>
             <a:schemeClr val="tx1"/>
           </a:solidFill>
-          <a:latin typeface="+mn-lt"/>
-          <a:ea typeface="+mn-ea"/>
-          <a:cs typeface="+mn-cs"/>
+          <a:latin typeface="+mj-lt"/>
+          <a:ea typeface="+mj-ea"/>
+          <a:cs typeface="+mj-cs"/>
         </a:defRPr>
-      </a:lvl2pPr>
-      <a:lvl3pPr marL="1143000" indent="-228600" algn="l" defTabSz="457200" rtl="0" eaLnBrk="1" latinLnBrk="0" hangingPunct="1">
+      </a:lvl3pPr>
+      <a:lvl4pPr marL="1600227" indent="-228604" algn="l" defTabSz="457207" rtl="0" eaLnBrk="1" latinLnBrk="0" hangingPunct="1">
         <a:spcBef>
-          <a:spcPct val="20000"/>
+          <a:spcPts val="1000"/>
         </a:spcBef>
-        <a:buFont typeface="Arial"/>
-        <a:buChar char="•"/>
-        <a:defRPr sz="2400" kern="1200">
+        <a:spcAft>
+          <a:spcPts val="0"/>
+        </a:spcAft>
+        <a:buClr>
+          <a:schemeClr val="bg2">
+            <a:lumMod val="40000"/>
+            <a:lumOff val="60000"/>
+          </a:schemeClr>
+        </a:buClr>
+        <a:buSzPct val="80000"/>
+        <a:buFont typeface="Wingdings 3" charset="2"/>
+        <a:buChar char=""/>
+        <a:defRPr sz="1400" b="0" i="0" kern="1200">
           <a:solidFill>
             <a:schemeClr val="tx1"/>
           </a:solidFill>
-          <a:latin typeface="+mn-lt"/>
-          <a:ea typeface="+mn-ea"/>
-          <a:cs typeface="+mn-cs"/>
+          <a:latin typeface="+mj-lt"/>
+          <a:ea typeface="+mj-ea"/>
+          <a:cs typeface="+mj-cs"/>
         </a:defRPr>
-      </a:lvl3pPr>
-      <a:lvl4pPr marL="1600200" indent="-228600" algn="l" defTabSz="457200" rtl="0" eaLnBrk="1" latinLnBrk="0" hangingPunct="1">
+      </a:lvl4pPr>
+      <a:lvl5pPr marL="2057434" indent="-228604" algn="l" defTabSz="457207" rtl="0" eaLnBrk="1" latinLnBrk="0" hangingPunct="1">
         <a:spcBef>
-          <a:spcPct val="20000"/>
+          <a:spcPts val="1000"/>
         </a:spcBef>
-        <a:buFont typeface="Arial"/>
-        <a:buChar char="–"/>
-        <a:defRPr sz="2000" kern="1200">
+        <a:spcAft>
+          <a:spcPts val="0"/>
+        </a:spcAft>
+        <a:buClr>
+          <a:schemeClr val="bg2">
+            <a:lumMod val="40000"/>
+            <a:lumOff val="60000"/>
+          </a:schemeClr>
+        </a:buClr>
+        <a:buSzPct val="80000"/>
+        <a:buFont typeface="Wingdings 3" charset="2"/>
+        <a:buChar char=""/>
+        <a:defRPr sz="1400" b="0" i="0" kern="1200">
           <a:solidFill>
             <a:schemeClr val="tx1"/>
           </a:solidFill>
-          <a:latin typeface="+mn-lt"/>
-          <a:ea typeface="+mn-ea"/>
-          <a:cs typeface="+mn-cs"/>
+          <a:latin typeface="+mj-lt"/>
+          <a:ea typeface="+mj-ea"/>
+          <a:cs typeface="+mj-cs"/>
         </a:defRPr>
-      </a:lvl4pPr>
-      <a:lvl5pPr marL="2057400" indent="-228600" algn="l" defTabSz="457200" rtl="0" eaLnBrk="1" latinLnBrk="0" hangingPunct="1">
+      </a:lvl5pPr>
+      <a:lvl6pPr marL="2514642" indent="-228604" algn="l" defTabSz="457207" rtl="0" eaLnBrk="1" latinLnBrk="0" hangingPunct="1">
         <a:spcBef>
-          <a:spcPct val="20000"/>
+          <a:spcPts val="1000"/>
         </a:spcBef>
-        <a:buFont typeface="Arial"/>
-        <a:buChar char="»"/>
-        <a:defRPr sz="2000" kern="1200">
+        <a:spcAft>
+          <a:spcPts val="0"/>
+        </a:spcAft>
+        <a:buClr>
+          <a:schemeClr val="bg2">
+            <a:lumMod val="40000"/>
+            <a:lumOff val="60000"/>
+          </a:schemeClr>
+        </a:buClr>
+        <a:buSzPct val="80000"/>
+        <a:buFont typeface="Wingdings 3" charset="2"/>
+        <a:buChar char=""/>
+        <a:defRPr sz="1400" b="0" i="0" kern="1200">
           <a:solidFill>
             <a:schemeClr val="tx1"/>
           </a:solidFill>
-          <a:latin typeface="+mn-lt"/>
-          <a:ea typeface="+mn-ea"/>
-          <a:cs typeface="+mn-cs"/>
+          <a:latin typeface="+mj-lt"/>
+          <a:ea typeface="+mj-ea"/>
+          <a:cs typeface="+mj-cs"/>
         </a:defRPr>
-      </a:lvl5pPr>
-      <a:lvl6pPr marL="2514600" indent="-228600" algn="l" defTabSz="457200" rtl="0" eaLnBrk="1" latinLnBrk="0" hangingPunct="1">
+      </a:lvl6pPr>
+      <a:lvl7pPr marL="2971849" indent="-228604" algn="l" defTabSz="457207" rtl="0" eaLnBrk="1" latinLnBrk="0" hangingPunct="1">
         <a:spcBef>
-          <a:spcPct val="20000"/>
+          <a:spcPts val="1000"/>
         </a:spcBef>
-        <a:buFont typeface="Arial"/>
-        <a:buChar char="•"/>
-        <a:defRPr sz="2000" kern="1200">
+        <a:spcAft>
+          <a:spcPts val="0"/>
+        </a:spcAft>
+        <a:buClr>
+          <a:schemeClr val="bg2">
+            <a:lumMod val="40000"/>
+            <a:lumOff val="60000"/>
+          </a:schemeClr>
+        </a:buClr>
+        <a:buSzPct val="80000"/>
+        <a:buFont typeface="Wingdings 3" charset="2"/>
+        <a:buChar char=""/>
+        <a:defRPr sz="1400" b="0" i="0" kern="1200">
           <a:solidFill>
             <a:schemeClr val="tx1"/>
           </a:solidFill>
-          <a:latin typeface="+mn-lt"/>
-          <a:ea typeface="+mn-ea"/>
-          <a:cs typeface="+mn-cs"/>
+          <a:latin typeface="+mj-lt"/>
+          <a:ea typeface="+mj-ea"/>
+          <a:cs typeface="+mj-cs"/>
         </a:defRPr>
-      </a:lvl6pPr>
-      <a:lvl7pPr marL="2971800" indent="-228600" algn="l" defTabSz="457200" rtl="0" eaLnBrk="1" latinLnBrk="0" hangingPunct="1">
+      </a:lvl7pPr>
+      <a:lvl8pPr marL="3429057" indent="-228604" algn="l" defTabSz="457207" rtl="0" eaLnBrk="1" latinLnBrk="0" hangingPunct="1">
         <a:spcBef>
-          <a:spcPct val="20000"/>
+          <a:spcPts val="1000"/>
         </a:spcBef>
-        <a:buFont typeface="Arial"/>
-        <a:buChar char="•"/>
-        <a:defRPr sz="2000" kern="1200">
+        <a:spcAft>
+          <a:spcPts val="0"/>
+        </a:spcAft>
+        <a:buClr>
+          <a:schemeClr val="bg2">
+            <a:lumMod val="40000"/>
+            <a:lumOff val="60000"/>
+          </a:schemeClr>
+        </a:buClr>
+        <a:buSzPct val="80000"/>
+        <a:buFont typeface="Wingdings 3" charset="2"/>
+        <a:buChar char=""/>
+        <a:defRPr sz="1400" b="0" i="0" kern="1200">
           <a:solidFill>
             <a:schemeClr val="tx1"/>
           </a:solidFill>
-          <a:latin typeface="+mn-lt"/>
-          <a:ea typeface="+mn-ea"/>
-          <a:cs typeface="+mn-cs"/>
+          <a:latin typeface="+mj-lt"/>
+          <a:ea typeface="+mj-ea"/>
+          <a:cs typeface="+mj-cs"/>
         </a:defRPr>
-      </a:lvl7pPr>
-      <a:lvl8pPr marL="3429000" indent="-228600" algn="l" defTabSz="457200" rtl="0" eaLnBrk="1" latinLnBrk="0" hangingPunct="1">
+      </a:lvl8pPr>
+      <a:lvl9pPr marL="3886264" indent="-228604" algn="l" defTabSz="457207" rtl="0" eaLnBrk="1" latinLnBrk="0" hangingPunct="1">
         <a:spcBef>
-          <a:spcPct val="20000"/>
+          <a:spcPts val="1000"/>
         </a:spcBef>
-        <a:buFont typeface="Arial"/>
-        <a:buChar char="•"/>
-        <a:defRPr sz="2000" kern="1200">
+        <a:spcAft>
+          <a:spcPts val="0"/>
+        </a:spcAft>
+        <a:buClr>
+          <a:schemeClr val="bg2">
+            <a:lumMod val="40000"/>
+            <a:lumOff val="60000"/>
+          </a:schemeClr>
+        </a:buClr>
+        <a:buSzPct val="80000"/>
+        <a:buFont typeface="Wingdings 3" charset="2"/>
+        <a:buChar char=""/>
+        <a:defRPr sz="1400" b="0" i="0" kern="1200">
           <a:solidFill>
             <a:schemeClr val="tx1"/>
           </a:solidFill>
-          <a:latin typeface="+mn-lt"/>
-          <a:ea typeface="+mn-ea"/>
-          <a:cs typeface="+mn-cs"/>
-        </a:defRPr>
-      </a:lvl8pPr>
-      <a:lvl9pPr marL="3886200" indent="-228600" algn="l" defTabSz="457200" rtl="0" eaLnBrk="1" latinLnBrk="0" hangingPunct="1">
-        <a:spcBef>
-          <a:spcPct val="20000"/>
-        </a:spcBef>
-        <a:buFont typeface="Arial"/>
-        <a:buChar char="•"/>
-        <a:defRPr sz="2000" kern="1200">
-          <a:solidFill>
-            <a:schemeClr val="tx1"/>
-          </a:solidFill>
-          <a:latin typeface="+mn-lt"/>
-          <a:ea typeface="+mn-ea"/>
-          <a:cs typeface="+mn-cs"/>
+          <a:latin typeface="+mj-lt"/>
+          <a:ea typeface="+mj-ea"/>
+          <a:cs typeface="+mj-cs"/>
         </a:defRPr>
       </a:lvl9pPr>
     </p:bodyStyle>
@@ -2992,7 +6142,7 @@
       <a:defPPr>
         <a:defRPr lang="en-US"/>
       </a:defPPr>
-      <a:lvl1pPr marL="0" algn="l" defTabSz="457200" rtl="0" eaLnBrk="1" latinLnBrk="0" hangingPunct="1">
+      <a:lvl1pPr marL="0" algn="l" defTabSz="457207" rtl="0" eaLnBrk="1" latinLnBrk="0" hangingPunct="1">
         <a:defRPr sz="1800" kern="1200">
           <a:solidFill>
             <a:schemeClr val="tx1"/>
@@ -3002,7 +6152,7 @@
           <a:cs typeface="+mn-cs"/>
         </a:defRPr>
       </a:lvl1pPr>
-      <a:lvl2pPr marL="457200" algn="l" defTabSz="457200" rtl="0" eaLnBrk="1" latinLnBrk="0" hangingPunct="1">
+      <a:lvl2pPr marL="457207" algn="l" defTabSz="457207" rtl="0" eaLnBrk="1" latinLnBrk="0" hangingPunct="1">
         <a:defRPr sz="1800" kern="1200">
           <a:solidFill>
             <a:schemeClr val="tx1"/>
@@ -3012,7 +6162,7 @@
           <a:cs typeface="+mn-cs"/>
         </a:defRPr>
       </a:lvl2pPr>
-      <a:lvl3pPr marL="914400" algn="l" defTabSz="457200" rtl="0" eaLnBrk="1" latinLnBrk="0" hangingPunct="1">
+      <a:lvl3pPr marL="914415" algn="l" defTabSz="457207" rtl="0" eaLnBrk="1" latinLnBrk="0" hangingPunct="1">
         <a:defRPr sz="1800" kern="1200">
           <a:solidFill>
             <a:schemeClr val="tx1"/>
@@ -3022,7 +6172,7 @@
           <a:cs typeface="+mn-cs"/>
         </a:defRPr>
       </a:lvl3pPr>
-      <a:lvl4pPr marL="1371600" algn="l" defTabSz="457200" rtl="0" eaLnBrk="1" latinLnBrk="0" hangingPunct="1">
+      <a:lvl4pPr marL="1371622" algn="l" defTabSz="457207" rtl="0" eaLnBrk="1" latinLnBrk="0" hangingPunct="1">
         <a:defRPr sz="1800" kern="1200">
           <a:solidFill>
             <a:schemeClr val="tx1"/>
@@ -3032,7 +6182,7 @@
           <a:cs typeface="+mn-cs"/>
         </a:defRPr>
       </a:lvl4pPr>
-      <a:lvl5pPr marL="1828800" algn="l" defTabSz="457200" rtl="0" eaLnBrk="1" latinLnBrk="0" hangingPunct="1">
+      <a:lvl5pPr marL="1828831" algn="l" defTabSz="457207" rtl="0" eaLnBrk="1" latinLnBrk="0" hangingPunct="1">
         <a:defRPr sz="1800" kern="1200">
           <a:solidFill>
             <a:schemeClr val="tx1"/>
@@ -3042,7 +6192,7 @@
           <a:cs typeface="+mn-cs"/>
         </a:defRPr>
       </a:lvl5pPr>
-      <a:lvl6pPr marL="2286000" algn="l" defTabSz="457200" rtl="0" eaLnBrk="1" latinLnBrk="0" hangingPunct="1">
+      <a:lvl6pPr marL="2286038" algn="l" defTabSz="457207" rtl="0" eaLnBrk="1" latinLnBrk="0" hangingPunct="1">
         <a:defRPr sz="1800" kern="1200">
           <a:solidFill>
             <a:schemeClr val="tx1"/>
@@ -3052,7 +6202,7 @@
           <a:cs typeface="+mn-cs"/>
         </a:defRPr>
       </a:lvl6pPr>
-      <a:lvl7pPr marL="2743200" algn="l" defTabSz="457200" rtl="0" eaLnBrk="1" latinLnBrk="0" hangingPunct="1">
+      <a:lvl7pPr marL="2743246" algn="l" defTabSz="457207" rtl="0" eaLnBrk="1" latinLnBrk="0" hangingPunct="1">
         <a:defRPr sz="1800" kern="1200">
           <a:solidFill>
             <a:schemeClr val="tx1"/>
@@ -3062,7 +6212,7 @@
           <a:cs typeface="+mn-cs"/>
         </a:defRPr>
       </a:lvl7pPr>
-      <a:lvl8pPr marL="3200400" algn="l" defTabSz="457200" rtl="0" eaLnBrk="1" latinLnBrk="0" hangingPunct="1">
+      <a:lvl8pPr marL="3200453" algn="l" defTabSz="457207" rtl="0" eaLnBrk="1" latinLnBrk="0" hangingPunct="1">
         <a:defRPr sz="1800" kern="1200">
           <a:solidFill>
             <a:schemeClr val="tx1"/>
@@ -3072,7 +6222,7 @@
           <a:cs typeface="+mn-cs"/>
         </a:defRPr>
       </a:lvl8pPr>
-      <a:lvl9pPr marL="3657600" algn="l" defTabSz="457200" rtl="0" eaLnBrk="1" latinLnBrk="0" hangingPunct="1">
+      <a:lvl9pPr marL="3657661" algn="l" defTabSz="457207" rtl="0" eaLnBrk="1" latinLnBrk="0" hangingPunct="1">
         <a:defRPr sz="1800" kern="1200">
           <a:solidFill>
             <a:schemeClr val="tx1"/>
@@ -3104,6 +6254,36 @@
           <a:chExt cx="0" cy="0"/>
         </a:xfrm>
       </p:grpSpPr>
+      <p:pic>
+        <p:nvPicPr>
+          <p:cNvPr id="5" name="Picture 4">
+            <a:extLst>
+              <a:ext uri="{FF2B5EF4-FFF2-40B4-BE49-F238E27FC236}">
+                <a16:creationId xmlns:a16="http://schemas.microsoft.com/office/drawing/2014/main" id="{F2B079C4-0B7C-73CA-9395-4C882D5E6858}"/>
+              </a:ext>
+            </a:extLst>
+          </p:cNvPr>
+          <p:cNvPicPr>
+            <a:picLocks noChangeAspect="1"/>
+          </p:cNvPicPr>
+          <p:nvPr/>
+        </p:nvPicPr>
+        <p:blipFill>
+          <a:blip r:embed="rId2"/>
+          <a:stretch>
+            <a:fillRect/>
+          </a:stretch>
+        </p:blipFill>
+        <p:spPr>
+          <a:xfrm>
+            <a:off x="4572000" y="2478164"/>
+            <a:ext cx="3960828" cy="3960828"/>
+          </a:xfrm>
+          <a:prstGeom prst="rect">
+            <a:avLst/>
+          </a:prstGeom>
+        </p:spPr>
+      </p:pic>
       <p:sp>
         <p:nvSpPr>
           <p:cNvPr id="2" name="Title 1"/>
@@ -3114,18 +6294,19 @@
             <p:ph type="ctrTitle"/>
           </p:nvPr>
         </p:nvSpPr>
-        <p:spPr/>
+        <p:spPr>
+          <a:xfrm>
+            <a:off x="83524" y="-100105"/>
+            <a:ext cx="6620968" cy="3329581"/>
+          </a:xfrm>
+        </p:spPr>
         <p:txBody>
           <a:bodyPr/>
           <a:lstStyle/>
           <a:p>
             <a:r>
-              <a:rPr dirty="0"/>
-              <a:t>Final Project</a:t>
-            </a:r>
-            <a:r>
               <a:rPr lang="en-US" dirty="0"/>
-              <a:t> Title</a:t>
+              <a:t>Fan Sentiment Analysis</a:t>
             </a:r>
             <a:endParaRPr dirty="0"/>
           </a:p>
@@ -3141,23 +6322,20 @@
             <p:ph type="subTitle" idx="1"/>
           </p:nvPr>
         </p:nvSpPr>
-        <p:spPr/>
+        <p:spPr>
+          <a:xfrm>
+            <a:off x="385483" y="3353678"/>
+            <a:ext cx="6400800" cy="2209800"/>
+          </a:xfrm>
+        </p:spPr>
         <p:txBody>
           <a:bodyPr/>
           <a:lstStyle/>
           <a:p>
             <a:r>
-              <a:rPr dirty="0"/>
-              <a:t>Team Members  </a:t>
-            </a:r>
-            <a:endParaRPr lang="en-US" dirty="0"/>
-          </a:p>
-          <a:p>
-            <a:r>
               <a:rPr lang="en-US" dirty="0"/>
-              <a:t>QR Code</a:t>
-            </a:r>
-            <a:endParaRPr dirty="0"/>
+              <a:t>Owen Handelman</a:t>
+            </a:r>
           </a:p>
         </p:txBody>
       </p:sp>
@@ -3174,7 +6352,13 @@
   <p:cSld>
     <p:spTree>
       <p:nvGrpSpPr>
-        <p:cNvPr id="1" name=""/>
+        <p:cNvPr id="1" name="">
+          <a:extLst>
+            <a:ext uri="{FF2B5EF4-FFF2-40B4-BE49-F238E27FC236}">
+              <a16:creationId xmlns:a16="http://schemas.microsoft.com/office/drawing/2014/main" id="{C148CE36-5B11-4445-C2F0-FF035B6EA9F6}"/>
+            </a:ext>
+          </a:extLst>
+        </p:cNvPr>
         <p:cNvGrpSpPr/>
         <p:nvPr/>
       </p:nvGrpSpPr>
@@ -3188,7 +6372,13 @@
       </p:grpSpPr>
       <p:sp>
         <p:nvSpPr>
-          <p:cNvPr id="2" name="Title 1"/>
+          <p:cNvPr id="2" name="Title 1">
+            <a:extLst>
+              <a:ext uri="{FF2B5EF4-FFF2-40B4-BE49-F238E27FC236}">
+                <a16:creationId xmlns:a16="http://schemas.microsoft.com/office/drawing/2014/main" id="{5FDF5710-962D-72A6-FDAD-D54CDBC53134}"/>
+              </a:ext>
+            </a:extLst>
+          </p:cNvPr>
           <p:cNvSpPr>
             <a:spLocks noGrp="1"/>
           </p:cNvSpPr>
@@ -3202,43 +6392,115 @@
           <a:lstStyle/>
           <a:p>
             <a:r>
-              <a:t>Insights &amp; Limitations</a:t>
-            </a:r>
-          </a:p>
-        </p:txBody>
-      </p:sp>
-      <p:sp>
-        <p:nvSpPr>
-          <p:cNvPr id="3" name="Content Placeholder 2"/>
-          <p:cNvSpPr>
-            <a:spLocks noGrp="1"/>
-          </p:cNvSpPr>
+              <a:rPr dirty="0"/>
+              <a:t>Visualizations</a:t>
+            </a:r>
+          </a:p>
+        </p:txBody>
+      </p:sp>
+      <p:pic>
+        <p:nvPicPr>
+          <p:cNvPr id="6" name="Content Placeholder 5">
+            <a:extLst>
+              <a:ext uri="{FF2B5EF4-FFF2-40B4-BE49-F238E27FC236}">
+                <a16:creationId xmlns:a16="http://schemas.microsoft.com/office/drawing/2014/main" id="{7D73D924-94A9-EA4A-B185-F1912F8966B5}"/>
+              </a:ext>
+            </a:extLst>
+          </p:cNvPr>
+          <p:cNvPicPr>
+            <a:picLocks noGrp="1" noChangeAspect="1"/>
+          </p:cNvPicPr>
           <p:nvPr>
             <p:ph idx="1"/>
           </p:nvPr>
-        </p:nvSpPr>
-        <p:spPr/>
-        <p:txBody>
-          <a:bodyPr/>
-          <a:lstStyle/>
-          <a:p>
-            <a:r>
-              <a:t>2–3 main insights you learned from the results.</a:t>
-            </a:r>
-          </a:p>
-          <a:p>
-            <a:r>
-              <a:t>Important limitations (data quality/size, class imbalance, overfitting, generalization).</a:t>
-            </a:r>
-          </a:p>
-          <a:p>
-            <a:r>
-              <a:t>If you had more time, what would you try next?</a:t>
+        </p:nvPicPr>
+        <p:blipFill>
+          <a:blip r:embed="rId2"/>
+          <a:stretch>
+            <a:fillRect/>
+          </a:stretch>
+        </p:blipFill>
+        <p:spPr>
+          <a:xfrm>
+            <a:off x="588682" y="1764307"/>
+            <a:ext cx="2883014" cy="1461410"/>
+          </a:xfrm>
+          <a:prstGeom prst="rect">
+            <a:avLst/>
+          </a:prstGeom>
+        </p:spPr>
+      </p:pic>
+      <p:pic>
+        <p:nvPicPr>
+          <p:cNvPr id="10" name="Picture 9">
+            <a:extLst>
+              <a:ext uri="{FF2B5EF4-FFF2-40B4-BE49-F238E27FC236}">
+                <a16:creationId xmlns:a16="http://schemas.microsoft.com/office/drawing/2014/main" id="{28E25913-4E91-C496-2681-E01AE30825B7}"/>
+              </a:ext>
+            </a:extLst>
+          </p:cNvPr>
+          <p:cNvPicPr>
+            <a:picLocks noChangeAspect="1"/>
+          </p:cNvPicPr>
+          <p:nvPr/>
+        </p:nvPicPr>
+        <p:blipFill>
+          <a:blip r:embed="rId3"/>
+          <a:stretch>
+            <a:fillRect/>
+          </a:stretch>
+        </p:blipFill>
+        <p:spPr>
+          <a:xfrm>
+            <a:off x="4073172" y="1122713"/>
+            <a:ext cx="4706263" cy="5093079"/>
+          </a:xfrm>
+          <a:prstGeom prst="rect">
+            <a:avLst/>
+          </a:prstGeom>
+        </p:spPr>
+      </p:pic>
+      <p:sp>
+        <p:nvSpPr>
+          <p:cNvPr id="11" name="TextBox 10">
+            <a:extLst>
+              <a:ext uri="{FF2B5EF4-FFF2-40B4-BE49-F238E27FC236}">
+                <a16:creationId xmlns:a16="http://schemas.microsoft.com/office/drawing/2014/main" id="{1E664061-821F-7519-E71B-5AD732EF84CD}"/>
+              </a:ext>
+            </a:extLst>
+          </p:cNvPr>
+          <p:cNvSpPr txBox="1"/>
+          <p:nvPr/>
+        </p:nvSpPr>
+        <p:spPr>
+          <a:xfrm>
+            <a:off x="364565" y="3632284"/>
+            <a:ext cx="3285530" cy="2585323"/>
+          </a:xfrm>
+          <a:prstGeom prst="rect">
+            <a:avLst/>
+          </a:prstGeom>
+          <a:noFill/>
+        </p:spPr>
+        <p:txBody>
+          <a:bodyPr wrap="square" rtlCol="0">
+            <a:spAutoFit/>
+          </a:bodyPr>
+          <a:lstStyle/>
+          <a:p>
+            <a:r>
+              <a:rPr lang="en-US" dirty="0"/>
+              <a:t>The failure of the twitter model to adequately capture sentiment from the sports thread can be seen here with a logistic regression model trained on just previous game outcome, sentiment vector, and both predictors. The sentiment vector fails to improve predictive power.</a:t>
             </a:r>
           </a:p>
         </p:txBody>
       </p:sp>
     </p:spTree>
+    <p:extLst>
+      <p:ext uri="{BB962C8B-B14F-4D97-AF65-F5344CB8AC3E}">
+        <p14:creationId xmlns:p14="http://schemas.microsoft.com/office/powerpoint/2010/main" val="2180882563"/>
+      </p:ext>
+    </p:extLst>
   </p:cSld>
   <p:clrMapOvr>
     <a:masterClrMapping/>
@@ -3265,13 +6527,7 @@
       </p:grpSpPr>
       <p:sp>
         <p:nvSpPr>
-          <p:cNvPr id="2" name="Title 1">
-            <a:extLst>
-              <a:ext uri="{FF2B5EF4-FFF2-40B4-BE49-F238E27FC236}">
-                <a16:creationId xmlns:a16="http://schemas.microsoft.com/office/drawing/2014/main" id="{57127604-2610-CF56-8124-C171F8D44C7B}"/>
-              </a:ext>
-            </a:extLst>
-          </p:cNvPr>
+          <p:cNvPr id="2" name="Title 1"/>
           <p:cNvSpPr>
             <a:spLocks noGrp="1"/>
           </p:cNvSpPr>
@@ -3285,46 +6541,62 @@
           <a:lstStyle/>
           <a:p>
             <a:r>
+              <a:t>Insights &amp; Limitations</a:t>
+            </a:r>
+          </a:p>
+        </p:txBody>
+      </p:sp>
+      <p:sp>
+        <p:nvSpPr>
+          <p:cNvPr id="3" name="Content Placeholder 2"/>
+          <p:cNvSpPr>
+            <a:spLocks noGrp="1"/>
+          </p:cNvSpPr>
+          <p:nvPr>
+            <p:ph idx="1"/>
+          </p:nvPr>
+        </p:nvSpPr>
+        <p:spPr>
+          <a:xfrm>
+            <a:off x="457200" y="1600200"/>
+            <a:ext cx="8229600" cy="4983162"/>
+          </a:xfrm>
+        </p:spPr>
+        <p:txBody>
+          <a:bodyPr>
+            <a:normAutofit fontScale="92500" lnSpcReduction="10000"/>
+          </a:bodyPr>
+          <a:lstStyle/>
+          <a:p>
+            <a:r>
               <a:rPr lang="en-US" dirty="0"/>
-              <a:t>Conclusion</a:t>
-            </a:r>
-          </a:p>
-        </p:txBody>
-      </p:sp>
-      <p:sp>
-        <p:nvSpPr>
-          <p:cNvPr id="3" name="Content Placeholder 2">
-            <a:extLst>
-              <a:ext uri="{FF2B5EF4-FFF2-40B4-BE49-F238E27FC236}">
-                <a16:creationId xmlns:a16="http://schemas.microsoft.com/office/drawing/2014/main" id="{1022CC09-5016-94D7-0A30-C85514B9795F}"/>
-              </a:ext>
-            </a:extLst>
-          </p:cNvPr>
-          <p:cNvSpPr>
-            <a:spLocks noGrp="1"/>
-          </p:cNvSpPr>
-          <p:nvPr>
-            <p:ph idx="1"/>
-          </p:nvPr>
-        </p:nvSpPr>
-        <p:spPr/>
-        <p:txBody>
-          <a:bodyPr/>
-          <a:lstStyle/>
+              <a:t>The importance of context specific preprocessing of data, especially sequence data where errors and inaccuracies can propagate and prevent contextual understanding</a:t>
+            </a:r>
+          </a:p>
           <a:p>
             <a:r>
               <a:rPr lang="en-US" dirty="0"/>
-              <a:t>Summarize your project</a:t>
-            </a:r>
+              <a:t>Narrow contextual connection between any sources. Movie semantic datasets fail to perform well when analyzing twitter datasets. Despite sentiment being somewhat universal, the unique avenues different parts of the internet have in expressing it causes generalizability across niches to be poor.</a:t>
+            </a:r>
+            <a:endParaRPr dirty="0"/>
+          </a:p>
+          <a:p>
+            <a:r>
+              <a:rPr lang="en-US" dirty="0"/>
+              <a:t>The biggest limitation was the lack of connection between available labeled text and the threads I was trying to apply it to.</a:t>
+            </a:r>
+            <a:endParaRPr dirty="0"/>
+          </a:p>
+          <a:p>
+            <a:r>
+              <a:rPr lang="en-US" dirty="0"/>
+              <a:t>Given more time, I would focus on completing an unlabeled encoder-decoder approach, which would be much more suited to capturing the nuance of communication in niches. I think a more focused approach would result in much better performance in predicting future team performance as a win or loss, at least equaling the ability of previous game outcome</a:t>
+            </a:r>
+            <a:endParaRPr dirty="0"/>
           </a:p>
         </p:txBody>
       </p:sp>
     </p:spTree>
-    <p:extLst>
-      <p:ext uri="{BB962C8B-B14F-4D97-AF65-F5344CB8AC3E}">
-        <p14:creationId xmlns:p14="http://schemas.microsoft.com/office/powerpoint/2010/main" val="3488812403"/>
-      </p:ext>
-    </p:extLst>
   </p:cSld>
   <p:clrMapOvr>
     <a:masterClrMapping/>
@@ -3351,7 +6623,13 @@
       </p:grpSpPr>
       <p:sp>
         <p:nvSpPr>
-          <p:cNvPr id="2" name="Title 1"/>
+          <p:cNvPr id="2" name="Title 1">
+            <a:extLst>
+              <a:ext uri="{FF2B5EF4-FFF2-40B4-BE49-F238E27FC236}">
+                <a16:creationId xmlns:a16="http://schemas.microsoft.com/office/drawing/2014/main" id="{57127604-2610-CF56-8124-C171F8D44C7B}"/>
+              </a:ext>
+            </a:extLst>
+          </p:cNvPr>
           <p:cNvSpPr>
             <a:spLocks noGrp="1"/>
           </p:cNvSpPr>
@@ -3361,29 +6639,25 @@
         </p:nvSpPr>
         <p:spPr/>
         <p:txBody>
-          <a:bodyPr>
-            <a:normAutofit fontScale="90000"/>
-          </a:bodyPr>
-          <a:lstStyle/>
-          <a:p>
-            <a:r>
-              <a:rPr dirty="0"/>
-              <a:t>Reflection &amp; Lessons Learned (Course-only</a:t>
-            </a:r>
+          <a:bodyPr/>
+          <a:lstStyle/>
+          <a:p>
             <a:r>
               <a:rPr lang="en-US" dirty="0"/>
-              <a:t>, optional to present</a:t>
-            </a:r>
-            <a:r>
-              <a:rPr dirty="0"/>
-              <a:t>)</a:t>
-            </a:r>
-          </a:p>
-        </p:txBody>
-      </p:sp>
-      <p:sp>
-        <p:nvSpPr>
-          <p:cNvPr id="3" name="Content Placeholder 2"/>
+              <a:t>Conclusion</a:t>
+            </a:r>
+          </a:p>
+        </p:txBody>
+      </p:sp>
+      <p:sp>
+        <p:nvSpPr>
+          <p:cNvPr id="3" name="Content Placeholder 2">
+            <a:extLst>
+              <a:ext uri="{FF2B5EF4-FFF2-40B4-BE49-F238E27FC236}">
+                <a16:creationId xmlns:a16="http://schemas.microsoft.com/office/drawing/2014/main" id="{1022CC09-5016-94D7-0A30-C85514B9795F}"/>
+              </a:ext>
+            </a:extLst>
+          </p:cNvPr>
           <p:cNvSpPr>
             <a:spLocks noGrp="1"/>
           </p:cNvSpPr>
@@ -3393,36 +6667,41 @@
         </p:nvSpPr>
         <p:spPr>
           <a:xfrm>
-            <a:off x="457200" y="1600201"/>
-            <a:ext cx="8229600" cy="3639312"/>
+            <a:off x="457200" y="1600200"/>
+            <a:ext cx="8229600" cy="4983162"/>
           </a:xfrm>
         </p:spPr>
         <p:txBody>
           <a:bodyPr>
-            <a:normAutofit lnSpcReduction="10000"/>
+            <a:normAutofit/>
           </a:bodyPr>
           <a:lstStyle/>
           <a:p>
             <a:r>
-              <a:rPr dirty="0"/>
-              <a:t>What problems did you anticipate? What problems did you actually encounter?</a:t>
-            </a:r>
-          </a:p>
-          <a:p>
-            <a:r>
-              <a:rPr dirty="0"/>
-              <a:t>Did your first approach work? If not, what did you change and why?</a:t>
-            </a:r>
-          </a:p>
-          <a:p>
-            <a:r>
-              <a:rPr dirty="0"/>
-              <a:t>List 2–3 specific lessons you learned (about deep learning, experimentation, or teamwork).</a:t>
+              <a:rPr lang="en-US" dirty="0"/>
+              <a:t>Using a labelled twitter dataset, a LSTM model was constructed to produce a sentiment vector that covered positive, neutral, and negative sentiment.</a:t>
+            </a:r>
+          </a:p>
+          <a:p>
+            <a:r>
+              <a:rPr lang="en-US" dirty="0"/>
+              <a:t>This model was then used to analyze the sentiment of Reddit post game discussions to be used in predicted later team performance</a:t>
+            </a:r>
+          </a:p>
+          <a:p>
+            <a:r>
+              <a:rPr lang="en-US" dirty="0"/>
+              <a:t>A dedicated encoder-decoder approach focused entirely on the same messages would likely outperform </a:t>
             </a:r>
           </a:p>
         </p:txBody>
       </p:sp>
     </p:spTree>
+    <p:extLst>
+      <p:ext uri="{BB962C8B-B14F-4D97-AF65-F5344CB8AC3E}">
+        <p14:creationId xmlns:p14="http://schemas.microsoft.com/office/powerpoint/2010/main" val="3488812403"/>
+      </p:ext>
+    </p:extLst>
   </p:cSld>
   <p:clrMapOvr>
     <a:masterClrMapping/>
@@ -3449,79 +6728,45 @@
       </p:grpSpPr>
       <p:sp>
         <p:nvSpPr>
-          <p:cNvPr id="2" name="Title 1"/>
-          <p:cNvSpPr>
-            <a:spLocks noGrp="1"/>
-          </p:cNvSpPr>
-          <p:nvPr>
-            <p:ph type="title"/>
-          </p:nvPr>
-        </p:nvSpPr>
-        <p:spPr/>
-        <p:txBody>
-          <a:bodyPr>
-            <a:normAutofit fontScale="90000"/>
+          <p:cNvPr id="6" name="TextBox 5">
+            <a:extLst>
+              <a:ext uri="{FF2B5EF4-FFF2-40B4-BE49-F238E27FC236}">
+                <a16:creationId xmlns:a16="http://schemas.microsoft.com/office/drawing/2014/main" id="{B2B11DA6-AFF6-60FB-3C06-01E201AA807F}"/>
+              </a:ext>
+            </a:extLst>
+          </p:cNvPr>
+          <p:cNvSpPr txBox="1"/>
+          <p:nvPr/>
+        </p:nvSpPr>
+        <p:spPr>
+          <a:xfrm>
+            <a:off x="974165" y="2330823"/>
+            <a:ext cx="4763247" cy="1200329"/>
+          </a:xfrm>
+          <a:prstGeom prst="rect">
+            <a:avLst/>
+          </a:prstGeom>
+          <a:noFill/>
+        </p:spPr>
+        <p:txBody>
+          <a:bodyPr wrap="square" rtlCol="0">
+            <a:spAutoFit/>
           </a:bodyPr>
           <a:lstStyle/>
           <a:p>
             <a:r>
-              <a:rPr dirty="0"/>
-              <a:t>AI Tools and Assistance (Disclosure – Course-only</a:t>
-            </a:r>
-            <a:r>
-              <a:rPr lang="en-US" dirty="0"/>
-              <a:t>, optional to present</a:t>
-            </a:r>
-            <a:r>
-              <a:rPr dirty="0"/>
-              <a:t>)</a:t>
-            </a:r>
-          </a:p>
-        </p:txBody>
-      </p:sp>
-      <p:sp>
-        <p:nvSpPr>
-          <p:cNvPr id="3" name="Content Placeholder 2"/>
-          <p:cNvSpPr>
-            <a:spLocks noGrp="1"/>
-          </p:cNvSpPr>
-          <p:nvPr>
-            <p:ph idx="1"/>
-          </p:nvPr>
-        </p:nvSpPr>
-        <p:spPr/>
-        <p:txBody>
-          <a:bodyPr>
-            <a:normAutofit/>
-          </a:bodyPr>
-          <a:lstStyle/>
-          <a:p>
-            <a:r>
-              <a:rPr dirty="0"/>
-              <a:t>List any AI tools used (e.g., ChatGPT, GitHub Copilot, Grammarly).</a:t>
-            </a:r>
-          </a:p>
-          <a:p>
-            <a:r>
-              <a:rPr dirty="0"/>
-              <a:t>Describe what you used them for (brainstorming, debugging, writing help, etc.).</a:t>
-            </a:r>
-          </a:p>
-          <a:p>
-            <a:r>
-              <a:rPr dirty="0"/>
-              <a:t>Explain how you verified or modified AI-generated suggestions.</a:t>
-            </a:r>
-          </a:p>
-          <a:p>
-            <a:r>
-              <a:rPr dirty="0"/>
-              <a:t>If no AI tools were used, state: 'We did not use AI tools for this project.'</a:t>
+              <a:rPr lang="en-US" sz="7200" dirty="0"/>
+              <a:t>Thank You</a:t>
             </a:r>
           </a:p>
         </p:txBody>
       </p:sp>
     </p:spTree>
+    <p:extLst>
+      <p:ext uri="{BB962C8B-B14F-4D97-AF65-F5344CB8AC3E}">
+        <p14:creationId xmlns:p14="http://schemas.microsoft.com/office/powerpoint/2010/main" val="3976615616"/>
+      </p:ext>
+    </p:extLst>
   </p:cSld>
   <p:clrMapOvr>
     <a:masterClrMapping/>
@@ -3556,14 +6801,27 @@
             <p:ph type="title"/>
           </p:nvPr>
         </p:nvSpPr>
-        <p:spPr/>
-        <p:txBody>
-          <a:bodyPr/>
-          <a:lstStyle/>
-          <a:p>
-            <a:r>
-              <a:t>References</a:t>
-            </a:r>
+        <p:spPr>
+          <a:xfrm>
+            <a:off x="341275" y="279401"/>
+            <a:ext cx="7055380" cy="1400530"/>
+          </a:xfrm>
+        </p:spPr>
+        <p:txBody>
+          <a:bodyPr>
+            <a:normAutofit/>
+          </a:bodyPr>
+          <a:lstStyle/>
+          <a:p>
+            <a:r>
+              <a:rPr dirty="0"/>
+              <a:t>Reflection &amp; Lessons </a:t>
+            </a:r>
+            <a:r>
+              <a:rPr lang="en-US" dirty="0"/>
+              <a:t>Learned</a:t>
+            </a:r>
+            <a:endParaRPr dirty="0"/>
           </a:p>
         </p:txBody>
       </p:sp>
@@ -3577,19 +6835,64 @@
             <p:ph idx="1"/>
           </p:nvPr>
         </p:nvSpPr>
-        <p:spPr/>
-        <p:txBody>
-          <a:bodyPr/>
-          <a:lstStyle/>
-          <a:p>
-            <a:r>
-              <a:t>List key papers, datasets, and libraries you relied on.</a:t>
-            </a:r>
-          </a:p>
-          <a:p>
-            <a:r>
-              <a:t>Use a consistent citation style (e.g., APA/MLA/IEEE).</a:t>
-            </a:r>
+        <p:spPr>
+          <a:xfrm>
+            <a:off x="457200" y="1600200"/>
+            <a:ext cx="8229600" cy="5212976"/>
+          </a:xfrm>
+        </p:spPr>
+        <p:txBody>
+          <a:bodyPr>
+            <a:normAutofit fontScale="77500" lnSpcReduction="20000"/>
+          </a:bodyPr>
+          <a:lstStyle/>
+          <a:p>
+            <a:r>
+              <a:rPr lang="en-US" dirty="0"/>
+              <a:t>The main problem I anticipated was developing a functional encoder-decoder setup which was my first approach. It did not work, largely due to the required size of the context vector given the intended use case of predicting outcomes of games and only having 425 datapoints requiring the semantic vector to be small.</a:t>
+            </a:r>
+          </a:p>
+          <a:p>
+            <a:r>
+              <a:rPr lang="en-US" dirty="0"/>
+              <a:t>I then encountered significant problems with preprocessing social media messages that severely hurt model performance, I ended up trying to do a more bespoke preprocessing step than just using the built in </a:t>
+            </a:r>
+            <a:r>
+              <a:rPr lang="en-US" dirty="0" err="1"/>
+              <a:t>Keras</a:t>
+            </a:r>
+            <a:r>
+              <a:rPr lang="en-US" dirty="0"/>
+              <a:t> tokenizer with </a:t>
+            </a:r>
+            <a:r>
+              <a:rPr lang="en-US" dirty="0" err="1"/>
+              <a:t>Ekpharasis</a:t>
+            </a:r>
+            <a:r>
+              <a:rPr lang="en-US" dirty="0"/>
+              <a:t>. However, I still could not fully clean the twitter data, notably having issues with one and two letter “words” appearing much more frequently then should (even in tweets).</a:t>
+            </a:r>
+          </a:p>
+          <a:p>
+            <a:r>
+              <a:rPr lang="en-US" dirty="0"/>
+              <a:t>After my first attempts with an encoder-decoder I switched towards looking at labelled data that would allow me to produce a sentiment vector that is small and theoretically robust enough to be effective when applied to sports discourse.</a:t>
+            </a:r>
+            <a:endParaRPr dirty="0"/>
+          </a:p>
+          <a:p>
+            <a:r>
+              <a:rPr lang="en-US" dirty="0"/>
+              <a:t>The biggest lesson I learned was to be more flexible in how I approach deep learning problems, through tearing my hair out over the twitter data and fitting it to reddit comment sections I realized how to shorten comment trees so that the context vector would work with the limited dataset size of games</a:t>
+            </a:r>
+          </a:p>
+          <a:p>
+            <a:r>
+              <a:rPr lang="en-US" dirty="0"/>
+              <a:t>Another lesson I learned was to plan backup plans more thoroughly, and to be willing to change rapidly when it comes to model selection and overall analytical approach to solving the same problem.</a:t>
+            </a:r>
+            <a:endParaRPr dirty="0"/>
           </a:p>
         </p:txBody>
       </p:sp>
@@ -3630,6 +6933,233 @@
         </p:nvSpPr>
         <p:spPr/>
         <p:txBody>
+          <a:bodyPr>
+            <a:normAutofit fontScale="90000"/>
+          </a:bodyPr>
+          <a:lstStyle/>
+          <a:p>
+            <a:r>
+              <a:rPr dirty="0"/>
+              <a:t>AI Tools and Assistance (Disclosure – Course-only</a:t>
+            </a:r>
+            <a:r>
+              <a:rPr lang="en-US" dirty="0"/>
+              <a:t>, optional to present</a:t>
+            </a:r>
+            <a:r>
+              <a:rPr dirty="0"/>
+              <a:t>)</a:t>
+            </a:r>
+          </a:p>
+        </p:txBody>
+      </p:sp>
+      <p:sp>
+        <p:nvSpPr>
+          <p:cNvPr id="3" name="Content Placeholder 2"/>
+          <p:cNvSpPr>
+            <a:spLocks noGrp="1"/>
+          </p:cNvSpPr>
+          <p:nvPr>
+            <p:ph idx="1"/>
+          </p:nvPr>
+        </p:nvSpPr>
+        <p:spPr>
+          <a:xfrm>
+            <a:off x="827700" y="2390588"/>
+            <a:ext cx="6711654" cy="3857818"/>
+          </a:xfrm>
+        </p:spPr>
+        <p:txBody>
+          <a:bodyPr>
+            <a:normAutofit/>
+          </a:bodyPr>
+          <a:lstStyle/>
+          <a:p>
+            <a:r>
+              <a:rPr lang="en-US" dirty="0"/>
+              <a:t>Gemini was used to help debug word cloud generation and PRAW issues. There was not a lot to modify when it came to suggestions as they were mostly related to syntax issues with these libraries.</a:t>
+            </a:r>
+          </a:p>
+        </p:txBody>
+      </p:sp>
+    </p:spTree>
+  </p:cSld>
+  <p:clrMapOvr>
+    <a:masterClrMapping/>
+  </p:clrMapOvr>
+</p:sld>
+</file>
+
+<file path=ppt/slides/slide16.xml><?xml version="1.0" encoding="utf-8"?>
+<p:sld xmlns:a="http://schemas.openxmlformats.org/drawingml/2006/main" xmlns:r="http://schemas.openxmlformats.org/officeDocument/2006/relationships" xmlns:p="http://schemas.openxmlformats.org/presentationml/2006/main">
+  <p:cSld>
+    <p:spTree>
+      <p:nvGrpSpPr>
+        <p:cNvPr id="1" name=""/>
+        <p:cNvGrpSpPr/>
+        <p:nvPr/>
+      </p:nvGrpSpPr>
+      <p:grpSpPr>
+        <a:xfrm>
+          <a:off x="0" y="0"/>
+          <a:ext cx="0" cy="0"/>
+          <a:chOff x="0" y="0"/>
+          <a:chExt cx="0" cy="0"/>
+        </a:xfrm>
+      </p:grpSpPr>
+      <p:sp>
+        <p:nvSpPr>
+          <p:cNvPr id="2" name="Title 1"/>
+          <p:cNvSpPr>
+            <a:spLocks noGrp="1"/>
+          </p:cNvSpPr>
+          <p:nvPr>
+            <p:ph type="title"/>
+          </p:nvPr>
+        </p:nvSpPr>
+        <p:spPr/>
+        <p:txBody>
+          <a:bodyPr/>
+          <a:lstStyle/>
+          <a:p>
+            <a:r>
+              <a:t>References</a:t>
+            </a:r>
+          </a:p>
+        </p:txBody>
+      </p:sp>
+      <p:sp>
+        <p:nvSpPr>
+          <p:cNvPr id="3" name="Content Placeholder 2"/>
+          <p:cNvSpPr>
+            <a:spLocks noGrp="1"/>
+          </p:cNvSpPr>
+          <p:nvPr>
+            <p:ph idx="1"/>
+          </p:nvPr>
+        </p:nvSpPr>
+        <p:spPr/>
+        <p:txBody>
+          <a:bodyPr/>
+          <a:lstStyle/>
+          <a:p>
+            <a:pPr marL="0" indent="0">
+              <a:buNone/>
+            </a:pPr>
+            <a:r>
+              <a:rPr lang="en-US" dirty="0" err="1"/>
+              <a:t>Baziotis</a:t>
+            </a:r>
+            <a:r>
+              <a:rPr lang="en-US" dirty="0"/>
+              <a:t>, Christos, et al. </a:t>
+            </a:r>
+            <a:r>
+              <a:rPr lang="en-US" dirty="0" err="1"/>
+              <a:t>DataStories</a:t>
+            </a:r>
+            <a:r>
+              <a:rPr lang="en-US" dirty="0"/>
+              <a:t> at SemEval-2017 Task 4: Deep LSTM with Attention for Message-Level and Topic-Based Sentiment Analysis. Association for Computational Linguistics, 2017. </a:t>
+            </a:r>
+          </a:p>
+          <a:p>
+            <a:pPr marL="0" indent="0">
+              <a:buNone/>
+            </a:pPr>
+            <a:r>
+              <a:rPr lang="en-US" dirty="0"/>
+              <a:t>Chollet, F., &amp; Others. (2015). </a:t>
+            </a:r>
+            <a:r>
+              <a:rPr lang="en-US" dirty="0" err="1"/>
+              <a:t>Keras</a:t>
+            </a:r>
+            <a:r>
+              <a:rPr lang="en-US" dirty="0"/>
+              <a:t>. Retrieved from </a:t>
+            </a:r>
+            <a:r>
+              <a:rPr lang="en-US" dirty="0">
+                <a:hlinkClick r:id="rId2"/>
+              </a:rPr>
+              <a:t>https://keras.io</a:t>
+            </a:r>
+            <a:endParaRPr lang="en-US" dirty="0"/>
+          </a:p>
+          <a:p>
+            <a:pPr marL="0" indent="0">
+              <a:buNone/>
+            </a:pPr>
+            <a:r>
+              <a:rPr lang="en-US" dirty="0"/>
+              <a:t>Boe, B (2017). </a:t>
+            </a:r>
+            <a:r>
+              <a:rPr lang="en-US" i="1" dirty="0" err="1"/>
+              <a:t>Praw</a:t>
+            </a:r>
+            <a:r>
+              <a:rPr lang="en-US" i="1" dirty="0"/>
+              <a:t>: The Python Reddit API Wrapper</a:t>
+            </a:r>
+            <a:r>
+              <a:rPr lang="en-US" dirty="0"/>
+              <a:t>. [Software] Available from </a:t>
+            </a:r>
+            <a:r>
+              <a:rPr lang="en-US" u="sng" dirty="0">
+                <a:hlinkClick r:id="rId3"/>
+              </a:rPr>
+              <a:t>https://github.com/praw-dev/praw</a:t>
+            </a:r>
+            <a:endParaRPr lang="en-US" dirty="0"/>
+          </a:p>
+          <a:p>
+            <a:pPr marL="0" indent="0">
+              <a:buNone/>
+            </a:pPr>
+            <a:endParaRPr dirty="0"/>
+          </a:p>
+        </p:txBody>
+      </p:sp>
+    </p:spTree>
+  </p:cSld>
+  <p:clrMapOvr>
+    <a:masterClrMapping/>
+  </p:clrMapOvr>
+</p:sld>
+</file>
+
+<file path=ppt/slides/slide17.xml><?xml version="1.0" encoding="utf-8"?>
+<p:sld xmlns:a="http://schemas.openxmlformats.org/drawingml/2006/main" xmlns:r="http://schemas.openxmlformats.org/officeDocument/2006/relationships" xmlns:p="http://schemas.openxmlformats.org/presentationml/2006/main">
+  <p:cSld>
+    <p:spTree>
+      <p:nvGrpSpPr>
+        <p:cNvPr id="1" name=""/>
+        <p:cNvGrpSpPr/>
+        <p:nvPr/>
+      </p:nvGrpSpPr>
+      <p:grpSpPr>
+        <a:xfrm>
+          <a:off x="0" y="0"/>
+          <a:ext cx="0" cy="0"/>
+          <a:chOff x="0" y="0"/>
+          <a:chExt cx="0" cy="0"/>
+        </a:xfrm>
+      </p:grpSpPr>
+      <p:sp>
+        <p:nvSpPr>
+          <p:cNvPr id="2" name="Title 1"/>
+          <p:cNvSpPr>
+            <a:spLocks noGrp="1"/>
+          </p:cNvSpPr>
+          <p:nvPr>
+            <p:ph type="title"/>
+          </p:nvPr>
+        </p:nvSpPr>
+        <p:spPr/>
+        <p:txBody>
           <a:bodyPr/>
           <a:lstStyle/>
           <a:p>
@@ -3692,13 +7222,7 @@
       </p:grpSpPr>
       <p:sp>
         <p:nvSpPr>
-          <p:cNvPr id="2" name="Title 1">
-            <a:extLst>
-              <a:ext uri="{FF2B5EF4-FFF2-40B4-BE49-F238E27FC236}">
-                <a16:creationId xmlns:a16="http://schemas.microsoft.com/office/drawing/2014/main" id="{B63F82E3-9F0B-EEBF-257A-944D31D51A66}"/>
-              </a:ext>
-            </a:extLst>
-          </p:cNvPr>
+          <p:cNvPr id="2" name="Title 1"/>
           <p:cNvSpPr>
             <a:spLocks noGrp="1"/>
           </p:cNvSpPr>
@@ -3712,21 +7236,14 @@
           <a:lstStyle/>
           <a:p>
             <a:r>
-              <a:rPr lang="en-US" dirty="0"/>
-              <a:t>About this template</a:t>
-            </a:r>
-          </a:p>
-        </p:txBody>
-      </p:sp>
-      <p:sp>
-        <p:nvSpPr>
-          <p:cNvPr id="5" name="Content Placeholder 4">
-            <a:extLst>
-              <a:ext uri="{FF2B5EF4-FFF2-40B4-BE49-F238E27FC236}">
-                <a16:creationId xmlns:a16="http://schemas.microsoft.com/office/drawing/2014/main" id="{BC2CD7FE-11B8-2423-146D-A803782D4DE6}"/>
-              </a:ext>
-            </a:extLst>
-          </p:cNvPr>
+              <a:t>Problem &amp; Motivation</a:t>
+            </a:r>
+          </a:p>
+        </p:txBody>
+      </p:sp>
+      <p:sp>
+        <p:nvSpPr>
+          <p:cNvPr id="3" name="Content Placeholder 2"/>
           <p:cNvSpPr>
             <a:spLocks noGrp="1"/>
           </p:cNvSpPr>
@@ -3734,7 +7251,12 @@
             <p:ph idx="1"/>
           </p:nvPr>
         </p:nvSpPr>
-        <p:spPr/>
+        <p:spPr>
+          <a:xfrm>
+            <a:off x="457200" y="1320282"/>
+            <a:ext cx="8229600" cy="5537718"/>
+          </a:xfrm>
+        </p:spPr>
         <p:txBody>
           <a:bodyPr>
             <a:normAutofit/>
@@ -3743,29 +7265,28 @@
           <a:p>
             <a:r>
               <a:rPr lang="en-US" dirty="0"/>
-              <a:t>This template is provided to help you organize your final presentation based on the grading rubric.</a:t>
-            </a:r>
+              <a:t>I want to determine if fan sentiment is predictive of the fan’s team winning or losing their next game</a:t>
+            </a:r>
+            <a:endParaRPr dirty="0"/>
           </a:p>
           <a:p>
             <a:r>
               <a:rPr lang="en-US" dirty="0"/>
-              <a:t>If you delete slides, be careful not to remove information that is required for peer evaluation.</a:t>
+              <a:t>Analyzing fan sentiment begins to quantify the “eye-test”, allows for greater context of already existing box stats and can potentially improve sports modelling</a:t>
             </a:r>
           </a:p>
           <a:p>
             <a:r>
               <a:rPr lang="en-US" dirty="0"/>
-              <a:t>Feel free to add extra slides/content if needed.</a:t>
-            </a:r>
+              <a:t>The goal if for the model to regress a sentiment vector that can then be used to predict if a team will win or lose a game.</a:t>
+            </a:r>
+          </a:p>
+          <a:p>
+            <a:endParaRPr dirty="0"/>
           </a:p>
         </p:txBody>
       </p:sp>
     </p:spTree>
-    <p:extLst>
-      <p:ext uri="{BB962C8B-B14F-4D97-AF65-F5344CB8AC3E}">
-        <p14:creationId xmlns:p14="http://schemas.microsoft.com/office/powerpoint/2010/main" val="3219206859"/>
-      </p:ext>
-    </p:extLst>
   </p:cSld>
   <p:clrMapOvr>
     <a:masterClrMapping/>
@@ -3806,7 +7327,7 @@
           <a:lstStyle/>
           <a:p>
             <a:r>
-              <a:t>Problem &amp; Motivation</a:t>
+              <a:t>Dataset Overview</a:t>
             </a:r>
           </a:p>
         </p:txBody>
@@ -3821,30 +7342,62 @@
             <p:ph idx="1"/>
           </p:nvPr>
         </p:nvSpPr>
-        <p:spPr/>
-        <p:txBody>
-          <a:bodyPr/>
-          <a:lstStyle/>
-          <a:p>
-            <a:r>
-              <a:rPr dirty="0"/>
-              <a:t>Clearly state the problem you are trying to solve.</a:t>
-            </a:r>
-          </a:p>
-          <a:p>
-            <a:r>
-              <a:rPr dirty="0"/>
-              <a:t>Explain why this problem matters (application / impact).</a:t>
-            </a:r>
-            <a:endParaRPr lang="en-US" dirty="0"/>
-          </a:p>
+        <p:spPr>
+          <a:xfrm>
+            <a:off x="457200" y="1290918"/>
+            <a:ext cx="8229600" cy="5292444"/>
+          </a:xfrm>
+        </p:spPr>
+        <p:txBody>
+          <a:bodyPr>
+            <a:normAutofit/>
+          </a:bodyPr>
+          <a:lstStyle/>
           <a:p>
             <a:r>
               <a:rPr lang="en-US" dirty="0"/>
-              <a:t>What question(s) is your model trying to answer? Regression problem or classification?</a:t>
-            </a:r>
-          </a:p>
-          <a:p>
+              <a:t>Data was sourced from Reddit, Wikipedia, and SemEval-2017</a:t>
+            </a:r>
+          </a:p>
+          <a:p>
+            <a:r>
+              <a:rPr lang="en-US" dirty="0"/>
+              <a:t>comments from 425 Post Game Threads on Reddit, Schedule results from Wikipedia, 26500 labeled tweets from </a:t>
+            </a:r>
+            <a:r>
+              <a:rPr lang="en-US" dirty="0" err="1"/>
+              <a:t>SemEval</a:t>
+            </a:r>
+            <a:endParaRPr dirty="0"/>
+          </a:p>
+          <a:p>
+            <a:r>
+              <a:rPr lang="en-US" dirty="0"/>
+              <a:t>The tweets were </a:t>
+            </a:r>
+            <a:r>
+              <a:rPr lang="en-US" dirty="0" err="1"/>
+              <a:t>amost</a:t>
+            </a:r>
+            <a:r>
+              <a:rPr lang="en-US" dirty="0"/>
+              <a:t> all under 40 characters and were labeled as positive, neutral, or negative</a:t>
+            </a:r>
+            <a:endParaRPr dirty="0"/>
+          </a:p>
+          <a:p>
+            <a:r>
+              <a:rPr lang="en-US" dirty="0"/>
+              <a:t>The key preprocessing steps were cleaning the social media aspect of the tweets up (cleaning hashtags, links, emojis, </a:t>
+            </a:r>
+            <a:r>
+              <a:rPr lang="en-US" dirty="0" err="1"/>
+              <a:t>etc</a:t>
+            </a:r>
+            <a:r>
+              <a:rPr lang="en-US" dirty="0"/>
+              <a:t>) to a sequence of words, and then tokenizing the messages into vectors</a:t>
+            </a:r>
             <a:endParaRPr dirty="0"/>
           </a:p>
         </p:txBody>
@@ -3886,11 +7439,14 @@
         </p:nvSpPr>
         <p:spPr/>
         <p:txBody>
-          <a:bodyPr/>
-          <a:lstStyle/>
-          <a:p>
-            <a:r>
-              <a:t>Dataset Overview</a:t>
+          <a:bodyPr>
+            <a:normAutofit/>
+          </a:bodyPr>
+          <a:lstStyle/>
+          <a:p>
+            <a:r>
+              <a:rPr dirty="0"/>
+              <a:t>Model Architecture &amp; Design Choices</a:t>
             </a:r>
           </a:p>
         </p:txBody>
@@ -3905,34 +7461,37 @@
             <p:ph idx="1"/>
           </p:nvPr>
         </p:nvSpPr>
-        <p:spPr/>
-        <p:txBody>
-          <a:bodyPr/>
-          <a:lstStyle/>
-          <a:p>
-            <a:r>
-              <a:rPr dirty="0"/>
-              <a:t>Source of the dataset (e.g., Kaggle, open data portal).</a:t>
-            </a:r>
-          </a:p>
-          <a:p>
-            <a:r>
-              <a:rPr dirty="0"/>
-              <a:t>Size: number of samples, input dimensions, </a:t>
-            </a:r>
-            <a:endParaRPr lang="en-US" dirty="0"/>
-          </a:p>
-          <a:p>
-            <a:r>
-              <a:rPr dirty="0"/>
-              <a:t>Input features and target variable.</a:t>
-            </a:r>
-          </a:p>
-          <a:p>
-            <a:r>
-              <a:rPr dirty="0"/>
-              <a:t>Key preprocessing steps (e.g., normalization, augmentation, tokenization).</a:t>
-            </a:r>
+        <p:spPr>
+          <a:xfrm>
+            <a:off x="457200" y="1853248"/>
+            <a:ext cx="8229600" cy="4730114"/>
+          </a:xfrm>
+        </p:spPr>
+        <p:txBody>
+          <a:bodyPr>
+            <a:normAutofit/>
+          </a:bodyPr>
+          <a:lstStyle/>
+          <a:p>
+            <a:r>
+              <a:rPr lang="en-US" dirty="0"/>
+              <a:t>I used an LSTM design, using papers from successful competitors in SemEval-2017 to help guide the model construction</a:t>
+            </a:r>
+            <a:endParaRPr dirty="0"/>
+          </a:p>
+          <a:p>
+            <a:r>
+              <a:rPr lang="en-US" dirty="0"/>
+              <a:t>Dropout was used in both LSTM layers, L2 regularization was used on the Dense output layer, and the Adam optimizer was used along with a batch size of 128</a:t>
+            </a:r>
+            <a:endParaRPr dirty="0"/>
+          </a:p>
+          <a:p>
+            <a:r>
+              <a:rPr lang="en-US" dirty="0"/>
+              <a:t>LSTM is appropriate given the sequential nature of the data and the need to preserve context end-to-end, the focus on regularization is also appropriate as the model is prone to overfitting due to the number of parameters and the ease of overfitting</a:t>
+            </a:r>
+            <a:endParaRPr dirty="0"/>
           </a:p>
         </p:txBody>
       </p:sp>
@@ -3977,8 +7536,7 @@
           <a:lstStyle/>
           <a:p>
             <a:r>
-              <a:rPr dirty="0"/>
-              <a:t>Baseline &amp; Approach Overview</a:t>
+              <a:t>Experimental Setup</a:t>
             </a:r>
           </a:p>
         </p:txBody>
@@ -3995,63 +7553,67 @@
         </p:nvSpPr>
         <p:spPr>
           <a:xfrm>
-            <a:off x="457200" y="1600201"/>
-            <a:ext cx="8229600" cy="2066544"/>
-          </a:xfrm>
-        </p:spPr>
-        <p:txBody>
-          <a:bodyPr/>
-          <a:lstStyle/>
-          <a:p>
-            <a:r>
-              <a:rPr dirty="0"/>
-              <a:t>Briefly describe your baseline model(s).</a:t>
-            </a:r>
-          </a:p>
-          <a:p>
-            <a:r>
-              <a:rPr dirty="0"/>
-              <a:t>One-sentence summary of your deep learning approach.</a:t>
-            </a:r>
-          </a:p>
-        </p:txBody>
-      </p:sp>
-      <p:sp>
-        <p:nvSpPr>
-          <p:cNvPr id="4" name="TextBox 3">
-            <a:extLst>
-              <a:ext uri="{FF2B5EF4-FFF2-40B4-BE49-F238E27FC236}">
-                <a16:creationId xmlns:a16="http://schemas.microsoft.com/office/drawing/2014/main" id="{75ECA27F-B24B-1FE8-708E-04D5593FDA68}"/>
-              </a:ext>
-            </a:extLst>
-          </p:cNvPr>
-          <p:cNvSpPr txBox="1"/>
-          <p:nvPr/>
-        </p:nvSpPr>
-        <p:spPr>
-          <a:xfrm>
-            <a:off x="1014984" y="4224528"/>
-            <a:ext cx="7498080" cy="369332"/>
-          </a:xfrm>
-          <a:prstGeom prst="rect">
-            <a:avLst/>
-          </a:prstGeom>
-          <a:noFill/>
-        </p:spPr>
-        <p:txBody>
-          <a:bodyPr wrap="square" rtlCol="0">
-            <a:spAutoFit/>
+            <a:off x="457200" y="1600199"/>
+            <a:ext cx="8229600" cy="4836459"/>
+          </a:xfrm>
+        </p:spPr>
+        <p:txBody>
+          <a:bodyPr>
+            <a:normAutofit/>
           </a:bodyPr>
           <a:lstStyle/>
           <a:p>
             <a:r>
-              <a:rPr lang="en-US" dirty="0">
-                <a:solidFill>
-                  <a:srgbClr val="FF0000"/>
-                </a:solidFill>
-              </a:rPr>
-              <a:t>Feel free to skip this slide if your project does not have a baseline model !</a:t>
-            </a:r>
+              <a:rPr lang="en-US" dirty="0"/>
+              <a:t>The </a:t>
+            </a:r>
+            <a:r>
+              <a:rPr lang="en-US" dirty="0" err="1"/>
+              <a:t>SemEval</a:t>
+            </a:r>
+            <a:r>
+              <a:rPr lang="en-US" dirty="0"/>
+              <a:t> data came presplit into test and train data, I further split the train data into train and validation sets to allow for early stopping</a:t>
+            </a:r>
+            <a:endParaRPr dirty="0"/>
+          </a:p>
+          <a:p>
+            <a:r>
+              <a:rPr lang="en-US" dirty="0"/>
+              <a:t>I was evaluating the model based primarily on loss as I cared about regression rather than classification, but I compared performance with models from papers using average recall and F1 averaged over the positive and negative classes</a:t>
+            </a:r>
+            <a:endParaRPr dirty="0"/>
+          </a:p>
+          <a:p>
+            <a:r>
+              <a:rPr lang="en-US" dirty="0"/>
+              <a:t>I used </a:t>
+            </a:r>
+            <a:r>
+              <a:rPr lang="en-US" dirty="0" err="1"/>
+              <a:t>PyTorch</a:t>
+            </a:r>
+            <a:r>
+              <a:rPr lang="en-US" dirty="0"/>
+              <a:t> and </a:t>
+            </a:r>
+            <a:r>
+              <a:rPr lang="en-US" dirty="0" err="1"/>
+              <a:t>Keras</a:t>
+            </a:r>
+            <a:r>
+              <a:rPr lang="en-US" dirty="0"/>
+              <a:t> for the framework, and did everything but hyperparameter tuning locally, I used Google </a:t>
+            </a:r>
+            <a:r>
+              <a:rPr lang="en-US" dirty="0" err="1"/>
+              <a:t>Colab</a:t>
+            </a:r>
+            <a:r>
+              <a:rPr lang="en-US" dirty="0"/>
+              <a:t> for the tuning</a:t>
+            </a:r>
+            <a:endParaRPr dirty="0"/>
           </a:p>
         </p:txBody>
       </p:sp>
@@ -4092,45 +7654,63 @@
         </p:nvSpPr>
         <p:spPr/>
         <p:txBody>
+          <a:bodyPr/>
+          <a:lstStyle/>
+          <a:p>
+            <a:r>
+              <a:t>Key Results</a:t>
+            </a:r>
+          </a:p>
+        </p:txBody>
+      </p:sp>
+      <p:sp>
+        <p:nvSpPr>
+          <p:cNvPr id="3" name="Content Placeholder 2"/>
+          <p:cNvSpPr>
+            <a:spLocks noGrp="1"/>
+          </p:cNvSpPr>
+          <p:nvPr>
+            <p:ph idx="1"/>
+          </p:nvPr>
+        </p:nvSpPr>
+        <p:spPr>
+          <a:xfrm>
+            <a:off x="457200" y="1159435"/>
+            <a:ext cx="8229600" cy="5468471"/>
+          </a:xfrm>
+        </p:spPr>
+        <p:txBody>
           <a:bodyPr>
-            <a:normAutofit fontScale="90000"/>
+            <a:normAutofit/>
           </a:bodyPr>
           <a:lstStyle/>
           <a:p>
             <a:r>
-              <a:t>Model Architecture &amp; Design Choices</a:t>
-            </a:r>
-          </a:p>
-        </p:txBody>
-      </p:sp>
-      <p:sp>
-        <p:nvSpPr>
-          <p:cNvPr id="3" name="Content Placeholder 2"/>
-          <p:cNvSpPr>
-            <a:spLocks noGrp="1"/>
-          </p:cNvSpPr>
-          <p:nvPr>
-            <p:ph idx="1"/>
-          </p:nvPr>
-        </p:nvSpPr>
-        <p:spPr/>
-        <p:txBody>
-          <a:bodyPr/>
-          <a:lstStyle/>
-          <a:p>
-            <a:r>
-              <a:t>Model architecture (e.g., CNN / ResNet / LSTM / Transformer).</a:t>
-            </a:r>
-          </a:p>
-          <a:p>
-            <a:r>
-              <a:t>Key design choices: regularization, optimizer, learning-rate schedule, batch size, epochs.</a:t>
-            </a:r>
-          </a:p>
-          <a:p>
-            <a:r>
-              <a:t>Brief justification of why these choices are appropriate for your data/problem.</a:t>
-            </a:r>
+              <a:rPr lang="en-US" dirty="0"/>
+              <a:t>My model significantly underperformed compared to the </a:t>
+            </a:r>
+            <a:r>
+              <a:rPr lang="en-US" dirty="0" err="1"/>
+              <a:t>Baziotis</a:t>
+            </a:r>
+            <a:r>
+              <a:rPr lang="en-US" dirty="0"/>
+              <a:t> et al. model, being about 20% points worse in recall largely due to poor performance on positive tweets</a:t>
+            </a:r>
+          </a:p>
+          <a:p>
+            <a:r>
+              <a:rPr lang="en-US" dirty="0"/>
+              <a:t>The best performing model set up had an embedding layer, two bidirectional LSTM layers, and a Dense output layer.</a:t>
+            </a:r>
+            <a:endParaRPr dirty="0"/>
+          </a:p>
+          <a:p>
+            <a:r>
+              <a:rPr lang="en-US" dirty="0"/>
+              <a:t>The lacking embedding matrix and preprocessing steps in comparison resulted in significantly worse model performance. Poor sentiment analysis carried over to sports threads where analysis hurt prediction of future game outcomes</a:t>
+            </a:r>
+            <a:endParaRPr dirty="0"/>
           </a:p>
         </p:txBody>
       </p:sp>
@@ -4147,7 +7727,13 @@
   <p:cSld>
     <p:spTree>
       <p:nvGrpSpPr>
-        <p:cNvPr id="1" name=""/>
+        <p:cNvPr id="1" name="">
+          <a:extLst>
+            <a:ext uri="{FF2B5EF4-FFF2-40B4-BE49-F238E27FC236}">
+              <a16:creationId xmlns:a16="http://schemas.microsoft.com/office/drawing/2014/main" id="{E99D2B1B-2532-7F56-17FD-F6570562F994}"/>
+            </a:ext>
+          </a:extLst>
+        </p:cNvPr>
         <p:cNvGrpSpPr/>
         <p:nvPr/>
       </p:nvGrpSpPr>
@@ -4161,7 +7747,13 @@
       </p:grpSpPr>
       <p:sp>
         <p:nvSpPr>
-          <p:cNvPr id="2" name="Title 1"/>
+          <p:cNvPr id="2" name="Title 1">
+            <a:extLst>
+              <a:ext uri="{FF2B5EF4-FFF2-40B4-BE49-F238E27FC236}">
+                <a16:creationId xmlns:a16="http://schemas.microsoft.com/office/drawing/2014/main" id="{B1E82F50-3506-4BF4-416A-048452C6B886}"/>
+              </a:ext>
+            </a:extLst>
+          </p:cNvPr>
           <p:cNvSpPr>
             <a:spLocks noGrp="1"/>
           </p:cNvSpPr>
@@ -4175,43 +7767,84 @@
           <a:lstStyle/>
           <a:p>
             <a:r>
-              <a:t>Experimental Setup</a:t>
-            </a:r>
-          </a:p>
-        </p:txBody>
-      </p:sp>
-      <p:sp>
-        <p:nvSpPr>
-          <p:cNvPr id="3" name="Content Placeholder 2"/>
-          <p:cNvSpPr>
-            <a:spLocks noGrp="1"/>
-          </p:cNvSpPr>
+              <a:t>Visualizations</a:t>
+            </a:r>
+          </a:p>
+        </p:txBody>
+      </p:sp>
+      <p:pic>
+        <p:nvPicPr>
+          <p:cNvPr id="7" name="Content Placeholder 6">
+            <a:extLst>
+              <a:ext uri="{FF2B5EF4-FFF2-40B4-BE49-F238E27FC236}">
+                <a16:creationId xmlns:a16="http://schemas.microsoft.com/office/drawing/2014/main" id="{B43EF19D-9065-0141-7A24-5AC53B61B905}"/>
+              </a:ext>
+            </a:extLst>
+          </p:cNvPr>
+          <p:cNvPicPr>
+            <a:picLocks noGrp="1" noChangeAspect="1"/>
+          </p:cNvPicPr>
           <p:nvPr>
             <p:ph idx="1"/>
           </p:nvPr>
-        </p:nvSpPr>
-        <p:spPr/>
-        <p:txBody>
-          <a:bodyPr/>
-          <a:lstStyle/>
-          <a:p>
-            <a:r>
-              <a:t>Train/validation/test strategy (splits or cross-validation).</a:t>
-            </a:r>
-          </a:p>
-          <a:p>
-            <a:r>
-              <a:t>Evaluation metrics (e.g., accuracy, F1, AUC, MSE).</a:t>
-            </a:r>
-          </a:p>
-          <a:p>
-            <a:r>
-              <a:t>Implementation details (framework, hardware, important constraints).</a:t>
+        </p:nvPicPr>
+        <p:blipFill>
+          <a:blip r:embed="rId2"/>
+          <a:stretch>
+            <a:fillRect/>
+          </a:stretch>
+        </p:blipFill>
+        <p:spPr>
+          <a:xfrm>
+            <a:off x="457200" y="1688443"/>
+            <a:ext cx="8229600" cy="2903170"/>
+          </a:xfrm>
+          <a:prstGeom prst="rect">
+            <a:avLst/>
+          </a:prstGeom>
+        </p:spPr>
+      </p:pic>
+      <p:sp>
+        <p:nvSpPr>
+          <p:cNvPr id="9" name="TextBox 8">
+            <a:extLst>
+              <a:ext uri="{FF2B5EF4-FFF2-40B4-BE49-F238E27FC236}">
+                <a16:creationId xmlns:a16="http://schemas.microsoft.com/office/drawing/2014/main" id="{76296D1E-871C-8B86-619B-0427A756DEE4}"/>
+              </a:ext>
+            </a:extLst>
+          </p:cNvPr>
+          <p:cNvSpPr txBox="1"/>
+          <p:nvPr/>
+        </p:nvSpPr>
+        <p:spPr>
+          <a:xfrm>
+            <a:off x="1105647" y="4978400"/>
+            <a:ext cx="6771341" cy="1200329"/>
+          </a:xfrm>
+          <a:prstGeom prst="rect">
+            <a:avLst/>
+          </a:prstGeom>
+          <a:noFill/>
+        </p:spPr>
+        <p:txBody>
+          <a:bodyPr wrap="square" rtlCol="0">
+            <a:spAutoFit/>
+          </a:bodyPr>
+          <a:lstStyle/>
+          <a:p>
+            <a:r>
+              <a:rPr lang="en-US" dirty="0"/>
+              <a:t>Despite significantly increasing regularization strength, the model begins to overfit before good loss reduction. I believe the overfitting is largely down to issues with preprocessing as the messages are small and therefore small inaccuracies can be very costly.</a:t>
             </a:r>
           </a:p>
         </p:txBody>
       </p:sp>
     </p:spTree>
+    <p:extLst>
+      <p:ext uri="{BB962C8B-B14F-4D97-AF65-F5344CB8AC3E}">
+        <p14:creationId xmlns:p14="http://schemas.microsoft.com/office/powerpoint/2010/main" val="3391153043"/>
+      </p:ext>
+    </p:extLst>
   </p:cSld>
   <p:clrMapOvr>
     <a:masterClrMapping/>
@@ -4224,7 +7857,13 @@
   <p:cSld>
     <p:spTree>
       <p:nvGrpSpPr>
-        <p:cNvPr id="1" name=""/>
+        <p:cNvPr id="1" name="">
+          <a:extLst>
+            <a:ext uri="{FF2B5EF4-FFF2-40B4-BE49-F238E27FC236}">
+              <a16:creationId xmlns:a16="http://schemas.microsoft.com/office/drawing/2014/main" id="{FFE83455-EA08-5BEB-1E2B-4578F5737B6D}"/>
+            </a:ext>
+          </a:extLst>
+        </p:cNvPr>
         <p:cNvGrpSpPr/>
         <p:nvPr/>
       </p:nvGrpSpPr>
@@ -4238,7 +7877,13 @@
       </p:grpSpPr>
       <p:sp>
         <p:nvSpPr>
-          <p:cNvPr id="2" name="Title 1"/>
+          <p:cNvPr id="2" name="Title 1">
+            <a:extLst>
+              <a:ext uri="{FF2B5EF4-FFF2-40B4-BE49-F238E27FC236}">
+                <a16:creationId xmlns:a16="http://schemas.microsoft.com/office/drawing/2014/main" id="{7E095772-3509-B77E-1DC5-4E1E1E56FC0B}"/>
+              </a:ext>
+            </a:extLst>
+          </p:cNvPr>
           <p:cNvSpPr>
             <a:spLocks noGrp="1"/>
           </p:cNvSpPr>
@@ -4252,43 +7897,84 @@
           <a:lstStyle/>
           <a:p>
             <a:r>
-              <a:t>Key Results</a:t>
-            </a:r>
-          </a:p>
-        </p:txBody>
-      </p:sp>
-      <p:sp>
-        <p:nvSpPr>
-          <p:cNvPr id="3" name="Content Placeholder 2"/>
-          <p:cNvSpPr>
-            <a:spLocks noGrp="1"/>
-          </p:cNvSpPr>
+              <a:t>Visualizations</a:t>
+            </a:r>
+          </a:p>
+        </p:txBody>
+      </p:sp>
+      <p:pic>
+        <p:nvPicPr>
+          <p:cNvPr id="5" name="Content Placeholder 4">
+            <a:extLst>
+              <a:ext uri="{FF2B5EF4-FFF2-40B4-BE49-F238E27FC236}">
+                <a16:creationId xmlns:a16="http://schemas.microsoft.com/office/drawing/2014/main" id="{3B39AFDB-9D98-ABEA-EB47-C4A7D738C7A1}"/>
+              </a:ext>
+            </a:extLst>
+          </p:cNvPr>
+          <p:cNvPicPr>
+            <a:picLocks noGrp="1" noChangeAspect="1"/>
+          </p:cNvPicPr>
           <p:nvPr>
             <p:ph idx="1"/>
           </p:nvPr>
-        </p:nvSpPr>
-        <p:spPr/>
-        <p:txBody>
-          <a:bodyPr/>
-          <a:lstStyle/>
-          <a:p>
-            <a:r>
-              <a:t>Table or summary comparing baseline(s) with your main model.</a:t>
-            </a:r>
-          </a:p>
-          <a:p>
-            <a:r>
-              <a:t>Highlight the best-performing configuration.</a:t>
-            </a:r>
-          </a:p>
-          <a:p>
-            <a:r>
-              <a:t>One–two sentences summarizing the main quantitative takeaway.</a:t>
+        </p:nvPicPr>
+        <p:blipFill>
+          <a:blip r:embed="rId2"/>
+          <a:stretch>
+            <a:fillRect/>
+          </a:stretch>
+        </p:blipFill>
+        <p:spPr>
+          <a:xfrm>
+            <a:off x="1624787" y="1166018"/>
+            <a:ext cx="5380449" cy="4525963"/>
+          </a:xfrm>
+          <a:prstGeom prst="rect">
+            <a:avLst/>
+          </a:prstGeom>
+        </p:spPr>
+      </p:pic>
+      <p:sp>
+        <p:nvSpPr>
+          <p:cNvPr id="4" name="TextBox 3">
+            <a:extLst>
+              <a:ext uri="{FF2B5EF4-FFF2-40B4-BE49-F238E27FC236}">
+                <a16:creationId xmlns:a16="http://schemas.microsoft.com/office/drawing/2014/main" id="{8C163460-0ADE-D227-2485-9BAF1FAE3A45}"/>
+              </a:ext>
+            </a:extLst>
+          </p:cNvPr>
+          <p:cNvSpPr txBox="1"/>
+          <p:nvPr/>
+        </p:nvSpPr>
+        <p:spPr>
+          <a:xfrm>
+            <a:off x="1948329" y="5839012"/>
+            <a:ext cx="5253318" cy="646331"/>
+          </a:xfrm>
+          <a:prstGeom prst="rect">
+            <a:avLst/>
+          </a:prstGeom>
+          <a:noFill/>
+        </p:spPr>
+        <p:txBody>
+          <a:bodyPr wrap="square" rtlCol="0">
+            <a:spAutoFit/>
+          </a:bodyPr>
+          <a:lstStyle/>
+          <a:p>
+            <a:r>
+              <a:rPr lang="en-US" dirty="0"/>
+              <a:t>Model performance can be seen here, struggling especially with labeling positive tweets.</a:t>
             </a:r>
           </a:p>
         </p:txBody>
       </p:sp>
     </p:spTree>
+    <p:extLst>
+      <p:ext uri="{BB962C8B-B14F-4D97-AF65-F5344CB8AC3E}">
+        <p14:creationId xmlns:p14="http://schemas.microsoft.com/office/powerpoint/2010/main" val="3783472346"/>
+      </p:ext>
+    </p:extLst>
   </p:cSld>
   <p:clrMapOvr>
     <a:masterClrMapping/>
@@ -4323,53 +8009,152 @@
             <p:ph type="title"/>
           </p:nvPr>
         </p:nvSpPr>
-        <p:spPr/>
-        <p:txBody>
-          <a:bodyPr/>
-          <a:lstStyle/>
-          <a:p>
-            <a:r>
+        <p:spPr>
+          <a:xfrm>
+            <a:off x="457200" y="0"/>
+            <a:ext cx="8229600" cy="866588"/>
+          </a:xfrm>
+        </p:spPr>
+        <p:txBody>
+          <a:bodyPr>
+            <a:normAutofit/>
+          </a:bodyPr>
+          <a:lstStyle/>
+          <a:p>
+            <a:r>
+              <a:rPr dirty="0"/>
               <a:t>Visualizations</a:t>
             </a:r>
           </a:p>
         </p:txBody>
       </p:sp>
-      <p:sp>
-        <p:nvSpPr>
-          <p:cNvPr id="3" name="Content Placeholder 2"/>
-          <p:cNvSpPr>
-            <a:spLocks noGrp="1"/>
-          </p:cNvSpPr>
+      <p:pic>
+        <p:nvPicPr>
+          <p:cNvPr id="9" name="Content Placeholder 8">
+            <a:extLst>
+              <a:ext uri="{FF2B5EF4-FFF2-40B4-BE49-F238E27FC236}">
+                <a16:creationId xmlns:a16="http://schemas.microsoft.com/office/drawing/2014/main" id="{EAF5709D-9A6F-E1CA-8D6B-DE449B2EE66E}"/>
+              </a:ext>
+            </a:extLst>
+          </p:cNvPr>
+          <p:cNvPicPr>
+            <a:picLocks noGrp="1" noChangeAspect="1"/>
+          </p:cNvPicPr>
           <p:nvPr>
             <p:ph idx="1"/>
           </p:nvPr>
-        </p:nvSpPr>
-        <p:spPr/>
-        <p:txBody>
-          <a:bodyPr/>
-          <a:lstStyle/>
-          <a:p>
-            <a:r>
-              <a:t>Include 1–3 key plots (add later in PowerPoint):</a:t>
-            </a:r>
-          </a:p>
-          <a:p>
-            <a:r>
-              <a:t>- Training/validation curves (loss and metrics).</a:t>
-            </a:r>
-          </a:p>
-          <a:p>
-            <a:r>
-              <a:t>- Confusion matrix / ROC curve / sample outputs.</a:t>
-            </a:r>
-          </a:p>
-          <a:p>
-            <a:r>
-              <a:t>Add short captions explaining what each figure shows and why it matters.</a:t>
-            </a:r>
-          </a:p>
-        </p:txBody>
-      </p:sp>
+        </p:nvPicPr>
+        <p:blipFill>
+          <a:blip r:embed="rId2"/>
+          <a:stretch>
+            <a:fillRect/>
+          </a:stretch>
+        </p:blipFill>
+        <p:spPr>
+          <a:xfrm>
+            <a:off x="2824760" y="792777"/>
+            <a:ext cx="2680856" cy="4721510"/>
+          </a:xfrm>
+          <a:prstGeom prst="rect">
+            <a:avLst/>
+          </a:prstGeom>
+        </p:spPr>
+      </p:pic>
+      <p:pic>
+        <p:nvPicPr>
+          <p:cNvPr id="16" name="Picture 15">
+            <a:extLst>
+              <a:ext uri="{FF2B5EF4-FFF2-40B4-BE49-F238E27FC236}">
+                <a16:creationId xmlns:a16="http://schemas.microsoft.com/office/drawing/2014/main" id="{C9CD4895-4726-C414-E49B-98E3C1D4665F}"/>
+              </a:ext>
+            </a:extLst>
+          </p:cNvPr>
+          <p:cNvPicPr>
+            <a:picLocks noChangeAspect="1"/>
+          </p:cNvPicPr>
+          <p:nvPr/>
+        </p:nvPicPr>
+        <p:blipFill>
+          <a:blip r:embed="rId3"/>
+          <a:stretch>
+            <a:fillRect/>
+          </a:stretch>
+        </p:blipFill>
+        <p:spPr>
+          <a:xfrm>
+            <a:off x="5564776" y="966095"/>
+            <a:ext cx="3579224" cy="4227944"/>
+          </a:xfrm>
+          <a:prstGeom prst="rect">
+            <a:avLst/>
+          </a:prstGeom>
+        </p:spPr>
+      </p:pic>
+      <p:sp>
+        <p:nvSpPr>
+          <p:cNvPr id="17" name="TextBox 16">
+            <a:extLst>
+              <a:ext uri="{FF2B5EF4-FFF2-40B4-BE49-F238E27FC236}">
+                <a16:creationId xmlns:a16="http://schemas.microsoft.com/office/drawing/2014/main" id="{D000601E-D7CD-2574-7F80-CEB4C481EDE7}"/>
+              </a:ext>
+            </a:extLst>
+          </p:cNvPr>
+          <p:cNvSpPr txBox="1"/>
+          <p:nvPr/>
+        </p:nvSpPr>
+        <p:spPr>
+          <a:xfrm>
+            <a:off x="549863" y="5797176"/>
+            <a:ext cx="7996489" cy="923330"/>
+          </a:xfrm>
+          <a:prstGeom prst="rect">
+            <a:avLst/>
+          </a:prstGeom>
+          <a:noFill/>
+        </p:spPr>
+        <p:txBody>
+          <a:bodyPr wrap="square" rtlCol="0">
+            <a:spAutoFit/>
+          </a:bodyPr>
+          <a:lstStyle/>
+          <a:p>
+            <a:r>
+              <a:rPr lang="en-US" dirty="0"/>
+              <a:t>The word clouds show a clear difference in what words are in the twitter and reddit dataset. As well as the difficulty in properly cleaning social media message sources.</a:t>
+            </a:r>
+          </a:p>
+        </p:txBody>
+      </p:sp>
+      <p:pic>
+        <p:nvPicPr>
+          <p:cNvPr id="19" name="Picture 18">
+            <a:extLst>
+              <a:ext uri="{FF2B5EF4-FFF2-40B4-BE49-F238E27FC236}">
+                <a16:creationId xmlns:a16="http://schemas.microsoft.com/office/drawing/2014/main" id="{ED721688-9057-68EB-2450-5A8262A2CB92}"/>
+              </a:ext>
+            </a:extLst>
+          </p:cNvPr>
+          <p:cNvPicPr>
+            <a:picLocks noChangeAspect="1"/>
+          </p:cNvPicPr>
+          <p:nvPr/>
+        </p:nvPicPr>
+        <p:blipFill>
+          <a:blip r:embed="rId4"/>
+          <a:stretch>
+            <a:fillRect/>
+          </a:stretch>
+        </p:blipFill>
+        <p:spPr>
+          <a:xfrm>
+            <a:off x="84744" y="792777"/>
+            <a:ext cx="2680856" cy="4721507"/>
+          </a:xfrm>
+          <a:prstGeom prst="rect">
+            <a:avLst/>
+          </a:prstGeom>
+        </p:spPr>
+      </p:pic>
     </p:spTree>
   </p:cSld>
   <p:clrMapOvr>
@@ -4379,9 +8164,9 @@
 </file>
 
 <file path=ppt/theme/theme1.xml><?xml version="1.0" encoding="utf-8"?>
-<a:theme xmlns:a="http://schemas.openxmlformats.org/drawingml/2006/main" name="Office Theme">
+<a:theme xmlns:a="http://schemas.openxmlformats.org/drawingml/2006/main" name="Ion">
   <a:themeElements>
-    <a:clrScheme name="Office">
+    <a:clrScheme name="Ion">
       <a:dk1>
         <a:sysClr val="windowText" lastClr="000000"/>
       </a:dk1>
@@ -4389,42 +8174,42 @@
         <a:sysClr val="window" lastClr="FFFFFF"/>
       </a:lt1>
       <a:dk2>
-        <a:srgbClr val="1F497D"/>
+        <a:srgbClr val="1E5155"/>
       </a:dk2>
       <a:lt2>
-        <a:srgbClr val="EEECE1"/>
+        <a:srgbClr val="EBEBEB"/>
       </a:lt2>
       <a:accent1>
-        <a:srgbClr val="4F81BD"/>
+        <a:srgbClr val="B01513"/>
       </a:accent1>
       <a:accent2>
-        <a:srgbClr val="C0504D"/>
+        <a:srgbClr val="EA6312"/>
       </a:accent2>
       <a:accent3>
-        <a:srgbClr val="9BBB59"/>
+        <a:srgbClr val="E6B729"/>
       </a:accent3>
       <a:accent4>
-        <a:srgbClr val="8064A2"/>
+        <a:srgbClr val="6AAC90"/>
       </a:accent4>
       <a:accent5>
-        <a:srgbClr val="4BACC6"/>
+        <a:srgbClr val="5F9C9D"/>
       </a:accent5>
       <a:accent6>
-        <a:srgbClr val="F79646"/>
+        <a:srgbClr val="9E5E9B"/>
       </a:accent6>
       <a:hlink>
-        <a:srgbClr val="0000FF"/>
+        <a:srgbClr val="58C1BA"/>
       </a:hlink>
       <a:folHlink>
-        <a:srgbClr val="800080"/>
+        <a:srgbClr val="9DD0CB"/>
       </a:folHlink>
     </a:clrScheme>
-    <a:fontScheme name="Office">
+    <a:fontScheme name="Ion">
       <a:majorFont>
-        <a:latin typeface="Calibri"/>
+        <a:latin typeface="Century Gothic" panose="020B0502020202020204"/>
         <a:ea typeface=""/>
         <a:cs typeface=""/>
-        <a:font script="Jpan" typeface="ＭＳ Ｐゴシック"/>
+        <a:font script="Jpan" typeface="メイリオ"/>
         <a:font script="Hang" typeface="맑은 고딕"/>
         <a:font script="Hans" typeface="宋体"/>
         <a:font script="Hant" typeface="新細明體"/>
@@ -4456,10 +8241,10 @@
         <a:font script="Geor" typeface="Sylfaen"/>
       </a:majorFont>
       <a:minorFont>
-        <a:latin typeface="Calibri"/>
+        <a:latin typeface="Century Gothic" panose="020B0502020202020204"/>
         <a:ea typeface=""/>
         <a:cs typeface=""/>
-        <a:font script="Jpan" typeface="ＭＳ Ｐゴシック"/>
+        <a:font script="Jpan" typeface="メイリオ"/>
         <a:font script="Hang" typeface="맑은 고딕"/>
         <a:font script="Hans" typeface="宋体"/>
         <a:font script="Hant" typeface="新細明體"/>
@@ -4491,7 +8276,7 @@
         <a:font script="Geor" typeface="Sylfaen"/>
       </a:minorFont>
     </a:fontScheme>
-    <a:fmtScheme name="Office">
+    <a:fmtScheme name="Ion">
       <a:fillStyleLst>
         <a:solidFill>
           <a:schemeClr val="phClr"/>
@@ -4500,62 +8285,52 @@
           <a:gsLst>
             <a:gs pos="0">
               <a:schemeClr val="phClr">
-                <a:tint val="50000"/>
-                <a:satMod val="300000"/>
-              </a:schemeClr>
-            </a:gs>
-            <a:gs pos="35000">
-              <a:schemeClr val="phClr">
-                <a:tint val="37000"/>
-                <a:satMod val="300000"/>
+                <a:tint val="64000"/>
+                <a:lumMod val="118000"/>
               </a:schemeClr>
             </a:gs>
             <a:gs pos="100000">
               <a:schemeClr val="phClr">
-                <a:tint val="15000"/>
-                <a:satMod val="350000"/>
+                <a:tint val="92000"/>
+                <a:alpha val="100000"/>
+                <a:lumMod val="110000"/>
               </a:schemeClr>
             </a:gs>
           </a:gsLst>
-          <a:lin ang="16200000" scaled="1"/>
+          <a:lin ang="5400000" scaled="0"/>
         </a:gradFill>
         <a:gradFill rotWithShape="1">
           <a:gsLst>
             <a:gs pos="0">
               <a:schemeClr val="phClr">
-                <a:tint val="100000"/>
-                <a:shade val="100000"/>
-                <a:satMod val="130000"/>
+                <a:tint val="98000"/>
+                <a:lumMod val="114000"/>
               </a:schemeClr>
             </a:gs>
             <a:gs pos="100000">
               <a:schemeClr val="phClr">
-                <a:tint val="50000"/>
-                <a:shade val="100000"/>
-                <a:satMod val="350000"/>
+                <a:shade val="90000"/>
+                <a:lumMod val="84000"/>
               </a:schemeClr>
             </a:gs>
           </a:gsLst>
-          <a:lin ang="16200000" scaled="0"/>
+          <a:lin ang="5400000" scaled="0"/>
         </a:gradFill>
       </a:fillStyleLst>
       <a:lnStyleLst>
-        <a:ln w="9525" cap="flat" cmpd="sng" algn="ctr">
-          <a:solidFill>
-            <a:schemeClr val="phClr">
-              <a:shade val="95000"/>
-              <a:satMod val="105000"/>
-            </a:schemeClr>
-          </a:solidFill>
-          <a:prstDash val="solid"/>
-        </a:ln>
-        <a:ln w="25400" cap="flat" cmpd="sng" algn="ctr">
+        <a:ln w="9525" cap="rnd" cmpd="sng" algn="ctr">
           <a:solidFill>
             <a:schemeClr val="phClr"/>
           </a:solidFill>
           <a:prstDash val="solid"/>
         </a:ln>
-        <a:ln w="38100" cap="flat" cmpd="sng" algn="ctr">
+        <a:ln w="19050" cap="rnd" cmpd="sng" algn="ctr">
+          <a:solidFill>
+            <a:schemeClr val="phClr"/>
+          </a:solidFill>
+          <a:prstDash val="solid"/>
+        </a:ln>
+        <a:ln w="28575" cap="rnd" cmpd="sng" algn="ctr">
           <a:solidFill>
             <a:schemeClr val="phClr"/>
           </a:solidFill>
@@ -4564,28 +8339,22 @@
       </a:lnStyleLst>
       <a:effectStyleLst>
         <a:effectStyle>
+          <a:effectLst/>
+        </a:effectStyle>
+        <a:effectStyle>
           <a:effectLst>
-            <a:outerShdw blurRad="40000" dist="20000" dir="5400000" rotWithShape="0">
+            <a:outerShdw blurRad="38100" dist="25400" dir="5400000" rotWithShape="0">
               <a:srgbClr val="000000">
-                <a:alpha val="38000"/>
+                <a:alpha val="45000"/>
               </a:srgbClr>
             </a:outerShdw>
           </a:effectLst>
         </a:effectStyle>
         <a:effectStyle>
           <a:effectLst>
-            <a:outerShdw blurRad="40000" dist="23000" dir="5400000" rotWithShape="0">
+            <a:outerShdw blurRad="63500" dist="38100" dir="5400000" rotWithShape="0">
               <a:srgbClr val="000000">
-                <a:alpha val="35000"/>
-              </a:srgbClr>
-            </a:outerShdw>
-          </a:effectLst>
-        </a:effectStyle>
-        <a:effectStyle>
-          <a:effectLst>
-            <a:outerShdw blurRad="40000" dist="23000" dir="5400000" rotWithShape="0">
-              <a:srgbClr val="000000">
-                <a:alpha val="35000"/>
+                <a:alpha val="60000"/>
               </a:srgbClr>
             </a:outerShdw>
           </a:effectLst>
@@ -4593,12 +8362,10 @@
             <a:camera prst="orthographicFront">
               <a:rot lat="0" lon="0" rev="0"/>
             </a:camera>
-            <a:lightRig rig="threePt" dir="t">
-              <a:rot lat="0" lon="0" rev="1200000"/>
-            </a:lightRig>
+            <a:lightRig rig="threePt" dir="tl"/>
           </a:scene3d>
-          <a:sp3d>
-            <a:bevelT w="63500" h="25400"/>
+          <a:sp3d prstMaterial="plastic">
+            <a:bevelT w="0" h="0"/>
           </a:sp3d>
         </a:effectStyle>
       </a:effectStyleLst>
@@ -4610,90 +8377,54 @@
           <a:gsLst>
             <a:gs pos="0">
               <a:schemeClr val="phClr">
-                <a:tint val="40000"/>
-                <a:satMod val="350000"/>
-              </a:schemeClr>
-            </a:gs>
-            <a:gs pos="40000">
-              <a:schemeClr val="phClr">
-                <a:tint val="45000"/>
-                <a:shade val="99000"/>
-                <a:satMod val="350000"/>
+                <a:tint val="97000"/>
+                <a:hueMod val="88000"/>
+                <a:satMod val="130000"/>
+                <a:lumMod val="124000"/>
               </a:schemeClr>
             </a:gs>
             <a:gs pos="100000">
               <a:schemeClr val="phClr">
-                <a:shade val="20000"/>
-                <a:satMod val="255000"/>
+                <a:tint val="96000"/>
+                <a:shade val="88000"/>
+                <a:hueMod val="108000"/>
+                <a:satMod val="164000"/>
+                <a:lumMod val="76000"/>
               </a:schemeClr>
             </a:gs>
           </a:gsLst>
           <a:path path="circle">
-            <a:fillToRect l="50000" t="-80000" r="50000" b="180000"/>
+            <a:fillToRect l="45000" t="65000" r="125000" b="100000"/>
           </a:path>
         </a:gradFill>
-        <a:gradFill rotWithShape="1">
-          <a:gsLst>
-            <a:gs pos="0">
+        <a:blipFill rotWithShape="1">
+          <a:blip xmlns:r="http://schemas.openxmlformats.org/officeDocument/2006/relationships" r:embed="rId1">
+            <a:duotone>
               <a:schemeClr val="phClr">
-                <a:tint val="80000"/>
-                <a:satMod val="300000"/>
+                <a:shade val="69000"/>
+                <a:hueMod val="108000"/>
+                <a:satMod val="164000"/>
+                <a:lumMod val="74000"/>
               </a:schemeClr>
-            </a:gs>
-            <a:gs pos="100000">
               <a:schemeClr val="phClr">
-                <a:shade val="30000"/>
-                <a:satMod val="200000"/>
+                <a:tint val="96000"/>
+                <a:hueMod val="88000"/>
+                <a:satMod val="140000"/>
+                <a:lumMod val="132000"/>
               </a:schemeClr>
-            </a:gs>
-          </a:gsLst>
-          <a:path path="circle">
-            <a:fillToRect l="50000" t="50000" r="50000" b="50000"/>
-          </a:path>
-        </a:gradFill>
+            </a:duotone>
+          </a:blip>
+          <a:stretch/>
+        </a:blipFill>
       </a:bgFillStyleLst>
     </a:fmtScheme>
   </a:themeElements>
-  <a:objectDefaults>
-    <a:spDef>
-      <a:spPr/>
-      <a:bodyPr/>
-      <a:lstStyle/>
-      <a:style>
-        <a:lnRef idx="1">
-          <a:schemeClr val="accent1"/>
-        </a:lnRef>
-        <a:fillRef idx="3">
-          <a:schemeClr val="accent1"/>
-        </a:fillRef>
-        <a:effectRef idx="2">
-          <a:schemeClr val="accent1"/>
-        </a:effectRef>
-        <a:fontRef idx="minor">
-          <a:schemeClr val="lt1"/>
-        </a:fontRef>
-      </a:style>
-    </a:spDef>
-    <a:lnDef>
-      <a:spPr/>
-      <a:bodyPr/>
-      <a:lstStyle/>
-      <a:style>
-        <a:lnRef idx="2">
-          <a:schemeClr val="accent1"/>
-        </a:lnRef>
-        <a:fillRef idx="0">
-          <a:schemeClr val="accent1"/>
-        </a:fillRef>
-        <a:effectRef idx="1">
-          <a:schemeClr val="accent1"/>
-        </a:effectRef>
-        <a:fontRef idx="minor">
-          <a:schemeClr val="tx1"/>
-        </a:fontRef>
-      </a:style>
-    </a:lnDef>
-  </a:objectDefaults>
+  <a:objectDefaults/>
   <a:extraClrSchemeLst/>
+  <a:extLst>
+    <a:ext uri="{05A4C25C-085E-4340-85A3-A5531E510DB2}">
+      <thm15:themeFamily xmlns:thm15="http://schemas.microsoft.com/office/thememl/2012/main" name="Ion" id="{B8441ADB-2E43-4AF7-B97A-BD870242C6A8}" vid="{292E63A9-BB86-4E3D-B92A-7223C6510D2E}"/>
+    </a:ext>
+  </a:extLst>
 </a:theme>
 </file>